--- a/Devops/Jenkins.pptx
+++ b/Devops/Jenkins.pptx
@@ -4,25 +4,35 @@
   <p:sldMasterIdLst>
     <p:sldMasterId id="2147483660" r:id="rId1"/>
   </p:sldMasterIdLst>
-  <p:notesMasterIdLst>
-    <p:notesMasterId r:id="rId15"/>
-  </p:notesMasterIdLst>
   <p:sldIdLst>
     <p:sldId id="256" r:id="rId2"/>
     <p:sldId id="257" r:id="rId3"/>
     <p:sldId id="258" r:id="rId4"/>
     <p:sldId id="259" r:id="rId5"/>
-    <p:sldId id="260" r:id="rId6"/>
+    <p:sldId id="262" r:id="rId6"/>
     <p:sldId id="261" r:id="rId7"/>
-    <p:sldId id="262" r:id="rId8"/>
+    <p:sldId id="260" r:id="rId8"/>
     <p:sldId id="263" r:id="rId9"/>
-    <p:sldId id="267" r:id="rId10"/>
-    <p:sldId id="268" r:id="rId11"/>
-    <p:sldId id="269" r:id="rId12"/>
-    <p:sldId id="270" r:id="rId13"/>
-    <p:sldId id="271" r:id="rId14"/>
+    <p:sldId id="264" r:id="rId10"/>
+    <p:sldId id="265" r:id="rId11"/>
+    <p:sldId id="266" r:id="rId12"/>
+    <p:sldId id="267" r:id="rId13"/>
+    <p:sldId id="268" r:id="rId14"/>
+    <p:sldId id="269" r:id="rId15"/>
+    <p:sldId id="270" r:id="rId16"/>
+    <p:sldId id="271" r:id="rId17"/>
+    <p:sldId id="272" r:id="rId18"/>
+    <p:sldId id="273" r:id="rId19"/>
+    <p:sldId id="274" r:id="rId20"/>
+    <p:sldId id="275" r:id="rId21"/>
+    <p:sldId id="276" r:id="rId22"/>
+    <p:sldId id="277" r:id="rId23"/>
+    <p:sldId id="278" r:id="rId24"/>
+    <p:sldId id="279" r:id="rId25"/>
+    <p:sldId id="280" r:id="rId26"/>
+    <p:sldId id="281" r:id="rId27"/>
   </p:sldIdLst>
-  <p:sldSz cx="9144000" cy="6858000" type="screen4x3"/>
+  <p:sldSz cx="12192000" cy="6858000"/>
   <p:notesSz cx="6858000" cy="9144000"/>
   <p:defaultTextStyle>
     <a:defPPr>
@@ -152,12 +162,12 @@
   <p:extLst>
     <p:ext uri="{EFAFB233-063F-42B5-8137-9DF3F51BA10A}">
       <p15:sldGuideLst xmlns:p15="http://schemas.microsoft.com/office/powerpoint/2012/main">
-        <p15:guide id="1" orient="horz" pos="2160">
+        <p15:guide id="1" orient="horz" pos="2160" userDrawn="1">
           <p15:clr>
             <a:srgbClr val="A4A3A4"/>
           </p15:clr>
         </p15:guide>
-        <p15:guide id="2" pos="2880">
+        <p15:guide id="2" pos="3840" userDrawn="1">
           <p15:clr>
             <a:srgbClr val="A4A3A4"/>
           </p15:clr>
@@ -166,355 +176,6 @@
     </p:ext>
   </p:extLst>
 </p:presentation>
-</file>
-
-<file path=ppt/notesMasters/notesMaster1.xml><?xml version="1.0" encoding="utf-8"?>
-<p:notesMaster xmlns:a="http://schemas.openxmlformats.org/drawingml/2006/main" xmlns:r="http://schemas.openxmlformats.org/officeDocument/2006/relationships" xmlns:p="http://schemas.openxmlformats.org/presentationml/2006/main">
-  <p:cSld>
-    <p:bg>
-      <p:bgRef idx="1001">
-        <a:schemeClr val="bg1"/>
-      </p:bgRef>
-    </p:bg>
-    <p:spTree>
-      <p:nvGrpSpPr>
-        <p:cNvPr id="1" name=""/>
-        <p:cNvGrpSpPr/>
-        <p:nvPr/>
-      </p:nvGrpSpPr>
-      <p:grpSpPr>
-        <a:xfrm>
-          <a:off x="0" y="0"/>
-          <a:ext cx="0" cy="0"/>
-          <a:chOff x="0" y="0"/>
-          <a:chExt cx="0" cy="0"/>
-        </a:xfrm>
-      </p:grpSpPr>
-      <p:sp>
-        <p:nvSpPr>
-          <p:cNvPr id="2" name="Header Placeholder 1"/>
-          <p:cNvSpPr>
-            <a:spLocks noGrp="1"/>
-          </p:cNvSpPr>
-          <p:nvPr>
-            <p:ph type="hdr" sz="quarter"/>
-          </p:nvPr>
-        </p:nvSpPr>
-        <p:spPr>
-          <a:xfrm>
-            <a:off x="0" y="0"/>
-            <a:ext cx="2971800" cy="457200"/>
-          </a:xfrm>
-          <a:prstGeom prst="rect">
-            <a:avLst/>
-          </a:prstGeom>
-        </p:spPr>
-        <p:txBody>
-          <a:bodyPr vert="horz" lIns="91440" tIns="45720" rIns="91440" bIns="45720" rtlCol="0"/>
-          <a:lstStyle>
-            <a:lvl1pPr algn="l">
-              <a:defRPr sz="1200"/>
-            </a:lvl1pPr>
-          </a:lstStyle>
-          <a:p>
-            <a:endParaRPr lang="en-US"/>
-          </a:p>
-        </p:txBody>
-      </p:sp>
-      <p:sp>
-        <p:nvSpPr>
-          <p:cNvPr id="3" name="Date Placeholder 2"/>
-          <p:cNvSpPr>
-            <a:spLocks noGrp="1"/>
-          </p:cNvSpPr>
-          <p:nvPr>
-            <p:ph type="dt" idx="1"/>
-          </p:nvPr>
-        </p:nvSpPr>
-        <p:spPr>
-          <a:xfrm>
-            <a:off x="3884613" y="0"/>
-            <a:ext cx="2971800" cy="457200"/>
-          </a:xfrm>
-          <a:prstGeom prst="rect">
-            <a:avLst/>
-          </a:prstGeom>
-        </p:spPr>
-        <p:txBody>
-          <a:bodyPr vert="horz" lIns="91440" tIns="45720" rIns="91440" bIns="45720" rtlCol="0"/>
-          <a:lstStyle>
-            <a:lvl1pPr algn="r">
-              <a:defRPr sz="1200"/>
-            </a:lvl1pPr>
-          </a:lstStyle>
-          <a:p>
-            <a:fld id="{313CE349-E1B6-43C2-941A-23C27FE5F866}" type="datetimeFigureOut">
-              <a:rPr lang="en-US" smtClean="0"/>
-              <a:t>11/2/2022</a:t>
-            </a:fld>
-            <a:endParaRPr lang="en-US"/>
-          </a:p>
-        </p:txBody>
-      </p:sp>
-      <p:sp>
-        <p:nvSpPr>
-          <p:cNvPr id="4" name="Slide Image Placeholder 3"/>
-          <p:cNvSpPr>
-            <a:spLocks noGrp="1" noRot="1" noChangeAspect="1"/>
-          </p:cNvSpPr>
-          <p:nvPr>
-            <p:ph type="sldImg" idx="2"/>
-          </p:nvPr>
-        </p:nvSpPr>
-        <p:spPr>
-          <a:xfrm>
-            <a:off x="1143000" y="685800"/>
-            <a:ext cx="4572000" cy="3429000"/>
-          </a:xfrm>
-          <a:prstGeom prst="rect">
-            <a:avLst/>
-          </a:prstGeom>
-          <a:noFill/>
-          <a:ln w="12700">
-            <a:solidFill>
-              <a:prstClr val="black"/>
-            </a:solidFill>
-          </a:ln>
-        </p:spPr>
-        <p:txBody>
-          <a:bodyPr vert="horz" lIns="91440" tIns="45720" rIns="91440" bIns="45720" rtlCol="0" anchor="ctr"/>
-          <a:lstStyle/>
-          <a:p>
-            <a:endParaRPr lang="en-US"/>
-          </a:p>
-        </p:txBody>
-      </p:sp>
-      <p:sp>
-        <p:nvSpPr>
-          <p:cNvPr id="5" name="Notes Placeholder 4"/>
-          <p:cNvSpPr>
-            <a:spLocks noGrp="1"/>
-          </p:cNvSpPr>
-          <p:nvPr>
-            <p:ph type="body" sz="quarter" idx="3"/>
-          </p:nvPr>
-        </p:nvSpPr>
-        <p:spPr>
-          <a:xfrm>
-            <a:off x="685800" y="4343400"/>
-            <a:ext cx="5486400" cy="4114800"/>
-          </a:xfrm>
-          <a:prstGeom prst="rect">
-            <a:avLst/>
-          </a:prstGeom>
-        </p:spPr>
-        <p:txBody>
-          <a:bodyPr vert="horz" lIns="91440" tIns="45720" rIns="91440" bIns="45720" rtlCol="0"/>
-          <a:lstStyle/>
-          <a:p>
-            <a:pPr lvl="0"/>
-            <a:r>
-              <a:rPr lang="en-US"/>
-              <a:t>Click to edit Master text styles</a:t>
-            </a:r>
-          </a:p>
-          <a:p>
-            <a:pPr lvl="1"/>
-            <a:r>
-              <a:rPr lang="en-US"/>
-              <a:t>Second level</a:t>
-            </a:r>
-          </a:p>
-          <a:p>
-            <a:pPr lvl="2"/>
-            <a:r>
-              <a:rPr lang="en-US"/>
-              <a:t>Third level</a:t>
-            </a:r>
-          </a:p>
-          <a:p>
-            <a:pPr lvl="3"/>
-            <a:r>
-              <a:rPr lang="en-US"/>
-              <a:t>Fourth level</a:t>
-            </a:r>
-          </a:p>
-          <a:p>
-            <a:pPr lvl="4"/>
-            <a:r>
-              <a:rPr lang="en-US"/>
-              <a:t>Fifth level</a:t>
-            </a:r>
-          </a:p>
-        </p:txBody>
-      </p:sp>
-      <p:sp>
-        <p:nvSpPr>
-          <p:cNvPr id="6" name="Footer Placeholder 5"/>
-          <p:cNvSpPr>
-            <a:spLocks noGrp="1"/>
-          </p:cNvSpPr>
-          <p:nvPr>
-            <p:ph type="ftr" sz="quarter" idx="4"/>
-          </p:nvPr>
-        </p:nvSpPr>
-        <p:spPr>
-          <a:xfrm>
-            <a:off x="0" y="8685213"/>
-            <a:ext cx="2971800" cy="457200"/>
-          </a:xfrm>
-          <a:prstGeom prst="rect">
-            <a:avLst/>
-          </a:prstGeom>
-        </p:spPr>
-        <p:txBody>
-          <a:bodyPr vert="horz" lIns="91440" tIns="45720" rIns="91440" bIns="45720" rtlCol="0" anchor="b"/>
-          <a:lstStyle>
-            <a:lvl1pPr algn="l">
-              <a:defRPr sz="1200"/>
-            </a:lvl1pPr>
-          </a:lstStyle>
-          <a:p>
-            <a:endParaRPr lang="en-US"/>
-          </a:p>
-        </p:txBody>
-      </p:sp>
-      <p:sp>
-        <p:nvSpPr>
-          <p:cNvPr id="7" name="Slide Number Placeholder 6"/>
-          <p:cNvSpPr>
-            <a:spLocks noGrp="1"/>
-          </p:cNvSpPr>
-          <p:nvPr>
-            <p:ph type="sldNum" sz="quarter" idx="5"/>
-          </p:nvPr>
-        </p:nvSpPr>
-        <p:spPr>
-          <a:xfrm>
-            <a:off x="3884613" y="8685213"/>
-            <a:ext cx="2971800" cy="457200"/>
-          </a:xfrm>
-          <a:prstGeom prst="rect">
-            <a:avLst/>
-          </a:prstGeom>
-        </p:spPr>
-        <p:txBody>
-          <a:bodyPr vert="horz" lIns="91440" tIns="45720" rIns="91440" bIns="45720" rtlCol="0" anchor="b"/>
-          <a:lstStyle>
-            <a:lvl1pPr algn="r">
-              <a:defRPr sz="1200"/>
-            </a:lvl1pPr>
-          </a:lstStyle>
-          <a:p>
-            <a:fld id="{F55B9983-9928-4164-855C-D5C55AE20603}" type="slidenum">
-              <a:rPr lang="en-US" smtClean="0"/>
-              <a:t>‹#›</a:t>
-            </a:fld>
-            <a:endParaRPr lang="en-US"/>
-          </a:p>
-        </p:txBody>
-      </p:sp>
-    </p:spTree>
-    <p:extLst>
-      <p:ext uri="{BB962C8B-B14F-4D97-AF65-F5344CB8AC3E}">
-        <p14:creationId xmlns:p14="http://schemas.microsoft.com/office/powerpoint/2010/main" val="3460223844"/>
-      </p:ext>
-    </p:extLst>
-  </p:cSld>
-  <p:clrMap bg1="lt1" tx1="dk1" bg2="lt2" tx2="dk2" accent1="accent1" accent2="accent2" accent3="accent3" accent4="accent4" accent5="accent5" accent6="accent6" hlink="hlink" folHlink="folHlink"/>
-  <p:notesStyle>
-    <a:lvl1pPr marL="0" algn="l" defTabSz="914400" rtl="0" eaLnBrk="1" latinLnBrk="0" hangingPunct="1">
-      <a:defRPr sz="1200" kern="1200">
-        <a:solidFill>
-          <a:schemeClr val="tx1"/>
-        </a:solidFill>
-        <a:latin typeface="+mn-lt"/>
-        <a:ea typeface="+mn-ea"/>
-        <a:cs typeface="+mn-cs"/>
-      </a:defRPr>
-    </a:lvl1pPr>
-    <a:lvl2pPr marL="457200" algn="l" defTabSz="914400" rtl="0" eaLnBrk="1" latinLnBrk="0" hangingPunct="1">
-      <a:defRPr sz="1200" kern="1200">
-        <a:solidFill>
-          <a:schemeClr val="tx1"/>
-        </a:solidFill>
-        <a:latin typeface="+mn-lt"/>
-        <a:ea typeface="+mn-ea"/>
-        <a:cs typeface="+mn-cs"/>
-      </a:defRPr>
-    </a:lvl2pPr>
-    <a:lvl3pPr marL="914400" algn="l" defTabSz="914400" rtl="0" eaLnBrk="1" latinLnBrk="0" hangingPunct="1">
-      <a:defRPr sz="1200" kern="1200">
-        <a:solidFill>
-          <a:schemeClr val="tx1"/>
-        </a:solidFill>
-        <a:latin typeface="+mn-lt"/>
-        <a:ea typeface="+mn-ea"/>
-        <a:cs typeface="+mn-cs"/>
-      </a:defRPr>
-    </a:lvl3pPr>
-    <a:lvl4pPr marL="1371600" algn="l" defTabSz="914400" rtl="0" eaLnBrk="1" latinLnBrk="0" hangingPunct="1">
-      <a:defRPr sz="1200" kern="1200">
-        <a:solidFill>
-          <a:schemeClr val="tx1"/>
-        </a:solidFill>
-        <a:latin typeface="+mn-lt"/>
-        <a:ea typeface="+mn-ea"/>
-        <a:cs typeface="+mn-cs"/>
-      </a:defRPr>
-    </a:lvl4pPr>
-    <a:lvl5pPr marL="1828800" algn="l" defTabSz="914400" rtl="0" eaLnBrk="1" latinLnBrk="0" hangingPunct="1">
-      <a:defRPr sz="1200" kern="1200">
-        <a:solidFill>
-          <a:schemeClr val="tx1"/>
-        </a:solidFill>
-        <a:latin typeface="+mn-lt"/>
-        <a:ea typeface="+mn-ea"/>
-        <a:cs typeface="+mn-cs"/>
-      </a:defRPr>
-    </a:lvl5pPr>
-    <a:lvl6pPr marL="2286000" algn="l" defTabSz="914400" rtl="0" eaLnBrk="1" latinLnBrk="0" hangingPunct="1">
-      <a:defRPr sz="1200" kern="1200">
-        <a:solidFill>
-          <a:schemeClr val="tx1"/>
-        </a:solidFill>
-        <a:latin typeface="+mn-lt"/>
-        <a:ea typeface="+mn-ea"/>
-        <a:cs typeface="+mn-cs"/>
-      </a:defRPr>
-    </a:lvl6pPr>
-    <a:lvl7pPr marL="2743200" algn="l" defTabSz="914400" rtl="0" eaLnBrk="1" latinLnBrk="0" hangingPunct="1">
-      <a:defRPr sz="1200" kern="1200">
-        <a:solidFill>
-          <a:schemeClr val="tx1"/>
-        </a:solidFill>
-        <a:latin typeface="+mn-lt"/>
-        <a:ea typeface="+mn-ea"/>
-        <a:cs typeface="+mn-cs"/>
-      </a:defRPr>
-    </a:lvl7pPr>
-    <a:lvl8pPr marL="3200400" algn="l" defTabSz="914400" rtl="0" eaLnBrk="1" latinLnBrk="0" hangingPunct="1">
-      <a:defRPr sz="1200" kern="1200">
-        <a:solidFill>
-          <a:schemeClr val="tx1"/>
-        </a:solidFill>
-        <a:latin typeface="+mn-lt"/>
-        <a:ea typeface="+mn-ea"/>
-        <a:cs typeface="+mn-cs"/>
-      </a:defRPr>
-    </a:lvl8pPr>
-    <a:lvl9pPr marL="3657600" algn="l" defTabSz="914400" rtl="0" eaLnBrk="1" latinLnBrk="0" hangingPunct="1">
-      <a:defRPr sz="1200" kern="1200">
-        <a:solidFill>
-          <a:schemeClr val="tx1"/>
-        </a:solidFill>
-        <a:latin typeface="+mn-lt"/>
-        <a:ea typeface="+mn-ea"/>
-        <a:cs typeface="+mn-cs"/>
-      </a:defRPr>
-    </a:lvl9pPr>
-  </p:notesStyle>
-</p:notesMaster>
 </file>
 
 <file path=ppt/slideLayouts/slideLayout1.xml><?xml version="1.0" encoding="utf-8"?>
@@ -544,7 +205,7 @@
         </p:nvSpPr>
         <p:spPr bwMode="auto">
           <a:xfrm>
-            <a:off x="7315200" y="1066800"/>
+            <a:off x="9753600" y="1066800"/>
             <a:ext cx="0" cy="1752600"/>
           </a:xfrm>
           <a:prstGeom prst="line">
@@ -581,7 +242,7 @@
           <a:bodyPr/>
           <a:lstStyle/>
           <a:p>
-            <a:endParaRPr lang="en-IN"/>
+            <a:endParaRPr lang="en-IN" sz="1800"/>
           </a:p>
         </p:txBody>
       </p:sp>
@@ -597,8 +258,8 @@
         </p:nvSpPr>
         <p:spPr>
           <a:xfrm>
-            <a:off x="762000" y="457200"/>
-            <a:ext cx="6389688" cy="2133600"/>
+            <a:off x="1016000" y="457200"/>
+            <a:ext cx="8519584" cy="2133600"/>
           </a:xfrm>
         </p:spPr>
         <p:txBody>
@@ -629,8 +290,8 @@
         </p:nvSpPr>
         <p:spPr>
           <a:xfrm>
-            <a:off x="849313" y="3049588"/>
-            <a:ext cx="6248400" cy="2362200"/>
+            <a:off x="1132417" y="3049588"/>
+            <a:ext cx="8331200" cy="2362200"/>
           </a:xfrm>
         </p:spPr>
         <p:txBody>
@@ -670,9 +331,9 @@
             </a:lvl1pPr>
           </a:lstStyle>
           <a:p>
-            <a:fld id="{78D50CD9-0C96-419C-9A30-EFF64B468056}" type="datetime1">
+            <a:fld id="{D80A05AA-9E54-420D-BF49-BABB1A128EA7}" type="datetimeFigureOut">
               <a:rPr lang="en-US" smtClean="0"/>
-              <a:t>11/2/2022</a:t>
+              <a:t>9/15/2024</a:t>
             </a:fld>
             <a:endParaRPr lang="en-US"/>
           </a:p>
@@ -720,7 +381,7 @@
             </a:lvl1pPr>
           </a:lstStyle>
           <a:p>
-            <a:fld id="{6E53B7C2-38DE-462B-83A6-6DD189424A6E}" type="slidenum">
+            <a:fld id="{34A78091-51B1-49B5-BEFA-9A7397409480}" type="slidenum">
               <a:rPr lang="en-US" smtClean="0"/>
               <a:t>‹#›</a:t>
             </a:fld>
@@ -738,8 +399,8 @@
         </p:nvSpPr>
         <p:spPr bwMode="auto">
           <a:xfrm>
-            <a:off x="838200" y="2819400"/>
-            <a:ext cx="6477000" cy="0"/>
+            <a:off x="1117600" y="2819400"/>
+            <a:ext cx="8636000" cy="0"/>
           </a:xfrm>
           <a:prstGeom prst="line">
             <a:avLst/>
@@ -775,7 +436,7 @@
           <a:bodyPr/>
           <a:lstStyle/>
           <a:p>
-            <a:endParaRPr lang="en-IN"/>
+            <a:endParaRPr lang="en-IN" sz="1800"/>
           </a:p>
         </p:txBody>
       </p:sp>
@@ -789,8 +450,8 @@
         </p:nvGrpSpPr>
         <p:grpSpPr bwMode="auto">
           <a:xfrm>
-            <a:off x="7467600" y="1219200"/>
-            <a:ext cx="792163" cy="1295400"/>
+            <a:off x="9956801" y="1219200"/>
+            <a:ext cx="1056217" cy="1295400"/>
             <a:chOff x="5136" y="960"/>
             <a:chExt cx="528" cy="864"/>
           </a:xfrm>
@@ -844,7 +505,7 @@
             <a:bodyPr wrap="none" anchor="ctr"/>
             <a:lstStyle/>
             <a:p>
-              <a:endParaRPr lang="en-IN"/>
+              <a:endParaRPr lang="en-IN" sz="1800"/>
             </a:p>
           </p:txBody>
         </p:sp>
@@ -897,7 +558,7 @@
             <a:bodyPr wrap="none" anchor="ctr"/>
             <a:lstStyle/>
             <a:p>
-              <a:endParaRPr lang="en-IN"/>
+              <a:endParaRPr lang="en-IN" sz="1800"/>
             </a:p>
           </p:txBody>
         </p:sp>
@@ -950,7 +611,7 @@
             <a:bodyPr wrap="none" anchor="ctr"/>
             <a:lstStyle/>
             <a:p>
-              <a:endParaRPr lang="en-IN"/>
+              <a:endParaRPr lang="en-IN" sz="1800"/>
             </a:p>
           </p:txBody>
         </p:sp>
@@ -1003,7 +664,7 @@
             <a:bodyPr wrap="none" anchor="ctr"/>
             <a:lstStyle/>
             <a:p>
-              <a:endParaRPr lang="en-IN"/>
+              <a:endParaRPr lang="en-IN" sz="1800"/>
             </a:p>
           </p:txBody>
         </p:sp>
@@ -1056,7 +717,7 @@
             <a:bodyPr wrap="none" anchor="ctr"/>
             <a:lstStyle/>
             <a:p>
-              <a:endParaRPr lang="en-IN"/>
+              <a:endParaRPr lang="en-IN" sz="1800"/>
             </a:p>
           </p:txBody>
         </p:sp>
@@ -1109,7 +770,7 @@
             <a:bodyPr wrap="none" anchor="ctr"/>
             <a:lstStyle/>
             <a:p>
-              <a:endParaRPr lang="en-IN"/>
+              <a:endParaRPr lang="en-IN" sz="1800"/>
             </a:p>
           </p:txBody>
         </p:sp>
@@ -1162,7 +823,7 @@
             <a:bodyPr wrap="none" anchor="ctr"/>
             <a:lstStyle/>
             <a:p>
-              <a:endParaRPr lang="en-IN"/>
+              <a:endParaRPr lang="en-IN" sz="1800"/>
             </a:p>
           </p:txBody>
         </p:sp>
@@ -1215,7 +876,7 @@
             <a:bodyPr wrap="none" anchor="ctr"/>
             <a:lstStyle/>
             <a:p>
-              <a:endParaRPr lang="en-IN"/>
+              <a:endParaRPr lang="en-IN" sz="1800"/>
             </a:p>
           </p:txBody>
         </p:sp>
@@ -1268,7 +929,7 @@
             <a:bodyPr wrap="none" anchor="ctr"/>
             <a:lstStyle/>
             <a:p>
-              <a:endParaRPr lang="en-IN"/>
+              <a:endParaRPr lang="en-IN" sz="1800"/>
             </a:p>
           </p:txBody>
         </p:sp>
@@ -1321,7 +982,7 @@
             <a:bodyPr wrap="none" anchor="ctr"/>
             <a:lstStyle/>
             <a:p>
-              <a:endParaRPr lang="en-IN"/>
+              <a:endParaRPr lang="en-IN" sz="1800"/>
             </a:p>
           </p:txBody>
         </p:sp>
@@ -1374,7 +1035,7 @@
             <a:bodyPr wrap="none" anchor="ctr"/>
             <a:lstStyle/>
             <a:p>
-              <a:endParaRPr lang="en-IN"/>
+              <a:endParaRPr lang="en-IN" sz="1800"/>
             </a:p>
           </p:txBody>
         </p:sp>
@@ -1427,7 +1088,7 @@
             <a:bodyPr wrap="none" anchor="ctr"/>
             <a:lstStyle/>
             <a:p>
-              <a:endParaRPr lang="en-IN"/>
+              <a:endParaRPr lang="en-IN" sz="1800"/>
             </a:p>
           </p:txBody>
         </p:sp>
@@ -1480,7 +1141,7 @@
             <a:bodyPr wrap="none" anchor="ctr"/>
             <a:lstStyle/>
             <a:p>
-              <a:endParaRPr lang="en-IN"/>
+              <a:endParaRPr lang="en-IN" sz="1800"/>
             </a:p>
           </p:txBody>
         </p:sp>
@@ -1533,7 +1194,7 @@
             <a:bodyPr wrap="none" anchor="ctr"/>
             <a:lstStyle/>
             <a:p>
-              <a:endParaRPr lang="en-IN"/>
+              <a:endParaRPr lang="en-IN" sz="1800"/>
             </a:p>
           </p:txBody>
         </p:sp>
@@ -1586,7 +1247,7 @@
             <a:bodyPr wrap="none" anchor="ctr"/>
             <a:lstStyle/>
             <a:p>
-              <a:endParaRPr lang="en-IN"/>
+              <a:endParaRPr lang="en-IN" sz="1800"/>
             </a:p>
           </p:txBody>
         </p:sp>
@@ -1639,7 +1300,7 @@
             <a:bodyPr wrap="none" anchor="ctr"/>
             <a:lstStyle/>
             <a:p>
-              <a:endParaRPr lang="en-IN"/>
+              <a:endParaRPr lang="en-IN" sz="1800"/>
             </a:p>
           </p:txBody>
         </p:sp>
@@ -1692,7 +1353,7 @@
             <a:bodyPr wrap="none" anchor="ctr"/>
             <a:lstStyle/>
             <a:p>
-              <a:endParaRPr lang="en-IN"/>
+              <a:endParaRPr lang="en-IN" sz="1800"/>
             </a:p>
           </p:txBody>
         </p:sp>
@@ -1745,7 +1406,7 @@
             <a:bodyPr wrap="none" anchor="ctr"/>
             <a:lstStyle/>
             <a:p>
-              <a:endParaRPr lang="en-IN"/>
+              <a:endParaRPr lang="en-IN" sz="1800"/>
             </a:p>
           </p:txBody>
         </p:sp>
@@ -1798,7 +1459,7 @@
             <a:bodyPr wrap="none" anchor="ctr"/>
             <a:lstStyle/>
             <a:p>
-              <a:endParaRPr lang="en-IN"/>
+              <a:endParaRPr lang="en-IN" sz="1800"/>
             </a:p>
           </p:txBody>
         </p:sp>
@@ -1851,7 +1512,7 @@
             <a:bodyPr wrap="none" anchor="ctr"/>
             <a:lstStyle/>
             <a:p>
-              <a:endParaRPr lang="en-IN"/>
+              <a:endParaRPr lang="en-IN" sz="1800"/>
             </a:p>
           </p:txBody>
         </p:sp>
@@ -1904,7 +1565,7 @@
             <a:bodyPr wrap="none" anchor="ctr"/>
             <a:lstStyle/>
             <a:p>
-              <a:endParaRPr lang="en-IN"/>
+              <a:endParaRPr lang="en-IN" sz="1800"/>
             </a:p>
           </p:txBody>
         </p:sp>
@@ -1957,7 +1618,7 @@
             <a:bodyPr wrap="none" anchor="ctr"/>
             <a:lstStyle/>
             <a:p>
-              <a:endParaRPr lang="en-IN"/>
+              <a:endParaRPr lang="en-IN" sz="1800"/>
             </a:p>
           </p:txBody>
         </p:sp>
@@ -2010,7 +1671,7 @@
             <a:bodyPr wrap="none" anchor="ctr"/>
             <a:lstStyle/>
             <a:p>
-              <a:endParaRPr lang="en-IN"/>
+              <a:endParaRPr lang="en-IN" sz="1800"/>
             </a:p>
           </p:txBody>
         </p:sp>
@@ -2063,7 +1724,7 @@
             <a:bodyPr wrap="none" anchor="ctr"/>
             <a:lstStyle/>
             <a:p>
-              <a:endParaRPr lang="en-IN"/>
+              <a:endParaRPr lang="en-IN" sz="1800"/>
             </a:p>
           </p:txBody>
         </p:sp>
@@ -2116,7 +1777,7 @@
             <a:bodyPr wrap="none" anchor="ctr"/>
             <a:lstStyle/>
             <a:p>
-              <a:endParaRPr lang="en-IN"/>
+              <a:endParaRPr lang="en-IN" sz="1800"/>
             </a:p>
           </p:txBody>
         </p:sp>
@@ -2169,7 +1830,7 @@
             <a:bodyPr wrap="none" anchor="ctr"/>
             <a:lstStyle/>
             <a:p>
-              <a:endParaRPr lang="en-IN"/>
+              <a:endParaRPr lang="en-IN" sz="1800"/>
             </a:p>
           </p:txBody>
         </p:sp>
@@ -2222,7 +1883,7 @@
             <a:bodyPr wrap="none" anchor="ctr"/>
             <a:lstStyle/>
             <a:p>
-              <a:endParaRPr lang="en-IN"/>
+              <a:endParaRPr lang="en-IN" sz="1800"/>
             </a:p>
           </p:txBody>
         </p:sp>
@@ -2275,7 +1936,7 @@
             <a:bodyPr wrap="none" anchor="ctr"/>
             <a:lstStyle/>
             <a:p>
-              <a:endParaRPr lang="en-IN"/>
+              <a:endParaRPr lang="en-IN" sz="1800"/>
             </a:p>
           </p:txBody>
         </p:sp>
@@ -2328,7 +1989,7 @@
             <a:bodyPr wrap="none" anchor="ctr"/>
             <a:lstStyle/>
             <a:p>
-              <a:endParaRPr lang="en-IN"/>
+              <a:endParaRPr lang="en-IN" sz="1800"/>
             </a:p>
           </p:txBody>
         </p:sp>
@@ -2381,7 +2042,7 @@
             <a:bodyPr wrap="none" anchor="ctr"/>
             <a:lstStyle/>
             <a:p>
-              <a:endParaRPr lang="en-IN"/>
+              <a:endParaRPr lang="en-IN" sz="1800"/>
             </a:p>
           </p:txBody>
         </p:sp>
@@ -2434,7 +2095,7 @@
             <a:bodyPr wrap="none" anchor="ctr"/>
             <a:lstStyle/>
             <a:p>
-              <a:endParaRPr lang="en-IN"/>
+              <a:endParaRPr lang="en-IN" sz="1800"/>
             </a:p>
           </p:txBody>
         </p:sp>
@@ -2449,8 +2110,8 @@
         </p:nvGrpSpPr>
         <p:grpSpPr bwMode="auto">
           <a:xfrm>
-            <a:off x="7467600" y="1219200"/>
-            <a:ext cx="792163" cy="1295400"/>
+            <a:off x="9956801" y="1219200"/>
+            <a:ext cx="1056217" cy="1295400"/>
             <a:chOff x="5136" y="960"/>
             <a:chExt cx="528" cy="864"/>
           </a:xfrm>
@@ -2504,7 +2165,7 @@
             <a:bodyPr wrap="none" anchor="ctr"/>
             <a:lstStyle/>
             <a:p>
-              <a:endParaRPr lang="en-IN"/>
+              <a:endParaRPr lang="en-IN" sz="1800"/>
             </a:p>
           </p:txBody>
         </p:sp>
@@ -2557,7 +2218,7 @@
             <a:bodyPr wrap="none" anchor="ctr"/>
             <a:lstStyle/>
             <a:p>
-              <a:endParaRPr lang="en-IN"/>
+              <a:endParaRPr lang="en-IN" sz="1800"/>
             </a:p>
           </p:txBody>
         </p:sp>
@@ -2610,7 +2271,7 @@
             <a:bodyPr wrap="none" anchor="ctr"/>
             <a:lstStyle/>
             <a:p>
-              <a:endParaRPr lang="en-IN"/>
+              <a:endParaRPr lang="en-IN" sz="1800"/>
             </a:p>
           </p:txBody>
         </p:sp>
@@ -2663,7 +2324,7 @@
             <a:bodyPr wrap="none" anchor="ctr"/>
             <a:lstStyle/>
             <a:p>
-              <a:endParaRPr lang="en-IN"/>
+              <a:endParaRPr lang="en-IN" sz="1800"/>
             </a:p>
           </p:txBody>
         </p:sp>
@@ -2716,7 +2377,7 @@
             <a:bodyPr wrap="none" anchor="ctr"/>
             <a:lstStyle/>
             <a:p>
-              <a:endParaRPr lang="en-IN"/>
+              <a:endParaRPr lang="en-IN" sz="1800"/>
             </a:p>
           </p:txBody>
         </p:sp>
@@ -2769,7 +2430,7 @@
             <a:bodyPr wrap="none" anchor="ctr"/>
             <a:lstStyle/>
             <a:p>
-              <a:endParaRPr lang="en-IN"/>
+              <a:endParaRPr lang="en-IN" sz="1800"/>
             </a:p>
           </p:txBody>
         </p:sp>
@@ -2822,7 +2483,7 @@
             <a:bodyPr wrap="none" anchor="ctr"/>
             <a:lstStyle/>
             <a:p>
-              <a:endParaRPr lang="en-IN"/>
+              <a:endParaRPr lang="en-IN" sz="1800"/>
             </a:p>
           </p:txBody>
         </p:sp>
@@ -2875,7 +2536,7 @@
             <a:bodyPr wrap="none" anchor="ctr"/>
             <a:lstStyle/>
             <a:p>
-              <a:endParaRPr lang="en-IN"/>
+              <a:endParaRPr lang="en-IN" sz="1800"/>
             </a:p>
           </p:txBody>
         </p:sp>
@@ -2928,7 +2589,7 @@
             <a:bodyPr wrap="none" anchor="ctr"/>
             <a:lstStyle/>
             <a:p>
-              <a:endParaRPr lang="en-IN"/>
+              <a:endParaRPr lang="en-IN" sz="1800"/>
             </a:p>
           </p:txBody>
         </p:sp>
@@ -2981,7 +2642,7 @@
             <a:bodyPr wrap="none" anchor="ctr"/>
             <a:lstStyle/>
             <a:p>
-              <a:endParaRPr lang="en-IN"/>
+              <a:endParaRPr lang="en-IN" sz="1800"/>
             </a:p>
           </p:txBody>
         </p:sp>
@@ -3034,7 +2695,7 @@
             <a:bodyPr wrap="none" anchor="ctr"/>
             <a:lstStyle/>
             <a:p>
-              <a:endParaRPr lang="en-IN"/>
+              <a:endParaRPr lang="en-IN" sz="1800"/>
             </a:p>
           </p:txBody>
         </p:sp>
@@ -3087,7 +2748,7 @@
             <a:bodyPr wrap="none" anchor="ctr"/>
             <a:lstStyle/>
             <a:p>
-              <a:endParaRPr lang="en-IN"/>
+              <a:endParaRPr lang="en-IN" sz="1800"/>
             </a:p>
           </p:txBody>
         </p:sp>
@@ -3140,7 +2801,7 @@
             <a:bodyPr wrap="none" anchor="ctr"/>
             <a:lstStyle/>
             <a:p>
-              <a:endParaRPr lang="en-IN"/>
+              <a:endParaRPr lang="en-IN" sz="1800"/>
             </a:p>
           </p:txBody>
         </p:sp>
@@ -3193,7 +2854,7 @@
             <a:bodyPr wrap="none" anchor="ctr"/>
             <a:lstStyle/>
             <a:p>
-              <a:endParaRPr lang="en-IN"/>
+              <a:endParaRPr lang="en-IN" sz="1800"/>
             </a:p>
           </p:txBody>
         </p:sp>
@@ -3246,7 +2907,7 @@
             <a:bodyPr wrap="none" anchor="ctr"/>
             <a:lstStyle/>
             <a:p>
-              <a:endParaRPr lang="en-IN"/>
+              <a:endParaRPr lang="en-IN" sz="1800"/>
             </a:p>
           </p:txBody>
         </p:sp>
@@ -3299,7 +2960,7 @@
             <a:bodyPr wrap="none" anchor="ctr"/>
             <a:lstStyle/>
             <a:p>
-              <a:endParaRPr lang="en-IN"/>
+              <a:endParaRPr lang="en-IN" sz="1800"/>
             </a:p>
           </p:txBody>
         </p:sp>
@@ -3352,7 +3013,7 @@
             <a:bodyPr wrap="none" anchor="ctr"/>
             <a:lstStyle/>
             <a:p>
-              <a:endParaRPr lang="en-IN"/>
+              <a:endParaRPr lang="en-IN" sz="1800"/>
             </a:p>
           </p:txBody>
         </p:sp>
@@ -3405,7 +3066,7 @@
             <a:bodyPr wrap="none" anchor="ctr"/>
             <a:lstStyle/>
             <a:p>
-              <a:endParaRPr lang="en-IN"/>
+              <a:endParaRPr lang="en-IN" sz="1800"/>
             </a:p>
           </p:txBody>
         </p:sp>
@@ -3458,7 +3119,7 @@
             <a:bodyPr wrap="none" anchor="ctr"/>
             <a:lstStyle/>
             <a:p>
-              <a:endParaRPr lang="en-IN"/>
+              <a:endParaRPr lang="en-IN" sz="1800"/>
             </a:p>
           </p:txBody>
         </p:sp>
@@ -3511,7 +3172,7 @@
             <a:bodyPr wrap="none" anchor="ctr"/>
             <a:lstStyle/>
             <a:p>
-              <a:endParaRPr lang="en-IN"/>
+              <a:endParaRPr lang="en-IN" sz="1800"/>
             </a:p>
           </p:txBody>
         </p:sp>
@@ -3564,7 +3225,7 @@
             <a:bodyPr wrap="none" anchor="ctr"/>
             <a:lstStyle/>
             <a:p>
-              <a:endParaRPr lang="en-IN"/>
+              <a:endParaRPr lang="en-IN" sz="1800"/>
             </a:p>
           </p:txBody>
         </p:sp>
@@ -3617,7 +3278,7 @@
             <a:bodyPr wrap="none" anchor="ctr"/>
             <a:lstStyle/>
             <a:p>
-              <a:endParaRPr lang="en-IN"/>
+              <a:endParaRPr lang="en-IN" sz="1800"/>
             </a:p>
           </p:txBody>
         </p:sp>
@@ -3670,7 +3331,7 @@
             <a:bodyPr wrap="none" anchor="ctr"/>
             <a:lstStyle/>
             <a:p>
-              <a:endParaRPr lang="en-IN"/>
+              <a:endParaRPr lang="en-IN" sz="1800"/>
             </a:p>
           </p:txBody>
         </p:sp>
@@ -3723,7 +3384,7 @@
             <a:bodyPr wrap="none" anchor="ctr"/>
             <a:lstStyle/>
             <a:p>
-              <a:endParaRPr lang="en-IN"/>
+              <a:endParaRPr lang="en-IN" sz="1800"/>
             </a:p>
           </p:txBody>
         </p:sp>
@@ -3776,7 +3437,7 @@
             <a:bodyPr wrap="none" anchor="ctr"/>
             <a:lstStyle/>
             <a:p>
-              <a:endParaRPr lang="en-IN"/>
+              <a:endParaRPr lang="en-IN" sz="1800"/>
             </a:p>
           </p:txBody>
         </p:sp>
@@ -3829,7 +3490,7 @@
             <a:bodyPr wrap="none" anchor="ctr"/>
             <a:lstStyle/>
             <a:p>
-              <a:endParaRPr lang="en-IN"/>
+              <a:endParaRPr lang="en-IN" sz="1800"/>
             </a:p>
           </p:txBody>
         </p:sp>
@@ -3882,7 +3543,7 @@
             <a:bodyPr wrap="none" anchor="ctr"/>
             <a:lstStyle/>
             <a:p>
-              <a:endParaRPr lang="en-IN"/>
+              <a:endParaRPr lang="en-IN" sz="1800"/>
             </a:p>
           </p:txBody>
         </p:sp>
@@ -3935,7 +3596,7 @@
             <a:bodyPr wrap="none" anchor="ctr"/>
             <a:lstStyle/>
             <a:p>
-              <a:endParaRPr lang="en-IN"/>
+              <a:endParaRPr lang="en-IN" sz="1800"/>
             </a:p>
           </p:txBody>
         </p:sp>
@@ -3988,7 +3649,7 @@
             <a:bodyPr wrap="none" anchor="ctr"/>
             <a:lstStyle/>
             <a:p>
-              <a:endParaRPr lang="en-IN"/>
+              <a:endParaRPr lang="en-IN" sz="1800"/>
             </a:p>
           </p:txBody>
         </p:sp>
@@ -4041,7 +3702,7 @@
             <a:bodyPr wrap="none" anchor="ctr"/>
             <a:lstStyle/>
             <a:p>
-              <a:endParaRPr lang="en-IN"/>
+              <a:endParaRPr lang="en-IN" sz="1800"/>
             </a:p>
           </p:txBody>
         </p:sp>
@@ -4094,7 +3755,7 @@
             <a:bodyPr wrap="none" anchor="ctr"/>
             <a:lstStyle/>
             <a:p>
-              <a:endParaRPr lang="en-IN"/>
+              <a:endParaRPr lang="en-IN" sz="1800"/>
             </a:p>
           </p:txBody>
         </p:sp>
@@ -4121,8 +3782,8 @@
         </p:blipFill>
         <p:spPr>
           <a:xfrm>
-            <a:off x="8031716" y="6247725"/>
-            <a:ext cx="374823" cy="460309"/>
+            <a:off x="10708955" y="6247726"/>
+            <a:ext cx="499764" cy="460309"/>
           </a:xfrm>
           <a:prstGeom prst="rect">
             <a:avLst/>
@@ -4132,7 +3793,7 @@
     </p:spTree>
     <p:extLst>
       <p:ext uri="{BB962C8B-B14F-4D97-AF65-F5344CB8AC3E}">
-        <p14:creationId xmlns:p14="http://schemas.microsoft.com/office/powerpoint/2010/main" val="4123909080"/>
+        <p14:creationId xmlns:p14="http://schemas.microsoft.com/office/powerpoint/2010/main" val="1470667516"/>
       </p:ext>
     </p:extLst>
   </p:cSld>
@@ -4253,9 +3914,9 @@
             </a:lvl1pPr>
           </a:lstStyle>
           <a:p>
-            <a:fld id="{17981AA2-67FE-4920-9272-782363F4BFFE}" type="datetime1">
+            <a:fld id="{D80A05AA-9E54-420D-BF49-BABB1A128EA7}" type="datetimeFigureOut">
               <a:rPr lang="en-US" smtClean="0"/>
-              <a:t>11/2/2022</a:t>
+              <a:t>9/15/2024</a:t>
             </a:fld>
             <a:endParaRPr lang="en-US"/>
           </a:p>
@@ -4303,7 +3964,7 @@
             </a:lvl1pPr>
           </a:lstStyle>
           <a:p>
-            <a:fld id="{6E53B7C2-38DE-462B-83A6-6DD189424A6E}" type="slidenum">
+            <a:fld id="{34A78091-51B1-49B5-BEFA-9A7397409480}" type="slidenum">
               <a:rPr lang="en-US" smtClean="0"/>
               <a:t>‹#›</a:t>
             </a:fld>
@@ -4333,8 +3994,8 @@
         </p:blipFill>
         <p:spPr>
           <a:xfrm>
-            <a:off x="7716906" y="6247725"/>
-            <a:ext cx="374823" cy="460309"/>
+            <a:off x="10289209" y="6247726"/>
+            <a:ext cx="499764" cy="460309"/>
           </a:xfrm>
           <a:prstGeom prst="rect">
             <a:avLst/>
@@ -4344,7 +4005,7 @@
     </p:spTree>
     <p:extLst>
       <p:ext uri="{BB962C8B-B14F-4D97-AF65-F5344CB8AC3E}">
-        <p14:creationId xmlns:p14="http://schemas.microsoft.com/office/powerpoint/2010/main" val="813026998"/>
+        <p14:creationId xmlns:p14="http://schemas.microsoft.com/office/powerpoint/2010/main" val="2849892498"/>
       </p:ext>
     </p:extLst>
   </p:cSld>
@@ -4383,8 +4044,8 @@
         </p:nvSpPr>
         <p:spPr>
           <a:xfrm>
-            <a:off x="6629400" y="122238"/>
-            <a:ext cx="2057400" cy="6008687"/>
+            <a:off x="8839200" y="122239"/>
+            <a:ext cx="2743200" cy="6008687"/>
           </a:xfrm>
         </p:spPr>
         <p:txBody>
@@ -4411,8 +4072,8 @@
         </p:nvSpPr>
         <p:spPr>
           <a:xfrm>
-            <a:off x="457200" y="122238"/>
-            <a:ext cx="6019800" cy="6008687"/>
+            <a:off x="609600" y="122239"/>
+            <a:ext cx="8026400" cy="6008687"/>
           </a:xfrm>
         </p:spPr>
         <p:txBody>
@@ -4475,9 +4136,9 @@
             </a:lvl1pPr>
           </a:lstStyle>
           <a:p>
-            <a:fld id="{43E144E0-496C-490D-B4F8-11FD2C019A17}" type="datetime1">
+            <a:fld id="{D80A05AA-9E54-420D-BF49-BABB1A128EA7}" type="datetimeFigureOut">
               <a:rPr lang="en-US" smtClean="0"/>
-              <a:t>11/2/2022</a:t>
+              <a:t>9/15/2024</a:t>
             </a:fld>
             <a:endParaRPr lang="en-US"/>
           </a:p>
@@ -4525,7 +4186,7 @@
             </a:lvl1pPr>
           </a:lstStyle>
           <a:p>
-            <a:fld id="{6E53B7C2-38DE-462B-83A6-6DD189424A6E}" type="slidenum">
+            <a:fld id="{34A78091-51B1-49B5-BEFA-9A7397409480}" type="slidenum">
               <a:rPr lang="en-US" smtClean="0"/>
               <a:t>‹#›</a:t>
             </a:fld>
@@ -4555,8 +4216,8 @@
         </p:blipFill>
         <p:spPr>
           <a:xfrm>
-            <a:off x="7716906" y="6247725"/>
-            <a:ext cx="374823" cy="460309"/>
+            <a:off x="10289209" y="6247726"/>
+            <a:ext cx="499764" cy="460309"/>
           </a:xfrm>
           <a:prstGeom prst="rect">
             <a:avLst/>
@@ -4566,7 +4227,7 @@
     </p:spTree>
     <p:extLst>
       <p:ext uri="{BB962C8B-B14F-4D97-AF65-F5344CB8AC3E}">
-        <p14:creationId xmlns:p14="http://schemas.microsoft.com/office/powerpoint/2010/main" val="2446313384"/>
+        <p14:creationId xmlns:p14="http://schemas.microsoft.com/office/powerpoint/2010/main" val="3231206041"/>
       </p:ext>
     </p:extLst>
   </p:cSld>
@@ -4605,8 +4266,8 @@
         </p:nvSpPr>
         <p:spPr>
           <a:xfrm>
-            <a:off x="457200" y="122238"/>
-            <a:ext cx="7543800" cy="1295400"/>
+            <a:off x="609600" y="122238"/>
+            <a:ext cx="10058400" cy="1295400"/>
           </a:xfrm>
         </p:spPr>
         <p:txBody>
@@ -4633,8 +4294,8 @@
         </p:nvSpPr>
         <p:spPr>
           <a:xfrm>
-            <a:off x="457200" y="1719263"/>
-            <a:ext cx="4038600" cy="4411662"/>
+            <a:off x="609600" y="1719263"/>
+            <a:ext cx="5384800" cy="4411662"/>
           </a:xfrm>
         </p:spPr>
         <p:txBody>
@@ -4690,8 +4351,8 @@
         </p:nvSpPr>
         <p:spPr>
           <a:xfrm>
-            <a:off x="4648200" y="1719263"/>
-            <a:ext cx="4038600" cy="4411662"/>
+            <a:off x="6197600" y="1719263"/>
+            <a:ext cx="5384800" cy="4411662"/>
           </a:xfrm>
         </p:spPr>
         <p:txBody>
@@ -4747,8 +4408,8 @@
         </p:nvSpPr>
         <p:spPr>
           <a:xfrm>
-            <a:off x="457200" y="6248400"/>
-            <a:ext cx="2133600" cy="457200"/>
+            <a:off x="609600" y="6248400"/>
+            <a:ext cx="2844800" cy="457200"/>
           </a:xfrm>
         </p:spPr>
         <p:txBody>
@@ -4759,9 +4420,9 @@
             </a:lvl1pPr>
           </a:lstStyle>
           <a:p>
-            <a:fld id="{10CB92B5-8F36-42FE-81C1-1FA586CF2CC7}" type="datetime1">
+            <a:fld id="{D80A05AA-9E54-420D-BF49-BABB1A128EA7}" type="datetimeFigureOut">
               <a:rPr lang="en-US" smtClean="0"/>
-              <a:t>11/2/2022</a:t>
+              <a:t>9/15/2024</a:t>
             </a:fld>
             <a:endParaRPr lang="en-US"/>
           </a:p>
@@ -4779,8 +4440,8 @@
         </p:nvSpPr>
         <p:spPr>
           <a:xfrm>
-            <a:off x="3124200" y="6248400"/>
-            <a:ext cx="2895600" cy="457200"/>
+            <a:off x="4165600" y="6248400"/>
+            <a:ext cx="3860800" cy="457200"/>
           </a:xfrm>
         </p:spPr>
         <p:txBody>
@@ -4807,8 +4468,8 @@
         </p:nvSpPr>
         <p:spPr>
           <a:xfrm>
-            <a:off x="6553200" y="6248400"/>
-            <a:ext cx="2133600" cy="457200"/>
+            <a:off x="8737600" y="6248400"/>
+            <a:ext cx="2844800" cy="457200"/>
           </a:xfrm>
         </p:spPr>
         <p:txBody>
@@ -4819,7 +4480,7 @@
             </a:lvl1pPr>
           </a:lstStyle>
           <a:p>
-            <a:fld id="{6E53B7C2-38DE-462B-83A6-6DD189424A6E}" type="slidenum">
+            <a:fld id="{34A78091-51B1-49B5-BEFA-9A7397409480}" type="slidenum">
               <a:rPr lang="en-US" smtClean="0"/>
               <a:t>‹#›</a:t>
             </a:fld>
@@ -4849,8 +4510,8 @@
         </p:blipFill>
         <p:spPr>
           <a:xfrm>
-            <a:off x="7716906" y="6247725"/>
-            <a:ext cx="374823" cy="460309"/>
+            <a:off x="10289209" y="6247726"/>
+            <a:ext cx="499764" cy="460309"/>
           </a:xfrm>
           <a:prstGeom prst="rect">
             <a:avLst/>
@@ -4860,14 +4521,13 @@
     </p:spTree>
     <p:extLst>
       <p:ext uri="{BB962C8B-B14F-4D97-AF65-F5344CB8AC3E}">
-        <p14:creationId xmlns:p14="http://schemas.microsoft.com/office/powerpoint/2010/main" val="271971838"/>
+        <p14:creationId xmlns:p14="http://schemas.microsoft.com/office/powerpoint/2010/main" val="2805431824"/>
       </p:ext>
     </p:extLst>
   </p:cSld>
   <p:clrMapOvr>
     <a:masterClrMapping/>
   </p:clrMapOvr>
-  <p:hf hdr="0" ftr="0" dt="0"/>
 </p:sldLayout>
 </file>
 
@@ -4982,9 +4642,9 @@
             </a:lvl1pPr>
           </a:lstStyle>
           <a:p>
-            <a:fld id="{14E9E4EE-2612-40DA-AA4D-5ADD4E3072EA}" type="datetime1">
+            <a:fld id="{D80A05AA-9E54-420D-BF49-BABB1A128EA7}" type="datetimeFigureOut">
               <a:rPr lang="en-US" smtClean="0"/>
-              <a:t>11/2/2022</a:t>
+              <a:t>9/15/2024</a:t>
             </a:fld>
             <a:endParaRPr lang="en-US"/>
           </a:p>
@@ -5032,7 +4692,7 @@
             </a:lvl1pPr>
           </a:lstStyle>
           <a:p>
-            <a:fld id="{6E53B7C2-38DE-462B-83A6-6DD189424A6E}" type="slidenum">
+            <a:fld id="{34A78091-51B1-49B5-BEFA-9A7397409480}" type="slidenum">
               <a:rPr lang="en-US" smtClean="0"/>
               <a:t>‹#›</a:t>
             </a:fld>
@@ -5062,8 +4722,8 @@
         </p:blipFill>
         <p:spPr>
           <a:xfrm>
-            <a:off x="7895965" y="6261304"/>
-            <a:ext cx="374823" cy="460309"/>
+            <a:off x="10527954" y="6261305"/>
+            <a:ext cx="499764" cy="460309"/>
           </a:xfrm>
           <a:prstGeom prst="rect">
             <a:avLst/>
@@ -5073,7 +4733,7 @@
     </p:spTree>
     <p:extLst>
       <p:ext uri="{BB962C8B-B14F-4D97-AF65-F5344CB8AC3E}">
-        <p14:creationId xmlns:p14="http://schemas.microsoft.com/office/powerpoint/2010/main" val="2165296689"/>
+        <p14:creationId xmlns:p14="http://schemas.microsoft.com/office/powerpoint/2010/main" val="906497978"/>
       </p:ext>
     </p:extLst>
   </p:cSld>
@@ -5112,8 +4772,8 @@
         </p:nvSpPr>
         <p:spPr>
           <a:xfrm>
-            <a:off x="623888" y="1709738"/>
-            <a:ext cx="7886700" cy="2852737"/>
+            <a:off x="831851" y="1709739"/>
+            <a:ext cx="10515600" cy="2852737"/>
           </a:xfrm>
         </p:spPr>
         <p:txBody>
@@ -5144,8 +4804,8 @@
         </p:nvSpPr>
         <p:spPr>
           <a:xfrm>
-            <a:off x="623888" y="4589463"/>
-            <a:ext cx="7886700" cy="1500187"/>
+            <a:off x="831851" y="4589464"/>
+            <a:ext cx="10515600" cy="1500187"/>
           </a:xfrm>
         </p:spPr>
         <p:txBody>
@@ -5216,9 +4876,9 @@
             </a:lvl1pPr>
           </a:lstStyle>
           <a:p>
-            <a:fld id="{D61B894B-10D7-4EA5-B370-66BB7E6B9291}" type="datetime1">
+            <a:fld id="{D80A05AA-9E54-420D-BF49-BABB1A128EA7}" type="datetimeFigureOut">
               <a:rPr lang="en-US" smtClean="0"/>
-              <a:t>11/2/2022</a:t>
+              <a:t>9/15/2024</a:t>
             </a:fld>
             <a:endParaRPr lang="en-US"/>
           </a:p>
@@ -5266,7 +4926,7 @@
             </a:lvl1pPr>
           </a:lstStyle>
           <a:p>
-            <a:fld id="{6E53B7C2-38DE-462B-83A6-6DD189424A6E}" type="slidenum">
+            <a:fld id="{34A78091-51B1-49B5-BEFA-9A7397409480}" type="slidenum">
               <a:rPr lang="en-US" smtClean="0"/>
               <a:t>‹#›</a:t>
             </a:fld>
@@ -5296,8 +4956,8 @@
         </p:blipFill>
         <p:spPr>
           <a:xfrm>
-            <a:off x="7716906" y="6247725"/>
-            <a:ext cx="374823" cy="460309"/>
+            <a:off x="10289209" y="6247726"/>
+            <a:ext cx="499764" cy="460309"/>
           </a:xfrm>
           <a:prstGeom prst="rect">
             <a:avLst/>
@@ -5307,7 +4967,7 @@
     </p:spTree>
     <p:extLst>
       <p:ext uri="{BB962C8B-B14F-4D97-AF65-F5344CB8AC3E}">
-        <p14:creationId xmlns:p14="http://schemas.microsoft.com/office/powerpoint/2010/main" val="1181848548"/>
+        <p14:creationId xmlns:p14="http://schemas.microsoft.com/office/powerpoint/2010/main" val="1766388411"/>
       </p:ext>
     </p:extLst>
   </p:cSld>
@@ -5369,8 +5029,8 @@
         </p:nvSpPr>
         <p:spPr>
           <a:xfrm>
-            <a:off x="457200" y="1719263"/>
-            <a:ext cx="4038600" cy="4411662"/>
+            <a:off x="609600" y="1719263"/>
+            <a:ext cx="5384800" cy="4411662"/>
           </a:xfrm>
         </p:spPr>
         <p:txBody>
@@ -5426,8 +5086,8 @@
         </p:nvSpPr>
         <p:spPr>
           <a:xfrm>
-            <a:off x="4648200" y="1719263"/>
-            <a:ext cx="4038600" cy="4411662"/>
+            <a:off x="6197600" y="1719263"/>
+            <a:ext cx="5384800" cy="4411662"/>
           </a:xfrm>
         </p:spPr>
         <p:txBody>
@@ -5490,9 +5150,9 @@
             </a:lvl1pPr>
           </a:lstStyle>
           <a:p>
-            <a:fld id="{894128F3-BFCB-4533-BAAF-087048300EE3}" type="datetime1">
+            <a:fld id="{D80A05AA-9E54-420D-BF49-BABB1A128EA7}" type="datetimeFigureOut">
               <a:rPr lang="en-US" smtClean="0"/>
-              <a:t>11/2/2022</a:t>
+              <a:t>9/15/2024</a:t>
             </a:fld>
             <a:endParaRPr lang="en-US"/>
           </a:p>
@@ -5540,7 +5200,7 @@
             </a:lvl1pPr>
           </a:lstStyle>
           <a:p>
-            <a:fld id="{6E53B7C2-38DE-462B-83A6-6DD189424A6E}" type="slidenum">
+            <a:fld id="{34A78091-51B1-49B5-BEFA-9A7397409480}" type="slidenum">
               <a:rPr lang="en-US" smtClean="0"/>
               <a:t>‹#›</a:t>
             </a:fld>
@@ -5570,8 +5230,8 @@
         </p:blipFill>
         <p:spPr>
           <a:xfrm>
-            <a:off x="7716906" y="6247725"/>
-            <a:ext cx="374823" cy="460309"/>
+            <a:off x="10289209" y="6247726"/>
+            <a:ext cx="499764" cy="460309"/>
           </a:xfrm>
           <a:prstGeom prst="rect">
             <a:avLst/>
@@ -5581,7 +5241,7 @@
     </p:spTree>
     <p:extLst>
       <p:ext uri="{BB962C8B-B14F-4D97-AF65-F5344CB8AC3E}">
-        <p14:creationId xmlns:p14="http://schemas.microsoft.com/office/powerpoint/2010/main" val="1121583311"/>
+        <p14:creationId xmlns:p14="http://schemas.microsoft.com/office/powerpoint/2010/main" val="1145792073"/>
       </p:ext>
     </p:extLst>
   </p:cSld>
@@ -5620,8 +5280,8 @@
         </p:nvSpPr>
         <p:spPr>
           <a:xfrm>
-            <a:off x="630238" y="365125"/>
-            <a:ext cx="7886700" cy="1325563"/>
+            <a:off x="840317" y="365126"/>
+            <a:ext cx="10515600" cy="1325563"/>
           </a:xfrm>
         </p:spPr>
         <p:txBody>
@@ -5648,8 +5308,8 @@
         </p:nvSpPr>
         <p:spPr>
           <a:xfrm>
-            <a:off x="630238" y="1681163"/>
-            <a:ext cx="3868737" cy="823912"/>
+            <a:off x="840318" y="1681163"/>
+            <a:ext cx="5158316" cy="823912"/>
           </a:xfrm>
         </p:spPr>
         <p:txBody>
@@ -5713,8 +5373,8 @@
         </p:nvSpPr>
         <p:spPr>
           <a:xfrm>
-            <a:off x="630238" y="2505075"/>
-            <a:ext cx="3868737" cy="3684588"/>
+            <a:off x="840318" y="2505075"/>
+            <a:ext cx="5158316" cy="3684588"/>
           </a:xfrm>
         </p:spPr>
         <p:txBody>
@@ -5770,8 +5430,8 @@
         </p:nvSpPr>
         <p:spPr>
           <a:xfrm>
-            <a:off x="4629150" y="1681163"/>
-            <a:ext cx="3887788" cy="823912"/>
+            <a:off x="6172200" y="1681163"/>
+            <a:ext cx="5183717" cy="823912"/>
           </a:xfrm>
         </p:spPr>
         <p:txBody>
@@ -5835,8 +5495,8 @@
         </p:nvSpPr>
         <p:spPr>
           <a:xfrm>
-            <a:off x="4629150" y="2505075"/>
-            <a:ext cx="3887788" cy="3684588"/>
+            <a:off x="6172200" y="2505075"/>
+            <a:ext cx="5183717" cy="3684588"/>
           </a:xfrm>
         </p:spPr>
         <p:txBody>
@@ -5899,9 +5559,9 @@
             </a:lvl1pPr>
           </a:lstStyle>
           <a:p>
-            <a:fld id="{E6D293ED-0CD0-42B0-BEBF-FAE78F64D312}" type="datetime1">
+            <a:fld id="{D80A05AA-9E54-420D-BF49-BABB1A128EA7}" type="datetimeFigureOut">
               <a:rPr lang="en-US" smtClean="0"/>
-              <a:t>11/2/2022</a:t>
+              <a:t>9/15/2024</a:t>
             </a:fld>
             <a:endParaRPr lang="en-US"/>
           </a:p>
@@ -5949,7 +5609,7 @@
             </a:lvl1pPr>
           </a:lstStyle>
           <a:p>
-            <a:fld id="{6E53B7C2-38DE-462B-83A6-6DD189424A6E}" type="slidenum">
+            <a:fld id="{34A78091-51B1-49B5-BEFA-9A7397409480}" type="slidenum">
               <a:rPr lang="en-US" smtClean="0"/>
               <a:t>‹#›</a:t>
             </a:fld>
@@ -5979,8 +5639,8 @@
         </p:blipFill>
         <p:spPr>
           <a:xfrm>
-            <a:off x="7716906" y="6247725"/>
-            <a:ext cx="374823" cy="460309"/>
+            <a:off x="10289209" y="6247726"/>
+            <a:ext cx="499764" cy="460309"/>
           </a:xfrm>
           <a:prstGeom prst="rect">
             <a:avLst/>
@@ -5990,7 +5650,7 @@
     </p:spTree>
     <p:extLst>
       <p:ext uri="{BB962C8B-B14F-4D97-AF65-F5344CB8AC3E}">
-        <p14:creationId xmlns:p14="http://schemas.microsoft.com/office/powerpoint/2010/main" val="3115665275"/>
+        <p14:creationId xmlns:p14="http://schemas.microsoft.com/office/powerpoint/2010/main" val="437653765"/>
       </p:ext>
     </p:extLst>
   </p:cSld>
@@ -6059,9 +5719,9 @@
             </a:lvl1pPr>
           </a:lstStyle>
           <a:p>
-            <a:fld id="{6DDBE622-AF90-44A1-8D39-A2E7D510AA9B}" type="datetime1">
+            <a:fld id="{D80A05AA-9E54-420D-BF49-BABB1A128EA7}" type="datetimeFigureOut">
               <a:rPr lang="en-US" smtClean="0"/>
-              <a:t>11/2/2022</a:t>
+              <a:t>9/15/2024</a:t>
             </a:fld>
             <a:endParaRPr lang="en-US"/>
           </a:p>
@@ -6109,7 +5769,7 @@
             </a:lvl1pPr>
           </a:lstStyle>
           <a:p>
-            <a:fld id="{6E53B7C2-38DE-462B-83A6-6DD189424A6E}" type="slidenum">
+            <a:fld id="{34A78091-51B1-49B5-BEFA-9A7397409480}" type="slidenum">
               <a:rPr lang="en-US" smtClean="0"/>
               <a:t>‹#›</a:t>
             </a:fld>
@@ -6139,8 +5799,8 @@
         </p:blipFill>
         <p:spPr>
           <a:xfrm>
-            <a:off x="7716906" y="6247725"/>
-            <a:ext cx="374823" cy="460309"/>
+            <a:off x="10289209" y="6247726"/>
+            <a:ext cx="499764" cy="460309"/>
           </a:xfrm>
           <a:prstGeom prst="rect">
             <a:avLst/>
@@ -6150,7 +5810,7 @@
     </p:spTree>
     <p:extLst>
       <p:ext uri="{BB962C8B-B14F-4D97-AF65-F5344CB8AC3E}">
-        <p14:creationId xmlns:p14="http://schemas.microsoft.com/office/powerpoint/2010/main" val="396893392"/>
+        <p14:creationId xmlns:p14="http://schemas.microsoft.com/office/powerpoint/2010/main" val="30450103"/>
       </p:ext>
     </p:extLst>
   </p:cSld>
@@ -6196,9 +5856,9 @@
             </a:lvl1pPr>
           </a:lstStyle>
           <a:p>
-            <a:fld id="{8E5D6192-2C73-46F0-82DA-F0D0E6CA27A7}" type="datetime1">
+            <a:fld id="{D80A05AA-9E54-420D-BF49-BABB1A128EA7}" type="datetimeFigureOut">
               <a:rPr lang="en-US" smtClean="0"/>
-              <a:t>11/2/2022</a:t>
+              <a:t>9/15/2024</a:t>
             </a:fld>
             <a:endParaRPr lang="en-US"/>
           </a:p>
@@ -6246,7 +5906,7 @@
             </a:lvl1pPr>
           </a:lstStyle>
           <a:p>
-            <a:fld id="{6E53B7C2-38DE-462B-83A6-6DD189424A6E}" type="slidenum">
+            <a:fld id="{34A78091-51B1-49B5-BEFA-9A7397409480}" type="slidenum">
               <a:rPr lang="en-US" smtClean="0"/>
               <a:t>‹#›</a:t>
             </a:fld>
@@ -6276,8 +5936,8 @@
         </p:blipFill>
         <p:spPr>
           <a:xfrm>
-            <a:off x="7716906" y="6247725"/>
-            <a:ext cx="374823" cy="460309"/>
+            <a:off x="10289209" y="6247726"/>
+            <a:ext cx="499764" cy="460309"/>
           </a:xfrm>
           <a:prstGeom prst="rect">
             <a:avLst/>
@@ -6287,7 +5947,7 @@
     </p:spTree>
     <p:extLst>
       <p:ext uri="{BB962C8B-B14F-4D97-AF65-F5344CB8AC3E}">
-        <p14:creationId xmlns:p14="http://schemas.microsoft.com/office/powerpoint/2010/main" val="2474523883"/>
+        <p14:creationId xmlns:p14="http://schemas.microsoft.com/office/powerpoint/2010/main" val="1076933969"/>
       </p:ext>
     </p:extLst>
   </p:cSld>
@@ -6326,8 +5986,8 @@
         </p:nvSpPr>
         <p:spPr>
           <a:xfrm>
-            <a:off x="630238" y="457200"/>
-            <a:ext cx="2949575" cy="1600200"/>
+            <a:off x="840318" y="457200"/>
+            <a:ext cx="3932767" cy="1600200"/>
           </a:xfrm>
         </p:spPr>
         <p:txBody>
@@ -6358,8 +6018,8 @@
         </p:nvSpPr>
         <p:spPr>
           <a:xfrm>
-            <a:off x="3887788" y="987425"/>
-            <a:ext cx="4629150" cy="4873625"/>
+            <a:off x="5183717" y="987426"/>
+            <a:ext cx="6172200" cy="4873625"/>
           </a:xfrm>
         </p:spPr>
         <p:txBody>
@@ -6443,8 +6103,8 @@
         </p:nvSpPr>
         <p:spPr>
           <a:xfrm>
-            <a:off x="630238" y="2057400"/>
-            <a:ext cx="2949575" cy="3811588"/>
+            <a:off x="840318" y="2057400"/>
+            <a:ext cx="3932767" cy="3811588"/>
           </a:xfrm>
         </p:spPr>
         <p:txBody>
@@ -6515,9 +6175,9 @@
             </a:lvl1pPr>
           </a:lstStyle>
           <a:p>
-            <a:fld id="{FE5B25CC-FB41-434B-9AFA-0A949AFDAEB1}" type="datetime1">
+            <a:fld id="{D80A05AA-9E54-420D-BF49-BABB1A128EA7}" type="datetimeFigureOut">
               <a:rPr lang="en-US" smtClean="0"/>
-              <a:t>11/2/2022</a:t>
+              <a:t>9/15/2024</a:t>
             </a:fld>
             <a:endParaRPr lang="en-US"/>
           </a:p>
@@ -6565,7 +6225,7 @@
             </a:lvl1pPr>
           </a:lstStyle>
           <a:p>
-            <a:fld id="{6E53B7C2-38DE-462B-83A6-6DD189424A6E}" type="slidenum">
+            <a:fld id="{34A78091-51B1-49B5-BEFA-9A7397409480}" type="slidenum">
               <a:rPr lang="en-US" smtClean="0"/>
               <a:t>‹#›</a:t>
             </a:fld>
@@ -6595,8 +6255,8 @@
         </p:blipFill>
         <p:spPr>
           <a:xfrm>
-            <a:off x="7716906" y="6247725"/>
-            <a:ext cx="374823" cy="460309"/>
+            <a:off x="10289209" y="6247726"/>
+            <a:ext cx="499764" cy="460309"/>
           </a:xfrm>
           <a:prstGeom prst="rect">
             <a:avLst/>
@@ -6606,7 +6266,7 @@
     </p:spTree>
     <p:extLst>
       <p:ext uri="{BB962C8B-B14F-4D97-AF65-F5344CB8AC3E}">
-        <p14:creationId xmlns:p14="http://schemas.microsoft.com/office/powerpoint/2010/main" val="614966866"/>
+        <p14:creationId xmlns:p14="http://schemas.microsoft.com/office/powerpoint/2010/main" val="1814563761"/>
       </p:ext>
     </p:extLst>
   </p:cSld>
@@ -6645,8 +6305,8 @@
         </p:nvSpPr>
         <p:spPr>
           <a:xfrm>
-            <a:off x="630238" y="457200"/>
-            <a:ext cx="2949575" cy="1600200"/>
+            <a:off x="840318" y="457200"/>
+            <a:ext cx="3932767" cy="1600200"/>
           </a:xfrm>
         </p:spPr>
         <p:txBody>
@@ -6677,8 +6337,8 @@
         </p:nvSpPr>
         <p:spPr>
           <a:xfrm>
-            <a:off x="3887788" y="987425"/>
-            <a:ext cx="4629150" cy="4873625"/>
+            <a:off x="5183717" y="987426"/>
+            <a:ext cx="6172200" cy="4873625"/>
           </a:xfrm>
         </p:spPr>
         <p:txBody>
@@ -6742,8 +6402,8 @@
         </p:nvSpPr>
         <p:spPr>
           <a:xfrm>
-            <a:off x="630238" y="2057400"/>
-            <a:ext cx="2949575" cy="3811588"/>
+            <a:off x="840318" y="2057400"/>
+            <a:ext cx="3932767" cy="3811588"/>
           </a:xfrm>
         </p:spPr>
         <p:txBody>
@@ -6814,9 +6474,9 @@
             </a:lvl1pPr>
           </a:lstStyle>
           <a:p>
-            <a:fld id="{698B8ECC-2FBC-4E6B-8162-C720FBF9D4D3}" type="datetime1">
+            <a:fld id="{D80A05AA-9E54-420D-BF49-BABB1A128EA7}" type="datetimeFigureOut">
               <a:rPr lang="en-US" smtClean="0"/>
-              <a:t>11/2/2022</a:t>
+              <a:t>9/15/2024</a:t>
             </a:fld>
             <a:endParaRPr lang="en-US"/>
           </a:p>
@@ -6864,7 +6524,7 @@
             </a:lvl1pPr>
           </a:lstStyle>
           <a:p>
-            <a:fld id="{6E53B7C2-38DE-462B-83A6-6DD189424A6E}" type="slidenum">
+            <a:fld id="{34A78091-51B1-49B5-BEFA-9A7397409480}" type="slidenum">
               <a:rPr lang="en-US" smtClean="0"/>
               <a:t>‹#›</a:t>
             </a:fld>
@@ -6894,8 +6554,8 @@
         </p:blipFill>
         <p:spPr>
           <a:xfrm>
-            <a:off x="7716906" y="6247725"/>
-            <a:ext cx="374823" cy="460309"/>
+            <a:off x="10289209" y="6247726"/>
+            <a:ext cx="499764" cy="460309"/>
           </a:xfrm>
           <a:prstGeom prst="rect">
             <a:avLst/>
@@ -6905,7 +6565,7 @@
     </p:spTree>
     <p:extLst>
       <p:ext uri="{BB962C8B-B14F-4D97-AF65-F5344CB8AC3E}">
-        <p14:creationId xmlns:p14="http://schemas.microsoft.com/office/powerpoint/2010/main" val="2775021576"/>
+        <p14:creationId xmlns:p14="http://schemas.microsoft.com/office/powerpoint/2010/main" val="4021660872"/>
       </p:ext>
     </p:extLst>
   </p:cSld>
@@ -6947,7 +6607,7 @@
         </p:nvSpPr>
         <p:spPr bwMode="auto">
           <a:xfrm>
-            <a:off x="8001000" y="0"/>
+            <a:off x="10668000" y="0"/>
             <a:ext cx="0" cy="1524000"/>
           </a:xfrm>
           <a:prstGeom prst="line">
@@ -6984,7 +6644,7 @@
           <a:bodyPr/>
           <a:lstStyle/>
           <a:p>
-            <a:endParaRPr lang="en-IN"/>
+            <a:endParaRPr lang="en-IN" sz="1800"/>
           </a:p>
         </p:txBody>
       </p:sp>
@@ -7000,8 +6660,8 @@
         </p:nvSpPr>
         <p:spPr bwMode="auto">
           <a:xfrm>
-            <a:off x="457200" y="122238"/>
-            <a:ext cx="7543800" cy="1295400"/>
+            <a:off x="609600" y="122238"/>
+            <a:ext cx="10058400" cy="1295400"/>
           </a:xfrm>
           <a:prstGeom prst="rect">
             <a:avLst/>
@@ -7068,8 +6728,8 @@
         </p:nvSpPr>
         <p:spPr bwMode="auto">
           <a:xfrm>
-            <a:off x="457200" y="1719263"/>
-            <a:ext cx="8229600" cy="4411662"/>
+            <a:off x="609600" y="1719263"/>
+            <a:ext cx="10972800" cy="4411662"/>
           </a:xfrm>
           <a:prstGeom prst="rect">
             <a:avLst/>
@@ -7164,8 +6824,8 @@
         </p:nvSpPr>
         <p:spPr bwMode="auto">
           <a:xfrm>
-            <a:off x="457200" y="6248400"/>
-            <a:ext cx="2133600" cy="457200"/>
+            <a:off x="609600" y="6248400"/>
+            <a:ext cx="2844800" cy="457200"/>
           </a:xfrm>
           <a:prstGeom prst="rect">
             <a:avLst/>
@@ -7216,9 +6876,9 @@
             </a:lvl1pPr>
           </a:lstStyle>
           <a:p>
-            <a:fld id="{10CB92B5-8F36-42FE-81C1-1FA586CF2CC7}" type="datetime1">
+            <a:fld id="{D80A05AA-9E54-420D-BF49-BABB1A128EA7}" type="datetimeFigureOut">
               <a:rPr lang="en-US" smtClean="0"/>
-              <a:t>11/2/2022</a:t>
+              <a:t>9/15/2024</a:t>
             </a:fld>
             <a:endParaRPr lang="en-US"/>
           </a:p>
@@ -7236,8 +6896,8 @@
         </p:nvSpPr>
         <p:spPr bwMode="auto">
           <a:xfrm>
-            <a:off x="3124200" y="6248400"/>
-            <a:ext cx="2895600" cy="457200"/>
+            <a:off x="4165600" y="6248400"/>
+            <a:ext cx="3860800" cy="457200"/>
           </a:xfrm>
           <a:prstGeom prst="rect">
             <a:avLst/>
@@ -7304,8 +6964,8 @@
         </p:nvSpPr>
         <p:spPr bwMode="auto">
           <a:xfrm>
-            <a:off x="6553200" y="6248400"/>
-            <a:ext cx="2133600" cy="457200"/>
+            <a:off x="8737600" y="6248400"/>
+            <a:ext cx="2844800" cy="457200"/>
           </a:xfrm>
           <a:prstGeom prst="rect">
             <a:avLst/>
@@ -7356,7 +7016,7 @@
             </a:lvl1pPr>
           </a:lstStyle>
           <a:p>
-            <a:fld id="{6E53B7C2-38DE-462B-83A6-6DD189424A6E}" type="slidenum">
+            <a:fld id="{34A78091-51B1-49B5-BEFA-9A7397409480}" type="slidenum">
               <a:rPr lang="en-US" smtClean="0"/>
               <a:t>‹#›</a:t>
             </a:fld>
@@ -7374,8 +7034,8 @@
         </p:nvGrpSpPr>
         <p:grpSpPr bwMode="auto">
           <a:xfrm>
-            <a:off x="8153400" y="152400"/>
-            <a:ext cx="792163" cy="1295400"/>
+            <a:off x="10871201" y="152400"/>
+            <a:ext cx="1056217" cy="1295400"/>
             <a:chOff x="5136" y="960"/>
             <a:chExt cx="528" cy="864"/>
           </a:xfrm>
@@ -7429,7 +7089,7 @@
             <a:bodyPr wrap="none" anchor="ctr"/>
             <a:lstStyle/>
             <a:p>
-              <a:endParaRPr lang="en-IN"/>
+              <a:endParaRPr lang="en-IN" sz="1800"/>
             </a:p>
           </p:txBody>
         </p:sp>
@@ -7482,7 +7142,7 @@
             <a:bodyPr wrap="none" anchor="ctr"/>
             <a:lstStyle/>
             <a:p>
-              <a:endParaRPr lang="en-IN"/>
+              <a:endParaRPr lang="en-IN" sz="1800"/>
             </a:p>
           </p:txBody>
         </p:sp>
@@ -7535,7 +7195,7 @@
             <a:bodyPr wrap="none" anchor="ctr"/>
             <a:lstStyle/>
             <a:p>
-              <a:endParaRPr lang="en-IN"/>
+              <a:endParaRPr lang="en-IN" sz="1800"/>
             </a:p>
           </p:txBody>
         </p:sp>
@@ -7588,7 +7248,7 @@
             <a:bodyPr wrap="none" anchor="ctr"/>
             <a:lstStyle/>
             <a:p>
-              <a:endParaRPr lang="en-IN"/>
+              <a:endParaRPr lang="en-IN" sz="1800"/>
             </a:p>
           </p:txBody>
         </p:sp>
@@ -7641,7 +7301,7 @@
             <a:bodyPr wrap="none" anchor="ctr"/>
             <a:lstStyle/>
             <a:p>
-              <a:endParaRPr lang="en-IN"/>
+              <a:endParaRPr lang="en-IN" sz="1800"/>
             </a:p>
           </p:txBody>
         </p:sp>
@@ -7694,7 +7354,7 @@
             <a:bodyPr wrap="none" anchor="ctr"/>
             <a:lstStyle/>
             <a:p>
-              <a:endParaRPr lang="en-IN"/>
+              <a:endParaRPr lang="en-IN" sz="1800"/>
             </a:p>
           </p:txBody>
         </p:sp>
@@ -7747,7 +7407,7 @@
             <a:bodyPr wrap="none" anchor="ctr"/>
             <a:lstStyle/>
             <a:p>
-              <a:endParaRPr lang="en-IN"/>
+              <a:endParaRPr lang="en-IN" sz="1800"/>
             </a:p>
           </p:txBody>
         </p:sp>
@@ -7800,7 +7460,7 @@
             <a:bodyPr wrap="none" anchor="ctr"/>
             <a:lstStyle/>
             <a:p>
-              <a:endParaRPr lang="en-IN"/>
+              <a:endParaRPr lang="en-IN" sz="1800"/>
             </a:p>
           </p:txBody>
         </p:sp>
@@ -7853,7 +7513,7 @@
             <a:bodyPr wrap="none" anchor="ctr"/>
             <a:lstStyle/>
             <a:p>
-              <a:endParaRPr lang="en-IN"/>
+              <a:endParaRPr lang="en-IN" sz="1800"/>
             </a:p>
           </p:txBody>
         </p:sp>
@@ -7906,7 +7566,7 @@
             <a:bodyPr wrap="none" anchor="ctr"/>
             <a:lstStyle/>
             <a:p>
-              <a:endParaRPr lang="en-IN"/>
+              <a:endParaRPr lang="en-IN" sz="1800"/>
             </a:p>
           </p:txBody>
         </p:sp>
@@ -7959,7 +7619,7 @@
             <a:bodyPr wrap="none" anchor="ctr"/>
             <a:lstStyle/>
             <a:p>
-              <a:endParaRPr lang="en-IN"/>
+              <a:endParaRPr lang="en-IN" sz="1800"/>
             </a:p>
           </p:txBody>
         </p:sp>
@@ -8012,7 +7672,7 @@
             <a:bodyPr wrap="none" anchor="ctr"/>
             <a:lstStyle/>
             <a:p>
-              <a:endParaRPr lang="en-IN"/>
+              <a:endParaRPr lang="en-IN" sz="1800"/>
             </a:p>
           </p:txBody>
         </p:sp>
@@ -8065,7 +7725,7 @@
             <a:bodyPr wrap="none" anchor="ctr"/>
             <a:lstStyle/>
             <a:p>
-              <a:endParaRPr lang="en-IN"/>
+              <a:endParaRPr lang="en-IN" sz="1800"/>
             </a:p>
           </p:txBody>
         </p:sp>
@@ -8118,7 +7778,7 @@
             <a:bodyPr wrap="none" anchor="ctr"/>
             <a:lstStyle/>
             <a:p>
-              <a:endParaRPr lang="en-IN"/>
+              <a:endParaRPr lang="en-IN" sz="1800"/>
             </a:p>
           </p:txBody>
         </p:sp>
@@ -8171,7 +7831,7 @@
             <a:bodyPr wrap="none" anchor="ctr"/>
             <a:lstStyle/>
             <a:p>
-              <a:endParaRPr lang="en-IN"/>
+              <a:endParaRPr lang="en-IN" sz="1800"/>
             </a:p>
           </p:txBody>
         </p:sp>
@@ -8224,7 +7884,7 @@
             <a:bodyPr wrap="none" anchor="ctr"/>
             <a:lstStyle/>
             <a:p>
-              <a:endParaRPr lang="en-IN"/>
+              <a:endParaRPr lang="en-IN" sz="1800"/>
             </a:p>
           </p:txBody>
         </p:sp>
@@ -8277,7 +7937,7 @@
             <a:bodyPr wrap="none" anchor="ctr"/>
             <a:lstStyle/>
             <a:p>
-              <a:endParaRPr lang="en-IN"/>
+              <a:endParaRPr lang="en-IN" sz="1800"/>
             </a:p>
           </p:txBody>
         </p:sp>
@@ -8330,7 +7990,7 @@
             <a:bodyPr wrap="none" anchor="ctr"/>
             <a:lstStyle/>
             <a:p>
-              <a:endParaRPr lang="en-IN"/>
+              <a:endParaRPr lang="en-IN" sz="1800"/>
             </a:p>
           </p:txBody>
         </p:sp>
@@ -8383,7 +8043,7 @@
             <a:bodyPr wrap="none" anchor="ctr"/>
             <a:lstStyle/>
             <a:p>
-              <a:endParaRPr lang="en-IN"/>
+              <a:endParaRPr lang="en-IN" sz="1800"/>
             </a:p>
           </p:txBody>
         </p:sp>
@@ -8436,7 +8096,7 @@
             <a:bodyPr wrap="none" anchor="ctr"/>
             <a:lstStyle/>
             <a:p>
-              <a:endParaRPr lang="en-IN"/>
+              <a:endParaRPr lang="en-IN" sz="1800"/>
             </a:p>
           </p:txBody>
         </p:sp>
@@ -8489,7 +8149,7 @@
             <a:bodyPr wrap="none" anchor="ctr"/>
             <a:lstStyle/>
             <a:p>
-              <a:endParaRPr lang="en-IN"/>
+              <a:endParaRPr lang="en-IN" sz="1800"/>
             </a:p>
           </p:txBody>
         </p:sp>
@@ -8542,7 +8202,7 @@
             <a:bodyPr wrap="none" anchor="ctr"/>
             <a:lstStyle/>
             <a:p>
-              <a:endParaRPr lang="en-IN"/>
+              <a:endParaRPr lang="en-IN" sz="1800"/>
             </a:p>
           </p:txBody>
         </p:sp>
@@ -8595,7 +8255,7 @@
             <a:bodyPr wrap="none" anchor="ctr"/>
             <a:lstStyle/>
             <a:p>
-              <a:endParaRPr lang="en-IN"/>
+              <a:endParaRPr lang="en-IN" sz="1800"/>
             </a:p>
           </p:txBody>
         </p:sp>
@@ -8648,7 +8308,7 @@
             <a:bodyPr wrap="none" anchor="ctr"/>
             <a:lstStyle/>
             <a:p>
-              <a:endParaRPr lang="en-IN"/>
+              <a:endParaRPr lang="en-IN" sz="1800"/>
             </a:p>
           </p:txBody>
         </p:sp>
@@ -8701,7 +8361,7 @@
             <a:bodyPr wrap="none" anchor="ctr"/>
             <a:lstStyle/>
             <a:p>
-              <a:endParaRPr lang="en-IN"/>
+              <a:endParaRPr lang="en-IN" sz="1800"/>
             </a:p>
           </p:txBody>
         </p:sp>
@@ -8754,7 +8414,7 @@
             <a:bodyPr wrap="none" anchor="ctr"/>
             <a:lstStyle/>
             <a:p>
-              <a:endParaRPr lang="en-IN"/>
+              <a:endParaRPr lang="en-IN" sz="1800"/>
             </a:p>
           </p:txBody>
         </p:sp>
@@ -8807,7 +8467,7 @@
             <a:bodyPr wrap="none" anchor="ctr"/>
             <a:lstStyle/>
             <a:p>
-              <a:endParaRPr lang="en-IN"/>
+              <a:endParaRPr lang="en-IN" sz="1800"/>
             </a:p>
           </p:txBody>
         </p:sp>
@@ -8860,7 +8520,7 @@
             <a:bodyPr wrap="none" anchor="ctr"/>
             <a:lstStyle/>
             <a:p>
-              <a:endParaRPr lang="en-IN"/>
+              <a:endParaRPr lang="en-IN" sz="1800"/>
             </a:p>
           </p:txBody>
         </p:sp>
@@ -8913,7 +8573,7 @@
             <a:bodyPr wrap="none" anchor="ctr"/>
             <a:lstStyle/>
             <a:p>
-              <a:endParaRPr lang="en-IN"/>
+              <a:endParaRPr lang="en-IN" sz="1800"/>
             </a:p>
           </p:txBody>
         </p:sp>
@@ -8966,7 +8626,7 @@
             <a:bodyPr wrap="none" anchor="ctr"/>
             <a:lstStyle/>
             <a:p>
-              <a:endParaRPr lang="en-IN"/>
+              <a:endParaRPr lang="en-IN" sz="1800"/>
             </a:p>
           </p:txBody>
         </p:sp>
@@ -9019,7 +8679,7 @@
             <a:bodyPr wrap="none" anchor="ctr"/>
             <a:lstStyle/>
             <a:p>
-              <a:endParaRPr lang="en-IN"/>
+              <a:endParaRPr lang="en-IN" sz="1800"/>
             </a:p>
           </p:txBody>
         </p:sp>
@@ -9034,8 +8694,8 @@
         </p:nvSpPr>
         <p:spPr bwMode="auto">
           <a:xfrm>
-            <a:off x="457200" y="1524000"/>
-            <a:ext cx="7543800" cy="0"/>
+            <a:off x="609600" y="1524000"/>
+            <a:ext cx="10058400" cy="0"/>
           </a:xfrm>
           <a:prstGeom prst="line">
             <a:avLst/>
@@ -9071,14 +8731,14 @@
           <a:bodyPr/>
           <a:lstStyle/>
           <a:p>
-            <a:endParaRPr lang="en-IN"/>
+            <a:endParaRPr lang="en-IN" sz="1800"/>
           </a:p>
         </p:txBody>
       </p:sp>
     </p:spTree>
     <p:extLst>
       <p:ext uri="{BB962C8B-B14F-4D97-AF65-F5344CB8AC3E}">
-        <p14:creationId xmlns:p14="http://schemas.microsoft.com/office/powerpoint/2010/main" val="3765856916"/>
+        <p14:creationId xmlns:p14="http://schemas.microsoft.com/office/powerpoint/2010/main" val="1995692507"/>
       </p:ext>
     </p:extLst>
   </p:cSld>
@@ -9097,7 +8757,6 @@
     <p:sldLayoutId id="2147483671" r:id="rId11"/>
     <p:sldLayoutId id="2147483672" r:id="rId12"/>
   </p:sldLayoutIdLst>
-  <p:hf hdr="0" ftr="0" dt="0"/>
   <p:txStyles>
     <p:titleStyle>
       <a:lvl1pPr algn="l" rtl="0" eaLnBrk="1" fontAlgn="base" hangingPunct="1">
@@ -9531,7 +9190,13 @@
       </p:grpSpPr>
       <p:sp>
         <p:nvSpPr>
-          <p:cNvPr id="2" name="Title 1"/>
+          <p:cNvPr id="2" name="Title 1">
+            <a:extLst>
+              <a:ext uri="{FF2B5EF4-FFF2-40B4-BE49-F238E27FC236}">
+                <a16:creationId xmlns:a16="http://schemas.microsoft.com/office/drawing/2014/main" id="{FADD20AD-932A-B529-1E87-DC40B9351C05}"/>
+              </a:ext>
+            </a:extLst>
+          </p:cNvPr>
           <p:cNvSpPr>
             <a:spLocks noGrp="1"/>
           </p:cNvSpPr>
@@ -9541,22 +9206,25 @@
         </p:nvSpPr>
         <p:spPr/>
         <p:txBody>
-          <a:bodyPr>
-            <a:normAutofit/>
-          </a:bodyPr>
+          <a:bodyPr/>
           <a:lstStyle/>
           <a:p>
             <a:r>
-              <a:rPr lang="en-US" b="1" dirty="0"/>
-              <a:t>Continuous integration with Jenkins</a:t>
-            </a:r>
-            <a:endParaRPr lang="en-US" dirty="0"/>
+              <a:rPr lang="en-US" dirty="0"/>
+              <a:t>Jenkins</a:t>
+            </a:r>
           </a:p>
         </p:txBody>
       </p:sp>
       <p:sp>
         <p:nvSpPr>
-          <p:cNvPr id="3" name="Subtitle 2"/>
+          <p:cNvPr id="3" name="Subtitle 2">
+            <a:extLst>
+              <a:ext uri="{FF2B5EF4-FFF2-40B4-BE49-F238E27FC236}">
+                <a16:creationId xmlns:a16="http://schemas.microsoft.com/office/drawing/2014/main" id="{2F7B1C5F-F7D7-DF66-4CF6-21731435DB09}"/>
+              </a:ext>
+            </a:extLst>
+          </p:cNvPr>
           <p:cNvSpPr>
             <a:spLocks noGrp="1"/>
           </p:cNvSpPr>
@@ -9573,33 +9241,10 @@
           </a:p>
         </p:txBody>
       </p:sp>
-      <p:sp>
-        <p:nvSpPr>
-          <p:cNvPr id="4" name="Slide Number Placeholder 3"/>
-          <p:cNvSpPr>
-            <a:spLocks noGrp="1"/>
-          </p:cNvSpPr>
-          <p:nvPr>
-            <p:ph type="sldNum" sz="quarter" idx="4"/>
-          </p:nvPr>
-        </p:nvSpPr>
-        <p:spPr/>
-        <p:txBody>
-          <a:bodyPr/>
-          <a:lstStyle/>
-          <a:p>
-            <a:fld id="{6E53B7C2-38DE-462B-83A6-6DD189424A6E}" type="slidenum">
-              <a:rPr lang="en-US" smtClean="0"/>
-              <a:t>1</a:t>
-            </a:fld>
-            <a:endParaRPr lang="en-US"/>
-          </a:p>
-        </p:txBody>
-      </p:sp>
     </p:spTree>
     <p:extLst>
       <p:ext uri="{BB962C8B-B14F-4D97-AF65-F5344CB8AC3E}">
-        <p14:creationId xmlns:p14="http://schemas.microsoft.com/office/powerpoint/2010/main" val="29607952"/>
+        <p14:creationId xmlns:p14="http://schemas.microsoft.com/office/powerpoint/2010/main" val="1545247189"/>
       </p:ext>
     </p:extLst>
   </p:cSld>
@@ -9628,7 +9273,13 @@
       </p:grpSpPr>
       <p:sp>
         <p:nvSpPr>
-          <p:cNvPr id="2" name="Title 1"/>
+          <p:cNvPr id="2" name="Title 1">
+            <a:extLst>
+              <a:ext uri="{FF2B5EF4-FFF2-40B4-BE49-F238E27FC236}">
+                <a16:creationId xmlns:a16="http://schemas.microsoft.com/office/drawing/2014/main" id="{A1AB5C94-1570-66EA-C396-B600114C1913}"/>
+              </a:ext>
+            </a:extLst>
+          </p:cNvPr>
           <p:cNvSpPr>
             <a:spLocks noGrp="1"/>
           </p:cNvSpPr>
@@ -9638,21 +9289,25 @@
         </p:nvSpPr>
         <p:spPr/>
         <p:txBody>
-          <a:bodyPr>
-            <a:normAutofit/>
-          </a:bodyPr>
+          <a:bodyPr/>
           <a:lstStyle/>
           <a:p>
             <a:r>
               <a:rPr lang="en-US" dirty="0"/>
-              <a:t>Features of Pipeline</a:t>
+              <a:t>Types Of Jenkins Jobs</a:t>
             </a:r>
           </a:p>
         </p:txBody>
       </p:sp>
       <p:sp>
         <p:nvSpPr>
-          <p:cNvPr id="3" name="Content Placeholder 2"/>
+          <p:cNvPr id="3" name="Content Placeholder 2">
+            <a:extLst>
+              <a:ext uri="{FF2B5EF4-FFF2-40B4-BE49-F238E27FC236}">
+                <a16:creationId xmlns:a16="http://schemas.microsoft.com/office/drawing/2014/main" id="{E79A85CA-F56A-136B-7768-99C265DEA177}"/>
+              </a:ext>
+            </a:extLst>
+          </p:cNvPr>
           <p:cNvSpPr>
             <a:spLocks noGrp="1"/>
           </p:cNvSpPr>
@@ -9662,122 +9317,26 @@
         </p:nvSpPr>
         <p:spPr/>
         <p:txBody>
-          <a:bodyPr>
-            <a:normAutofit fontScale="70000" lnSpcReduction="20000"/>
-          </a:bodyPr>
-          <a:lstStyle/>
-          <a:p>
-            <a:pPr>
-              <a:lnSpc>
-                <a:spcPct val="120000"/>
-              </a:lnSpc>
-            </a:pPr>
-            <a:r>
-              <a:rPr lang="en-US" b="1" dirty="0"/>
-              <a:t>Code</a:t>
-            </a:r>
-            <a:r>
-              <a:rPr lang="en-US" dirty="0"/>
-              <a:t>: Pipelines are implemented in code and typically checked into source control, giving teams the ability to edit, review, and iterate upon their delivery pipeline.</a:t>
-            </a:r>
-          </a:p>
-          <a:p>
-            <a:pPr>
-              <a:lnSpc>
-                <a:spcPct val="120000"/>
-              </a:lnSpc>
-            </a:pPr>
-            <a:r>
-              <a:rPr lang="en-US" b="1" dirty="0"/>
-              <a:t>Durable</a:t>
-            </a:r>
-            <a:r>
-              <a:rPr lang="en-US" dirty="0"/>
-              <a:t>: Pipelines can survive both planned and unplanned restarts of the Jenkins master.</a:t>
-            </a:r>
-          </a:p>
-          <a:p>
-            <a:pPr>
-              <a:lnSpc>
-                <a:spcPct val="120000"/>
-              </a:lnSpc>
-            </a:pPr>
-            <a:r>
-              <a:rPr lang="en-US" b="1" dirty="0" err="1"/>
-              <a:t>Pausable</a:t>
-            </a:r>
-            <a:r>
-              <a:rPr lang="en-US" dirty="0"/>
-              <a:t>: Pipelines can optionally stop and wait for human input or approval before continuing the Pipeline run.</a:t>
-            </a:r>
-          </a:p>
-          <a:p>
-            <a:pPr>
-              <a:lnSpc>
-                <a:spcPct val="120000"/>
-              </a:lnSpc>
-            </a:pPr>
-            <a:r>
-              <a:rPr lang="en-US" b="1" dirty="0"/>
-              <a:t>Versatile</a:t>
-            </a:r>
-            <a:r>
-              <a:rPr lang="en-US" dirty="0"/>
-              <a:t>: Pipelines support complex real-world CD requirements, including the ability to fork/join, loop, and perform work in parallel.</a:t>
-            </a:r>
-          </a:p>
-          <a:p>
-            <a:pPr>
-              <a:lnSpc>
-                <a:spcPct val="120000"/>
-              </a:lnSpc>
-            </a:pPr>
-            <a:r>
-              <a:rPr lang="en-US" b="1" dirty="0"/>
-              <a:t>Extensible</a:t>
-            </a:r>
-            <a:r>
-              <a:rPr lang="en-US" dirty="0"/>
-              <a:t>: The Pipeline plugin supports custom extensions to its DSL and multiple options for integration with other plugins.</a:t>
-            </a:r>
-          </a:p>
-          <a:p>
-            <a:pPr>
-              <a:lnSpc>
-                <a:spcPct val="120000"/>
-              </a:lnSpc>
-            </a:pPr>
-            <a:endParaRPr lang="en-US" dirty="0"/>
-          </a:p>
-        </p:txBody>
-      </p:sp>
-      <p:sp>
-        <p:nvSpPr>
-          <p:cNvPr id="4" name="Slide Number Placeholder 3"/>
-          <p:cNvSpPr>
-            <a:spLocks noGrp="1"/>
-          </p:cNvSpPr>
-          <p:nvPr>
-            <p:ph type="sldNum" sz="quarter" idx="12"/>
-          </p:nvPr>
-        </p:nvSpPr>
-        <p:spPr/>
-        <p:txBody>
           <a:bodyPr/>
           <a:lstStyle/>
           <a:p>
-            <a:fld id="{6E53B7C2-38DE-462B-83A6-6DD189424A6E}" type="slidenum">
-              <a:rPr lang="en-US" smtClean="0"/>
-              <a:t>10</a:t>
-            </a:fld>
-            <a:endParaRPr lang="en-US"/>
+            <a:r>
+              <a:rPr lang="en-US" dirty="0"/>
+              <a:t>There are different Jenkins Job types available intended for different purposes. </a:t>
+            </a:r>
+          </a:p>
+          <a:p>
+            <a:r>
+              <a:rPr lang="en-US" dirty="0"/>
+              <a:t>Based on the complexity and nature of your project, you can choose the one that best suits your needs. </a:t>
+            </a:r>
           </a:p>
         </p:txBody>
       </p:sp>
     </p:spTree>
     <p:extLst>
       <p:ext uri="{BB962C8B-B14F-4D97-AF65-F5344CB8AC3E}">
-        <p14:creationId xmlns:p14="http://schemas.microsoft.com/office/powerpoint/2010/main" val="3907276608"/>
+        <p14:creationId xmlns:p14="http://schemas.microsoft.com/office/powerpoint/2010/main" val="1144051992"/>
       </p:ext>
     </p:extLst>
   </p:cSld>
@@ -9806,7 +9365,13 @@
       </p:grpSpPr>
       <p:sp>
         <p:nvSpPr>
-          <p:cNvPr id="2" name="Title 1"/>
+          <p:cNvPr id="2" name="Title 1">
+            <a:extLst>
+              <a:ext uri="{FF2B5EF4-FFF2-40B4-BE49-F238E27FC236}">
+                <a16:creationId xmlns:a16="http://schemas.microsoft.com/office/drawing/2014/main" id="{1CC8DBCD-53A8-2EF3-9342-B8B0661AE124}"/>
+              </a:ext>
+            </a:extLst>
+          </p:cNvPr>
           <p:cNvSpPr>
             <a:spLocks noGrp="1"/>
           </p:cNvSpPr>
@@ -9816,119 +9381,475 @@
         </p:nvSpPr>
         <p:spPr/>
         <p:txBody>
-          <a:bodyPr>
-            <a:normAutofit/>
-          </a:bodyPr>
+          <a:bodyPr/>
           <a:lstStyle/>
           <a:p>
             <a:r>
               <a:rPr lang="en-US" dirty="0"/>
-              <a:t>Pipeline concepts</a:t>
+              <a:t>Types Of Jenkins Jobs</a:t>
             </a:r>
           </a:p>
         </p:txBody>
       </p:sp>
-      <p:sp>
-        <p:nvSpPr>
-          <p:cNvPr id="3" name="Content Placeholder 2"/>
-          <p:cNvSpPr>
-            <a:spLocks noGrp="1"/>
-          </p:cNvSpPr>
+      <p:graphicFrame>
+        <p:nvGraphicFramePr>
+          <p:cNvPr id="4" name="Content Placeholder 3">
+            <a:extLst>
+              <a:ext uri="{FF2B5EF4-FFF2-40B4-BE49-F238E27FC236}">
+                <a16:creationId xmlns:a16="http://schemas.microsoft.com/office/drawing/2014/main" id="{00001217-D50E-FE89-9F3A-4D3BCA73CD03}"/>
+              </a:ext>
+            </a:extLst>
+          </p:cNvPr>
+          <p:cNvGraphicFramePr>
+            <a:graphicFrameLocks noGrp="1"/>
+          </p:cNvGraphicFramePr>
           <p:nvPr>
             <p:ph idx="1"/>
+            <p:extLst>
+              <p:ext uri="{D42A27DB-BD31-4B8C-83A1-F6EECF244321}">
+                <p14:modId xmlns:p14="http://schemas.microsoft.com/office/powerpoint/2010/main" val="2118764723"/>
+              </p:ext>
+            </p:extLst>
           </p:nvPr>
-        </p:nvSpPr>
-        <p:spPr/>
-        <p:txBody>
-          <a:bodyPr>
-            <a:normAutofit fontScale="85000" lnSpcReduction="20000"/>
-          </a:bodyPr>
-          <a:lstStyle/>
-          <a:p>
-            <a:pPr marL="0" indent="0">
-              <a:buNone/>
-            </a:pPr>
-            <a:r>
-              <a:rPr lang="en-US" b="1" dirty="0">
-                <a:solidFill>
-                  <a:srgbClr val="0070C0"/>
-                </a:solidFill>
-              </a:rPr>
-              <a:t>Pipeline</a:t>
-            </a:r>
-          </a:p>
-          <a:p>
-            <a:r>
-              <a:rPr lang="en-US" dirty="0"/>
-              <a:t>A Pipeline is a user-defined model of a CD pipeline.</a:t>
-            </a:r>
-          </a:p>
-          <a:p>
-            <a:r>
-              <a:rPr lang="en-US" dirty="0"/>
-              <a:t>A Pipeline’s code defines your entire build process, which typically includes stages for building an application, testing it and then delivering it.</a:t>
-            </a:r>
-          </a:p>
-          <a:p>
-            <a:r>
-              <a:rPr lang="en-US" dirty="0"/>
-              <a:t>Also, a pipeline block is a key part of Declarative Pipeline syntax.</a:t>
-            </a:r>
-          </a:p>
-          <a:p>
-            <a:pPr marL="0" indent="0">
-              <a:buNone/>
-            </a:pPr>
-            <a:r>
-              <a:rPr lang="en-US" b="1" dirty="0">
-                <a:solidFill>
-                  <a:srgbClr val="0070C0"/>
-                </a:solidFill>
-              </a:rPr>
-              <a:t>Node</a:t>
-            </a:r>
-          </a:p>
-          <a:p>
-            <a:r>
-              <a:rPr lang="en-US" dirty="0"/>
-              <a:t>A node is a machine which is part of the Jenkins environment and is capable of executing a Pipeline.</a:t>
-            </a:r>
-          </a:p>
-          <a:p>
-            <a:r>
-              <a:rPr lang="en-US" dirty="0"/>
-              <a:t>Also, a node block is a key part of Scripted Pipeline syntax.</a:t>
-            </a:r>
-          </a:p>
-        </p:txBody>
-      </p:sp>
-      <p:sp>
-        <p:nvSpPr>
-          <p:cNvPr id="4" name="Slide Number Placeholder 3"/>
-          <p:cNvSpPr>
-            <a:spLocks noGrp="1"/>
-          </p:cNvSpPr>
-          <p:nvPr>
-            <p:ph type="sldNum" sz="quarter" idx="12"/>
-          </p:nvPr>
-        </p:nvSpPr>
-        <p:spPr/>
-        <p:txBody>
-          <a:bodyPr/>
-          <a:lstStyle/>
-          <a:p>
-            <a:fld id="{6E53B7C2-38DE-462B-83A6-6DD189424A6E}" type="slidenum">
-              <a:rPr lang="en-US" smtClean="0"/>
-              <a:t>11</a:t>
-            </a:fld>
-            <a:endParaRPr lang="en-US"/>
-          </a:p>
-        </p:txBody>
-      </p:sp>
+        </p:nvGraphicFramePr>
+        <p:xfrm>
+          <a:off x="609600" y="1719263"/>
+          <a:ext cx="10972799" cy="4876800"/>
+        </p:xfrm>
+        <a:graphic>
+          <a:graphicData uri="http://schemas.openxmlformats.org/drawingml/2006/table">
+            <a:tbl>
+              <a:tblPr firstRow="1" bandRow="1">
+                <a:tableStyleId>{5C22544A-7EE6-4342-B048-85BDC9FD1C3A}</a:tableStyleId>
+              </a:tblPr>
+              <a:tblGrid>
+                <a:gridCol w="2220685">
+                  <a:extLst>
+                    <a:ext uri="{9D8B030D-6E8A-4147-A177-3AD203B41FA5}">
+                      <a16:colId xmlns:a16="http://schemas.microsoft.com/office/drawing/2014/main" val="31413491"/>
+                    </a:ext>
+                  </a:extLst>
+                </a:gridCol>
+                <a:gridCol w="8752114">
+                  <a:extLst>
+                    <a:ext uri="{9D8B030D-6E8A-4147-A177-3AD203B41FA5}">
+                      <a16:colId xmlns:a16="http://schemas.microsoft.com/office/drawing/2014/main" val="1314484615"/>
+                    </a:ext>
+                  </a:extLst>
+                </a:gridCol>
+              </a:tblGrid>
+              <a:tr h="370840">
+                <a:tc>
+                  <a:txBody>
+                    <a:bodyPr/>
+                    <a:lstStyle/>
+                    <a:p>
+                      <a:pPr algn="ctr"/>
+                      <a:r>
+                        <a:rPr lang="en-US" sz="1800" b="1" dirty="0">
+                          <a:solidFill>
+                            <a:srgbClr val="000000"/>
+                          </a:solidFill>
+                          <a:effectLst/>
+                          <a:latin typeface="+mn-lt"/>
+                        </a:rPr>
+                        <a:t>Job Type</a:t>
+                      </a:r>
+                    </a:p>
+                  </a:txBody>
+                  <a:tcPr marL="63500" marR="63500" marT="63500" marB="63500" anchor="ctr"/>
+                </a:tc>
+                <a:tc>
+                  <a:txBody>
+                    <a:bodyPr/>
+                    <a:lstStyle/>
+                    <a:p>
+                      <a:pPr algn="ctr"/>
+                      <a:r>
+                        <a:rPr lang="en-US" sz="1800" b="1" dirty="0">
+                          <a:solidFill>
+                            <a:srgbClr val="000000"/>
+                          </a:solidFill>
+                          <a:effectLst/>
+                          <a:latin typeface="+mn-lt"/>
+                        </a:rPr>
+                        <a:t>Description</a:t>
+                      </a:r>
+                    </a:p>
+                  </a:txBody>
+                  <a:tcPr marL="63500" marR="63500" marT="63500" marB="63500" anchor="ctr"/>
+                </a:tc>
+                <a:extLst>
+                  <a:ext uri="{0D108BD9-81ED-4DB2-BD59-A6C34878D82A}">
+                    <a16:rowId xmlns:a16="http://schemas.microsoft.com/office/drawing/2014/main" val="804387320"/>
+                  </a:ext>
+                </a:extLst>
+              </a:tr>
+              <a:tr h="370840">
+                <a:tc>
+                  <a:txBody>
+                    <a:bodyPr/>
+                    <a:lstStyle/>
+                    <a:p>
+                      <a:pPr fontAlgn="t" latinLnBrk="1"/>
+                      <a:r>
+                        <a:rPr lang="en-US" sz="1800" b="0">
+                          <a:solidFill>
+                            <a:srgbClr val="000000"/>
+                          </a:solidFill>
+                          <a:effectLst/>
+                          <a:latin typeface="+mn-lt"/>
+                        </a:rPr>
+                        <a:t>Freestyle Project</a:t>
+                      </a:r>
+                    </a:p>
+                  </a:txBody>
+                  <a:tcPr marL="101600" marR="101600" marT="63500" marB="63500"/>
+                </a:tc>
+                <a:tc>
+                  <a:txBody>
+                    <a:bodyPr/>
+                    <a:lstStyle/>
+                    <a:p>
+                      <a:pPr latinLnBrk="1"/>
+                      <a:r>
+                        <a:rPr lang="en-US" sz="1800" b="0" dirty="0">
+                          <a:solidFill>
+                            <a:srgbClr val="000000"/>
+                          </a:solidFill>
+                          <a:effectLst/>
+                          <a:latin typeface="+mn-lt"/>
+                        </a:rPr>
+                        <a:t>This is the central and the most widely used feature in Jenkins. </a:t>
+                      </a:r>
+                    </a:p>
+                    <a:p>
+                      <a:pPr latinLnBrk="1"/>
+                      <a:r>
+                        <a:rPr lang="en-US" sz="1800" b="0" dirty="0">
+                          <a:solidFill>
+                            <a:srgbClr val="000000"/>
+                          </a:solidFill>
+                          <a:effectLst/>
+                          <a:latin typeface="+mn-lt"/>
+                        </a:rPr>
+                        <a:t>It is an available Jenkins build job offering multiple operations. </a:t>
+                      </a:r>
+                    </a:p>
+                    <a:p>
+                      <a:pPr latinLnBrk="1"/>
+                      <a:r>
+                        <a:rPr lang="en-US" sz="1800" b="0" dirty="0">
+                          <a:solidFill>
+                            <a:srgbClr val="000000"/>
+                          </a:solidFill>
+                          <a:effectLst/>
+                          <a:latin typeface="+mn-lt"/>
+                        </a:rPr>
+                        <a:t>Using this option, you can build and run pipelines or scripts seamlessly.</a:t>
+                      </a:r>
+                    </a:p>
+                  </a:txBody>
+                  <a:tcPr marL="101600" marR="101600" marT="63500" marB="63500" anchor="ctr"/>
+                </a:tc>
+                <a:extLst>
+                  <a:ext uri="{0D108BD9-81ED-4DB2-BD59-A6C34878D82A}">
+                    <a16:rowId xmlns:a16="http://schemas.microsoft.com/office/drawing/2014/main" val="1589879710"/>
+                  </a:ext>
+                </a:extLst>
+              </a:tr>
+              <a:tr h="370840">
+                <a:tc>
+                  <a:txBody>
+                    <a:bodyPr/>
+                    <a:lstStyle/>
+                    <a:p>
+                      <a:pPr fontAlgn="t" latinLnBrk="1"/>
+                      <a:r>
+                        <a:rPr lang="en-US" sz="1800" b="0" dirty="0">
+                          <a:solidFill>
+                            <a:srgbClr val="000000"/>
+                          </a:solidFill>
+                          <a:effectLst/>
+                          <a:latin typeface="+mn-lt"/>
+                        </a:rPr>
+                        <a:t>Maven Project</a:t>
+                      </a:r>
+                    </a:p>
+                  </a:txBody>
+                  <a:tcPr marL="101600" marR="101600" marT="63500" marB="63500"/>
+                </a:tc>
+                <a:tc>
+                  <a:txBody>
+                    <a:bodyPr/>
+                    <a:lstStyle/>
+                    <a:p>
+                      <a:pPr latinLnBrk="1"/>
+                      <a:r>
+                        <a:rPr lang="en-US" sz="1800" b="0" dirty="0">
+                          <a:solidFill>
+                            <a:srgbClr val="000000"/>
+                          </a:solidFill>
+                          <a:effectLst/>
+                          <a:latin typeface="+mn-lt"/>
+                        </a:rPr>
+                        <a:t>If your work involves managing and building projects containing POM files, you </a:t>
+                      </a:r>
+                      <a:br>
+                        <a:rPr lang="en-US" sz="1800" b="0" dirty="0">
+                          <a:solidFill>
+                            <a:srgbClr val="000000"/>
+                          </a:solidFill>
+                          <a:effectLst/>
+                          <a:latin typeface="+mn-lt"/>
+                        </a:rPr>
+                      </a:br>
+                      <a:r>
+                        <a:rPr lang="en-US" sz="1800" b="0" dirty="0">
+                          <a:solidFill>
+                            <a:srgbClr val="000000"/>
+                          </a:solidFill>
+                          <a:effectLst/>
+                          <a:latin typeface="+mn-lt"/>
+                        </a:rPr>
+                        <a:t>prefer using Maven Project to build jobs in Jenkins. On choosing this option, Jenkins, by default, will pick the POM files, make configurations, and run builds.</a:t>
+                      </a:r>
+                    </a:p>
+                  </a:txBody>
+                  <a:tcPr marL="101600" marR="101600" marT="63500" marB="63500" anchor="ctr"/>
+                </a:tc>
+                <a:extLst>
+                  <a:ext uri="{0D108BD9-81ED-4DB2-BD59-A6C34878D82A}">
+                    <a16:rowId xmlns:a16="http://schemas.microsoft.com/office/drawing/2014/main" val="1151378907"/>
+                  </a:ext>
+                </a:extLst>
+              </a:tr>
+              <a:tr h="370840">
+                <a:tc>
+                  <a:txBody>
+                    <a:bodyPr/>
+                    <a:lstStyle/>
+                    <a:p>
+                      <a:pPr fontAlgn="t" latinLnBrk="1"/>
+                      <a:r>
+                        <a:rPr lang="en-US" sz="1800" b="0">
+                          <a:solidFill>
+                            <a:srgbClr val="000000"/>
+                          </a:solidFill>
+                          <a:effectLst/>
+                          <a:latin typeface="+mn-lt"/>
+                        </a:rPr>
+                        <a:t>Pipeline</a:t>
+                      </a:r>
+                    </a:p>
+                  </a:txBody>
+                  <a:tcPr marL="101600" marR="101600" marT="63500" marB="63500"/>
+                </a:tc>
+                <a:tc>
+                  <a:txBody>
+                    <a:bodyPr/>
+                    <a:lstStyle/>
+                    <a:p>
+                      <a:pPr latinLnBrk="1"/>
+                      <a:r>
+                        <a:rPr lang="en-US" sz="1800" b="0" dirty="0">
+                          <a:solidFill>
+                            <a:srgbClr val="000000"/>
+                          </a:solidFill>
+                          <a:effectLst/>
+                          <a:latin typeface="+mn-lt"/>
+                        </a:rPr>
+                        <a:t>Freestyle Project is often not a good option to create Jenkins Jobs. </a:t>
+                      </a:r>
+                    </a:p>
+                    <a:p>
+                      <a:pPr latinLnBrk="1"/>
+                      <a:r>
+                        <a:rPr lang="en-US" sz="1800" b="0" dirty="0">
+                          <a:solidFill>
+                            <a:srgbClr val="000000"/>
+                          </a:solidFill>
+                          <a:effectLst/>
+                          <a:latin typeface="+mn-lt"/>
+                        </a:rPr>
+                        <a:t>Therefore, Pipeline is the best option. Use the option Pipeline for creating Jenkins Jobs, especially when working on long-running activities.</a:t>
+                      </a:r>
+                    </a:p>
+                  </a:txBody>
+                  <a:tcPr marL="101600" marR="101600" marT="63500" marB="63500" anchor="ctr"/>
+                </a:tc>
+                <a:extLst>
+                  <a:ext uri="{0D108BD9-81ED-4DB2-BD59-A6C34878D82A}">
+                    <a16:rowId xmlns:a16="http://schemas.microsoft.com/office/drawing/2014/main" val="3416420966"/>
+                  </a:ext>
+                </a:extLst>
+              </a:tr>
+              <a:tr h="370840">
+                <a:tc>
+                  <a:txBody>
+                    <a:bodyPr/>
+                    <a:lstStyle/>
+                    <a:p>
+                      <a:pPr fontAlgn="t" latinLnBrk="1"/>
+                      <a:r>
+                        <a:rPr lang="en-US" sz="1800" b="0" dirty="0">
+                          <a:solidFill>
+                            <a:srgbClr val="000000"/>
+                          </a:solidFill>
+                          <a:effectLst/>
+                          <a:latin typeface="+mn-lt"/>
+                        </a:rPr>
+                        <a:t>Multi-configuration </a:t>
+                      </a:r>
+                    </a:p>
+                    <a:p>
+                      <a:pPr fontAlgn="t" latinLnBrk="1"/>
+                      <a:r>
+                        <a:rPr lang="en-US" sz="1800" b="0" dirty="0">
+                          <a:solidFill>
+                            <a:srgbClr val="000000"/>
+                          </a:solidFill>
+                          <a:effectLst/>
+                          <a:latin typeface="+mn-lt"/>
+                        </a:rPr>
+                        <a:t>Project</a:t>
+                      </a:r>
+                    </a:p>
+                  </a:txBody>
+                  <a:tcPr marL="101600" marR="101600" marT="63500" marB="63500"/>
+                </a:tc>
+                <a:tc>
+                  <a:txBody>
+                    <a:bodyPr/>
+                    <a:lstStyle/>
+                    <a:p>
+                      <a:pPr latinLnBrk="1"/>
+                      <a:r>
+                        <a:rPr lang="en-US" sz="1800" b="0" dirty="0">
+                          <a:solidFill>
+                            <a:srgbClr val="000000"/>
+                          </a:solidFill>
+                          <a:effectLst/>
+                          <a:latin typeface="+mn-lt"/>
+                        </a:rPr>
+                        <a:t>If you are working on a project requiring multiple configurations, you prefer to use </a:t>
+                      </a:r>
+                      <a:br>
+                        <a:rPr lang="en-US" sz="1800" b="0" dirty="0">
+                          <a:solidFill>
+                            <a:srgbClr val="000000"/>
+                          </a:solidFill>
+                          <a:effectLst/>
+                          <a:latin typeface="+mn-lt"/>
+                        </a:rPr>
+                      </a:br>
+                      <a:r>
+                        <a:rPr lang="en-US" sz="1800" b="0" dirty="0">
+                          <a:solidFill>
+                            <a:srgbClr val="000000"/>
+                          </a:solidFill>
+                          <a:effectLst/>
+                          <a:latin typeface="+mn-lt"/>
+                        </a:rPr>
+                        <a:t>the Multi-configuration Project option. This option allows for making multiple configurations for testing in multiple environments.</a:t>
+                      </a:r>
+                    </a:p>
+                  </a:txBody>
+                  <a:tcPr marL="101600" marR="101600" marT="63500" marB="63500" anchor="ctr"/>
+                </a:tc>
+                <a:extLst>
+                  <a:ext uri="{0D108BD9-81ED-4DB2-BD59-A6C34878D82A}">
+                    <a16:rowId xmlns:a16="http://schemas.microsoft.com/office/drawing/2014/main" val="3039678293"/>
+                  </a:ext>
+                </a:extLst>
+              </a:tr>
+              <a:tr h="370840">
+                <a:tc>
+                  <a:txBody>
+                    <a:bodyPr/>
+                    <a:lstStyle/>
+                    <a:p>
+                      <a:pPr fontAlgn="t" latinLnBrk="1"/>
+                      <a:r>
+                        <a:rPr lang="en-US" sz="1800" b="0" dirty="0">
+                          <a:solidFill>
+                            <a:srgbClr val="000000"/>
+                          </a:solidFill>
+                          <a:effectLst/>
+                          <a:latin typeface="+mn-lt"/>
+                        </a:rPr>
+                        <a:t>GitHub </a:t>
+                      </a:r>
+                      <a:br>
+                        <a:rPr lang="en-US" sz="1800" b="0" dirty="0">
+                          <a:solidFill>
+                            <a:srgbClr val="000000"/>
+                          </a:solidFill>
+                          <a:effectLst/>
+                          <a:latin typeface="+mn-lt"/>
+                        </a:rPr>
+                      </a:br>
+                      <a:r>
+                        <a:rPr lang="en-US" sz="1800" b="0" dirty="0">
+                          <a:solidFill>
+                            <a:srgbClr val="000000"/>
+                          </a:solidFill>
+                          <a:effectLst/>
+                          <a:latin typeface="+mn-lt"/>
+                        </a:rPr>
+                        <a:t>Organization</a:t>
+                      </a:r>
+                    </a:p>
+                  </a:txBody>
+                  <a:tcPr marL="101600" marR="101600" marT="63500" marB="63500"/>
+                </a:tc>
+                <a:tc>
+                  <a:txBody>
+                    <a:bodyPr/>
+                    <a:lstStyle/>
+                    <a:p>
+                      <a:pPr latinLnBrk="1"/>
+                      <a:r>
+                        <a:rPr lang="en-US" sz="1800" b="0" dirty="0">
+                          <a:solidFill>
+                            <a:srgbClr val="000000"/>
+                          </a:solidFill>
+                          <a:effectLst/>
+                          <a:latin typeface="+mn-lt"/>
+                        </a:rPr>
+                        <a:t>If you click on this option, it scans the User's GitHub account for all repositories. </a:t>
+                      </a:r>
+                    </a:p>
+                    <a:p>
+                      <a:pPr latinLnBrk="1"/>
+                      <a:r>
+                        <a:rPr lang="en-US" sz="1800" b="0" dirty="0">
+                          <a:solidFill>
+                            <a:srgbClr val="000000"/>
+                          </a:solidFill>
+                          <a:effectLst/>
+                          <a:latin typeface="+mn-lt"/>
+                        </a:rPr>
+                        <a:t>And then, it matches markers as defined.</a:t>
+                      </a:r>
+                    </a:p>
+                  </a:txBody>
+                  <a:tcPr marL="101600" marR="101600" marT="63500" marB="63500" anchor="ctr"/>
+                </a:tc>
+                <a:extLst>
+                  <a:ext uri="{0D108BD9-81ED-4DB2-BD59-A6C34878D82A}">
+                    <a16:rowId xmlns:a16="http://schemas.microsoft.com/office/drawing/2014/main" val="2127356186"/>
+                  </a:ext>
+                </a:extLst>
+              </a:tr>
+            </a:tbl>
+          </a:graphicData>
+        </a:graphic>
+      </p:graphicFrame>
     </p:spTree>
     <p:extLst>
       <p:ext uri="{BB962C8B-B14F-4D97-AF65-F5344CB8AC3E}">
-        <p14:creationId xmlns:p14="http://schemas.microsoft.com/office/powerpoint/2010/main" val="1591770703"/>
+        <p14:creationId xmlns:p14="http://schemas.microsoft.com/office/powerpoint/2010/main" val="4048202697"/>
       </p:ext>
     </p:extLst>
   </p:cSld>
@@ -9957,12 +9878,18 @@
       </p:grpSpPr>
       <p:sp>
         <p:nvSpPr>
-          <p:cNvPr id="2" name="Title 1"/>
+          <p:cNvPr id="2" name="Title 1">
+            <a:extLst>
+              <a:ext uri="{FF2B5EF4-FFF2-40B4-BE49-F238E27FC236}">
+                <a16:creationId xmlns:a16="http://schemas.microsoft.com/office/drawing/2014/main" id="{F364568F-E8EA-45FB-8EC2-BCFFF17EEA82}"/>
+              </a:ext>
+            </a:extLst>
+          </p:cNvPr>
           <p:cNvSpPr>
             <a:spLocks noGrp="1"/>
           </p:cNvSpPr>
           <p:nvPr>
-            <p:ph type="title"/>
+            <p:ph type="ctrTitle"/>
           </p:nvPr>
         </p:nvSpPr>
         <p:spPr/>
@@ -9972,111 +9899,25 @@
           <a:p>
             <a:r>
               <a:rPr lang="en-US" dirty="0"/>
-              <a:t>Pipeline concepts</a:t>
+              <a:t>Jenkins Pipeline</a:t>
             </a:r>
           </a:p>
         </p:txBody>
       </p:sp>
       <p:sp>
         <p:nvSpPr>
-          <p:cNvPr id="3" name="Content Placeholder 2"/>
+          <p:cNvPr id="4" name="Subtitle 3">
+            <a:extLst>
+              <a:ext uri="{FF2B5EF4-FFF2-40B4-BE49-F238E27FC236}">
+                <a16:creationId xmlns:a16="http://schemas.microsoft.com/office/drawing/2014/main" id="{EE4BF70D-9E91-2744-C536-688D7D2E3FDE}"/>
+              </a:ext>
+            </a:extLst>
+          </p:cNvPr>
           <p:cNvSpPr>
             <a:spLocks noGrp="1"/>
           </p:cNvSpPr>
           <p:nvPr>
-            <p:ph idx="1"/>
-          </p:nvPr>
-        </p:nvSpPr>
-        <p:spPr/>
-        <p:txBody>
-          <a:bodyPr>
-            <a:normAutofit fontScale="85000" lnSpcReduction="20000"/>
-          </a:bodyPr>
-          <a:lstStyle/>
-          <a:p>
-            <a:pPr marL="0" indent="0">
-              <a:buNone/>
-            </a:pPr>
-            <a:r>
-              <a:rPr lang="en-US" b="1" dirty="0">
-                <a:solidFill>
-                  <a:srgbClr val="0070C0"/>
-                </a:solidFill>
-              </a:rPr>
-              <a:t>Stage</a:t>
-            </a:r>
-          </a:p>
-          <a:p>
-            <a:r>
-              <a:rPr lang="en-US" dirty="0"/>
-              <a:t>A stage block defines a conceptually distinct subset of tasks performed through the entire Pipeline (e.g. "Build", "Test" and "Deploy" stages), which is used by many plugins to visualize or present Jenkins Pipeline status/progress. </a:t>
-            </a:r>
-          </a:p>
-          <a:p>
-            <a:pPr marL="0" indent="0">
-              <a:buNone/>
-            </a:pPr>
-            <a:r>
-              <a:rPr lang="en-US" b="1" dirty="0">
-                <a:solidFill>
-                  <a:srgbClr val="0070C0"/>
-                </a:solidFill>
-              </a:rPr>
-              <a:t>Step</a:t>
-            </a:r>
-          </a:p>
-          <a:p>
-            <a:r>
-              <a:rPr lang="en-US" dirty="0"/>
-              <a:t>A single task. Fundamentally, a step tells Jenkins </a:t>
-            </a:r>
-            <a:r>
-              <a:rPr lang="en-US" i="1" dirty="0"/>
-              <a:t>what</a:t>
-            </a:r>
-            <a:r>
-              <a:rPr lang="en-US" dirty="0"/>
-              <a:t> to do at a particular point in time (or "step" in the process). </a:t>
-            </a:r>
-          </a:p>
-          <a:p>
-            <a:r>
-              <a:rPr lang="en-US" dirty="0"/>
-              <a:t>For example, to execute the shell command make use the </a:t>
-            </a:r>
-            <a:r>
-              <a:rPr lang="en-US" dirty="0" err="1"/>
-              <a:t>sh</a:t>
-            </a:r>
-            <a:r>
-              <a:rPr lang="en-US" dirty="0"/>
-              <a:t> step: </a:t>
-            </a:r>
-            <a:r>
-              <a:rPr lang="en-US" dirty="0" err="1"/>
-              <a:t>sh</a:t>
-            </a:r>
-            <a:r>
-              <a:rPr lang="en-US" dirty="0"/>
-              <a:t> 'make’</a:t>
-            </a:r>
-          </a:p>
-          <a:p>
-            <a:pPr marL="0" indent="0">
-              <a:buNone/>
-            </a:pPr>
-            <a:endParaRPr lang="en-US" dirty="0"/>
-          </a:p>
-        </p:txBody>
-      </p:sp>
-      <p:sp>
-        <p:nvSpPr>
-          <p:cNvPr id="4" name="Slide Number Placeholder 3"/>
-          <p:cNvSpPr>
-            <a:spLocks noGrp="1"/>
-          </p:cNvSpPr>
-          <p:nvPr>
-            <p:ph type="sldNum" sz="quarter" idx="12"/>
+            <p:ph type="subTitle" idx="1"/>
           </p:nvPr>
         </p:nvSpPr>
         <p:spPr/>
@@ -10084,10 +9925,6 @@
           <a:bodyPr/>
           <a:lstStyle/>
           <a:p>
-            <a:fld id="{6E53B7C2-38DE-462B-83A6-6DD189424A6E}" type="slidenum">
-              <a:rPr lang="en-US" smtClean="0"/>
-              <a:t>12</a:t>
-            </a:fld>
             <a:endParaRPr lang="en-US"/>
           </a:p>
         </p:txBody>
@@ -10095,7 +9932,7 @@
     </p:spTree>
     <p:extLst>
       <p:ext uri="{BB962C8B-B14F-4D97-AF65-F5344CB8AC3E}">
-        <p14:creationId xmlns:p14="http://schemas.microsoft.com/office/powerpoint/2010/main" val="3014033322"/>
+        <p14:creationId xmlns:p14="http://schemas.microsoft.com/office/powerpoint/2010/main" val="4102689390"/>
       </p:ext>
     </p:extLst>
   </p:cSld>
@@ -10124,7 +9961,13 @@
       </p:grpSpPr>
       <p:sp>
         <p:nvSpPr>
-          <p:cNvPr id="2" name="Title 1"/>
+          <p:cNvPr id="2" name="Title 1">
+            <a:extLst>
+              <a:ext uri="{FF2B5EF4-FFF2-40B4-BE49-F238E27FC236}">
+                <a16:creationId xmlns:a16="http://schemas.microsoft.com/office/drawing/2014/main" id="{093D73C3-8416-0102-B8E7-E74D7553965D}"/>
+              </a:ext>
+            </a:extLst>
+          </p:cNvPr>
           <p:cNvSpPr>
             <a:spLocks noGrp="1"/>
           </p:cNvSpPr>
@@ -10134,92 +9977,30 @@
         </p:nvSpPr>
         <p:spPr/>
         <p:txBody>
-          <a:bodyPr>
-            <a:normAutofit/>
-          </a:bodyPr>
+          <a:bodyPr/>
           <a:lstStyle/>
           <a:p>
             <a:r>
               <a:rPr lang="en-US" dirty="0"/>
-              <a:t>Declarative Pipeline</a:t>
+              <a:t>Jenkins Pipeline</a:t>
             </a:r>
           </a:p>
         </p:txBody>
       </p:sp>
-      <p:pic>
-        <p:nvPicPr>
-          <p:cNvPr id="1026" name="Picture 2"/>
-          <p:cNvPicPr>
-            <a:picLocks noGrp="1" noChangeAspect="1" noChangeArrowheads="1"/>
-          </p:cNvPicPr>
-          <p:nvPr>
-            <p:ph idx="1"/>
-          </p:nvPr>
-        </p:nvPicPr>
-        <p:blipFill>
-          <a:blip r:embed="rId2">
-            <a:extLst>
-              <a:ext uri="{28A0092B-C50C-407E-A947-70E740481C1C}">
-                <a14:useLocalDpi xmlns:a14="http://schemas.microsoft.com/office/drawing/2010/main" val="0"/>
-              </a:ext>
-            </a:extLst>
-          </a:blip>
-          <a:srcRect/>
-          <a:stretch>
-            <a:fillRect/>
-          </a:stretch>
-        </p:blipFill>
-        <p:spPr bwMode="auto">
-          <a:xfrm>
-            <a:off x="2895600" y="1447800"/>
-            <a:ext cx="3124200" cy="5195556"/>
-          </a:xfrm>
-          <a:prstGeom prst="rect">
-            <a:avLst/>
-          </a:prstGeom>
-          <a:noFill/>
-          <a:ln>
-            <a:noFill/>
-          </a:ln>
-          <a:effectLst/>
-          <a:extLst>
-            <a:ext uri="{909E8E84-426E-40DD-AFC4-6F175D3DCCD1}">
-              <a14:hiddenFill xmlns:a14="http://schemas.microsoft.com/office/drawing/2010/main">
-                <a:solidFill>
-                  <a:schemeClr val="accent1"/>
-                </a:solidFill>
-              </a14:hiddenFill>
-            </a:ext>
-            <a:ext uri="{91240B29-F687-4F45-9708-019B960494DF}">
-              <a14:hiddenLine xmlns:a14="http://schemas.microsoft.com/office/drawing/2010/main" w="9525">
-                <a:solidFill>
-                  <a:schemeClr val="tx1"/>
-                </a:solidFill>
-                <a:miter lim="800000"/>
-                <a:headEnd/>
-                <a:tailEnd/>
-              </a14:hiddenLine>
-            </a:ext>
-            <a:ext uri="{AF507438-7753-43E0-B8FC-AC1667EBCBE1}">
-              <a14:hiddenEffects xmlns:a14="http://schemas.microsoft.com/office/drawing/2010/main">
-                <a:effectLst>
-                  <a:outerShdw dist="35921" dir="2700000" algn="ctr" rotWithShape="0">
-                    <a:schemeClr val="bg2"/>
-                  </a:outerShdw>
-                </a:effectLst>
-              </a14:hiddenEffects>
-            </a:ext>
-          </a:extLst>
-        </p:spPr>
-      </p:pic>
       <p:sp>
         <p:nvSpPr>
-          <p:cNvPr id="4" name="Slide Number Placeholder 3"/>
+          <p:cNvPr id="3" name="Content Placeholder 2">
+            <a:extLst>
+              <a:ext uri="{FF2B5EF4-FFF2-40B4-BE49-F238E27FC236}">
+                <a16:creationId xmlns:a16="http://schemas.microsoft.com/office/drawing/2014/main" id="{5F6584A9-E5B3-0F34-4B3F-244D1BDB81C3}"/>
+              </a:ext>
+            </a:extLst>
+          </p:cNvPr>
           <p:cNvSpPr>
             <a:spLocks noGrp="1"/>
           </p:cNvSpPr>
           <p:nvPr>
-            <p:ph type="sldNum" sz="quarter" idx="12"/>
+            <p:ph idx="1"/>
           </p:nvPr>
         </p:nvSpPr>
         <p:spPr/>
@@ -10227,18 +10008,775 @@
           <a:bodyPr/>
           <a:lstStyle/>
           <a:p>
-            <a:fld id="{6E53B7C2-38DE-462B-83A6-6DD189424A6E}" type="slidenum">
-              <a:rPr lang="en-US" smtClean="0"/>
-              <a:t>13</a:t>
-            </a:fld>
-            <a:endParaRPr lang="en-US"/>
+            <a:r>
+              <a:rPr lang="en-US" dirty="0"/>
+              <a:t>Jenkins Pipeline is a mixture of plugins that helps the combination and implementation of non-stop transport pipelines. </a:t>
+            </a:r>
+          </a:p>
+          <a:p>
+            <a:r>
+              <a:rPr lang="en-US" dirty="0"/>
+              <a:t>It has an extensible automation server to create easy and complicated transport pipelines as code through pipeline DSL. </a:t>
+            </a:r>
+          </a:p>
+          <a:p>
+            <a:r>
+              <a:rPr lang="en-US" dirty="0"/>
+              <a:t>A Pipeline is a collection of occasions interlinked with every difference in a sequence. </a:t>
+            </a:r>
           </a:p>
         </p:txBody>
       </p:sp>
     </p:spTree>
     <p:extLst>
       <p:ext uri="{BB962C8B-B14F-4D97-AF65-F5344CB8AC3E}">
-        <p14:creationId xmlns:p14="http://schemas.microsoft.com/office/powerpoint/2010/main" val="634873061"/>
+        <p14:creationId xmlns:p14="http://schemas.microsoft.com/office/powerpoint/2010/main" val="3660389475"/>
+      </p:ext>
+    </p:extLst>
+  </p:cSld>
+  <p:clrMapOvr>
+    <a:masterClrMapping/>
+  </p:clrMapOvr>
+</p:sld>
+</file>
+
+<file path=ppt/slides/slide14.xml><?xml version="1.0" encoding="utf-8"?>
+<p:sld xmlns:a="http://schemas.openxmlformats.org/drawingml/2006/main" xmlns:r="http://schemas.openxmlformats.org/officeDocument/2006/relationships" xmlns:p="http://schemas.openxmlformats.org/presentationml/2006/main">
+  <p:cSld>
+    <p:spTree>
+      <p:nvGrpSpPr>
+        <p:cNvPr id="1" name=""/>
+        <p:cNvGrpSpPr/>
+        <p:nvPr/>
+      </p:nvGrpSpPr>
+      <p:grpSpPr>
+        <a:xfrm>
+          <a:off x="0" y="0"/>
+          <a:ext cx="0" cy="0"/>
+          <a:chOff x="0" y="0"/>
+          <a:chExt cx="0" cy="0"/>
+        </a:xfrm>
+      </p:grpSpPr>
+      <p:sp>
+        <p:nvSpPr>
+          <p:cNvPr id="2" name="Title 1">
+            <a:extLst>
+              <a:ext uri="{FF2B5EF4-FFF2-40B4-BE49-F238E27FC236}">
+                <a16:creationId xmlns:a16="http://schemas.microsoft.com/office/drawing/2014/main" id="{FFDFA768-0B06-455A-8CAC-C3402E24D837}"/>
+              </a:ext>
+            </a:extLst>
+          </p:cNvPr>
+          <p:cNvSpPr>
+            <a:spLocks noGrp="1"/>
+          </p:cNvSpPr>
+          <p:nvPr>
+            <p:ph type="title"/>
+          </p:nvPr>
+        </p:nvSpPr>
+        <p:spPr/>
+        <p:txBody>
+          <a:bodyPr/>
+          <a:lstStyle/>
+          <a:p>
+            <a:r>
+              <a:rPr lang="en-US" sz="3600" dirty="0"/>
+              <a:t>How do Continuous Delivery Pipelines work?</a:t>
+            </a:r>
+          </a:p>
+        </p:txBody>
+      </p:sp>
+      <p:sp>
+        <p:nvSpPr>
+          <p:cNvPr id="3" name="Content Placeholder 2">
+            <a:extLst>
+              <a:ext uri="{FF2B5EF4-FFF2-40B4-BE49-F238E27FC236}">
+                <a16:creationId xmlns:a16="http://schemas.microsoft.com/office/drawing/2014/main" id="{8542E282-3880-E968-4965-8C9A3206DAA6}"/>
+              </a:ext>
+            </a:extLst>
+          </p:cNvPr>
+          <p:cNvSpPr>
+            <a:spLocks noGrp="1"/>
+          </p:cNvSpPr>
+          <p:nvPr>
+            <p:ph idx="1"/>
+          </p:nvPr>
+        </p:nvSpPr>
+        <p:spPr/>
+        <p:txBody>
+          <a:bodyPr/>
+          <a:lstStyle/>
+          <a:p>
+            <a:r>
+              <a:rPr lang="en-US" sz="2800" dirty="0"/>
+              <a:t>Each task or event in a Jenkins pipeline depends in some way on at least one or more other jobs or events.  </a:t>
+            </a:r>
+          </a:p>
+          <a:p>
+            <a:r>
+              <a:rPr lang="en-US" sz="2800" dirty="0"/>
+              <a:t>A continuous delivery pipeline in Jenkins is shown in the image below. It has four states: build, deploy, test, and release. </a:t>
+            </a:r>
+          </a:p>
+          <a:p>
+            <a:r>
+              <a:rPr lang="en-US" sz="2800" dirty="0"/>
+              <a:t>These things are related to one another. </a:t>
+            </a:r>
+          </a:p>
+          <a:p>
+            <a:r>
+              <a:rPr lang="en-US" sz="2800" dirty="0"/>
+              <a:t>Each state has its events, which follow a continuous </a:t>
+            </a:r>
+            <a:br>
+              <a:rPr lang="en-US" sz="2800" dirty="0"/>
+            </a:br>
+            <a:r>
+              <a:rPr lang="en-US" sz="2800" dirty="0"/>
+              <a:t>supply pipeline. </a:t>
+            </a:r>
+          </a:p>
+        </p:txBody>
+      </p:sp>
+      <p:pic>
+        <p:nvPicPr>
+          <p:cNvPr id="4" name="Picture 3">
+            <a:extLst>
+              <a:ext uri="{FF2B5EF4-FFF2-40B4-BE49-F238E27FC236}">
+                <a16:creationId xmlns:a16="http://schemas.microsoft.com/office/drawing/2014/main" id="{7154898B-D14E-EDB1-167A-15618FE28262}"/>
+              </a:ext>
+            </a:extLst>
+          </p:cNvPr>
+          <p:cNvPicPr>
+            <a:picLocks noChangeAspect="1"/>
+          </p:cNvPicPr>
+          <p:nvPr/>
+        </p:nvPicPr>
+        <p:blipFill rotWithShape="1">
+          <a:blip r:embed="rId2"/>
+          <a:srcRect l="22381" r="24391"/>
+          <a:stretch/>
+        </p:blipFill>
+        <p:spPr>
+          <a:xfrm>
+            <a:off x="3341913" y="4832350"/>
+            <a:ext cx="5475515" cy="1600200"/>
+          </a:xfrm>
+          <a:prstGeom prst="rect">
+            <a:avLst/>
+          </a:prstGeom>
+        </p:spPr>
+      </p:pic>
+    </p:spTree>
+    <p:extLst>
+      <p:ext uri="{BB962C8B-B14F-4D97-AF65-F5344CB8AC3E}">
+        <p14:creationId xmlns:p14="http://schemas.microsoft.com/office/powerpoint/2010/main" val="448469116"/>
+      </p:ext>
+    </p:extLst>
+  </p:cSld>
+  <p:clrMapOvr>
+    <a:masterClrMapping/>
+  </p:clrMapOvr>
+</p:sld>
+</file>
+
+<file path=ppt/slides/slide15.xml><?xml version="1.0" encoding="utf-8"?>
+<p:sld xmlns:a="http://schemas.openxmlformats.org/drawingml/2006/main" xmlns:r="http://schemas.openxmlformats.org/officeDocument/2006/relationships" xmlns:p="http://schemas.openxmlformats.org/presentationml/2006/main">
+  <p:cSld>
+    <p:spTree>
+      <p:nvGrpSpPr>
+        <p:cNvPr id="1" name=""/>
+        <p:cNvGrpSpPr/>
+        <p:nvPr/>
+      </p:nvGrpSpPr>
+      <p:grpSpPr>
+        <a:xfrm>
+          <a:off x="0" y="0"/>
+          <a:ext cx="0" cy="0"/>
+          <a:chOff x="0" y="0"/>
+          <a:chExt cx="0" cy="0"/>
+        </a:xfrm>
+      </p:grpSpPr>
+      <p:sp>
+        <p:nvSpPr>
+          <p:cNvPr id="2" name="Title 1">
+            <a:extLst>
+              <a:ext uri="{FF2B5EF4-FFF2-40B4-BE49-F238E27FC236}">
+                <a16:creationId xmlns:a16="http://schemas.microsoft.com/office/drawing/2014/main" id="{1F934076-24E3-8A11-8FB2-299A38CFCC9D}"/>
+              </a:ext>
+            </a:extLst>
+          </p:cNvPr>
+          <p:cNvSpPr>
+            <a:spLocks noGrp="1"/>
+          </p:cNvSpPr>
+          <p:nvPr>
+            <p:ph type="title"/>
+          </p:nvPr>
+        </p:nvSpPr>
+        <p:spPr/>
+        <p:txBody>
+          <a:bodyPr/>
+          <a:lstStyle/>
+          <a:p>
+            <a:r>
+              <a:rPr lang="en-US" dirty="0"/>
+              <a:t>Why Pipelines</a:t>
+            </a:r>
+          </a:p>
+        </p:txBody>
+      </p:sp>
+      <p:sp>
+        <p:nvSpPr>
+          <p:cNvPr id="3" name="Content Placeholder 2">
+            <a:extLst>
+              <a:ext uri="{FF2B5EF4-FFF2-40B4-BE49-F238E27FC236}">
+                <a16:creationId xmlns:a16="http://schemas.microsoft.com/office/drawing/2014/main" id="{113AFA2D-16A8-351A-9B45-B8BB8127397C}"/>
+              </a:ext>
+            </a:extLst>
+          </p:cNvPr>
+          <p:cNvSpPr>
+            <a:spLocks noGrp="1"/>
+          </p:cNvSpPr>
+          <p:nvPr>
+            <p:ph idx="1"/>
+          </p:nvPr>
+        </p:nvSpPr>
+        <p:spPr>
+          <a:xfrm>
+            <a:off x="609600" y="1719263"/>
+            <a:ext cx="6422571" cy="4411662"/>
+          </a:xfrm>
+        </p:spPr>
+        <p:txBody>
+          <a:bodyPr/>
+          <a:lstStyle/>
+          <a:p>
+            <a:r>
+              <a:rPr lang="en-US" sz="2400" dirty="0"/>
+              <a:t>Jenkins pipeline is developed using code, allowing numerous people to change and run the pipeline process. </a:t>
+            </a:r>
+          </a:p>
+          <a:p>
+            <a:r>
+              <a:rPr lang="en-US" sz="2400" dirty="0"/>
+              <a:t>The pipeline will thus be immediately resumed if your server has to restart for some reason. </a:t>
+            </a:r>
+          </a:p>
+          <a:p>
+            <a:r>
+              <a:rPr lang="en-US" sz="2400" dirty="0"/>
+              <a:t>The pipeline process can be stopped, and you can instruct it to not restart until the user provides input. </a:t>
+            </a:r>
+          </a:p>
+          <a:p>
+            <a:r>
+              <a:rPr lang="en-US" sz="2400" dirty="0"/>
+              <a:t>Jenkins Pipelines assist with large projects. It's possible to use pipelines in a loop and perform numerous jobs. </a:t>
+            </a:r>
+          </a:p>
+        </p:txBody>
+      </p:sp>
+      <p:pic>
+        <p:nvPicPr>
+          <p:cNvPr id="4" name="Picture 3">
+            <a:extLst>
+              <a:ext uri="{FF2B5EF4-FFF2-40B4-BE49-F238E27FC236}">
+                <a16:creationId xmlns:a16="http://schemas.microsoft.com/office/drawing/2014/main" id="{32CBDE7E-B99F-D3CB-BCE3-155949E39C28}"/>
+              </a:ext>
+            </a:extLst>
+          </p:cNvPr>
+          <p:cNvPicPr>
+            <a:picLocks noChangeAspect="1"/>
+          </p:cNvPicPr>
+          <p:nvPr/>
+        </p:nvPicPr>
+        <p:blipFill>
+          <a:blip r:embed="rId2"/>
+          <a:stretch>
+            <a:fillRect/>
+          </a:stretch>
+        </p:blipFill>
+        <p:spPr>
+          <a:xfrm>
+            <a:off x="6879772" y="1708338"/>
+            <a:ext cx="4931228" cy="3516805"/>
+          </a:xfrm>
+          <a:prstGeom prst="rect">
+            <a:avLst/>
+          </a:prstGeom>
+        </p:spPr>
+      </p:pic>
+    </p:spTree>
+    <p:extLst>
+      <p:ext uri="{BB962C8B-B14F-4D97-AF65-F5344CB8AC3E}">
+        <p14:creationId xmlns:p14="http://schemas.microsoft.com/office/powerpoint/2010/main" val="3572945544"/>
+      </p:ext>
+    </p:extLst>
+  </p:cSld>
+  <p:clrMapOvr>
+    <a:masterClrMapping/>
+  </p:clrMapOvr>
+</p:sld>
+</file>
+
+<file path=ppt/slides/slide16.xml><?xml version="1.0" encoding="utf-8"?>
+<p:sld xmlns:a="http://schemas.openxmlformats.org/drawingml/2006/main" xmlns:r="http://schemas.openxmlformats.org/officeDocument/2006/relationships" xmlns:p="http://schemas.openxmlformats.org/presentationml/2006/main">
+  <p:cSld>
+    <p:spTree>
+      <p:nvGrpSpPr>
+        <p:cNvPr id="1" name=""/>
+        <p:cNvGrpSpPr/>
+        <p:nvPr/>
+      </p:nvGrpSpPr>
+      <p:grpSpPr>
+        <a:xfrm>
+          <a:off x="0" y="0"/>
+          <a:ext cx="0" cy="0"/>
+          <a:chOff x="0" y="0"/>
+          <a:chExt cx="0" cy="0"/>
+        </a:xfrm>
+      </p:grpSpPr>
+      <p:sp>
+        <p:nvSpPr>
+          <p:cNvPr id="2" name="Title 1">
+            <a:extLst>
+              <a:ext uri="{FF2B5EF4-FFF2-40B4-BE49-F238E27FC236}">
+                <a16:creationId xmlns:a16="http://schemas.microsoft.com/office/drawing/2014/main" id="{69E42A39-D1E0-3E91-2AF5-9A9D77C1AF25}"/>
+              </a:ext>
+            </a:extLst>
+          </p:cNvPr>
+          <p:cNvSpPr>
+            <a:spLocks noGrp="1"/>
+          </p:cNvSpPr>
+          <p:nvPr>
+            <p:ph type="ctrTitle"/>
+          </p:nvPr>
+        </p:nvSpPr>
+        <p:spPr/>
+        <p:txBody>
+          <a:bodyPr/>
+          <a:lstStyle/>
+          <a:p>
+            <a:r>
+              <a:rPr lang="en-US" dirty="0"/>
+              <a:t>Pipeline Concepts</a:t>
+            </a:r>
+          </a:p>
+        </p:txBody>
+      </p:sp>
+      <p:sp>
+        <p:nvSpPr>
+          <p:cNvPr id="4" name="Subtitle 3">
+            <a:extLst>
+              <a:ext uri="{FF2B5EF4-FFF2-40B4-BE49-F238E27FC236}">
+                <a16:creationId xmlns:a16="http://schemas.microsoft.com/office/drawing/2014/main" id="{BD9C08FA-E150-BB92-B30E-9C7E53D2F37A}"/>
+              </a:ext>
+            </a:extLst>
+          </p:cNvPr>
+          <p:cNvSpPr>
+            <a:spLocks noGrp="1"/>
+          </p:cNvSpPr>
+          <p:nvPr>
+            <p:ph type="subTitle" idx="1"/>
+          </p:nvPr>
+        </p:nvSpPr>
+        <p:spPr/>
+        <p:txBody>
+          <a:bodyPr/>
+          <a:lstStyle/>
+          <a:p>
+            <a:endParaRPr lang="en-US"/>
+          </a:p>
+        </p:txBody>
+      </p:sp>
+    </p:spTree>
+    <p:extLst>
+      <p:ext uri="{BB962C8B-B14F-4D97-AF65-F5344CB8AC3E}">
+        <p14:creationId xmlns:p14="http://schemas.microsoft.com/office/powerpoint/2010/main" val="417740547"/>
+      </p:ext>
+    </p:extLst>
+  </p:cSld>
+  <p:clrMapOvr>
+    <a:masterClrMapping/>
+  </p:clrMapOvr>
+</p:sld>
+</file>
+
+<file path=ppt/slides/slide17.xml><?xml version="1.0" encoding="utf-8"?>
+<p:sld xmlns:a="http://schemas.openxmlformats.org/drawingml/2006/main" xmlns:r="http://schemas.openxmlformats.org/officeDocument/2006/relationships" xmlns:p="http://schemas.openxmlformats.org/presentationml/2006/main">
+  <p:cSld>
+    <p:spTree>
+      <p:nvGrpSpPr>
+        <p:cNvPr id="1" name=""/>
+        <p:cNvGrpSpPr/>
+        <p:nvPr/>
+      </p:nvGrpSpPr>
+      <p:grpSpPr>
+        <a:xfrm>
+          <a:off x="0" y="0"/>
+          <a:ext cx="0" cy="0"/>
+          <a:chOff x="0" y="0"/>
+          <a:chExt cx="0" cy="0"/>
+        </a:xfrm>
+      </p:grpSpPr>
+      <p:sp>
+        <p:nvSpPr>
+          <p:cNvPr id="2" name="Title 1">
+            <a:extLst>
+              <a:ext uri="{FF2B5EF4-FFF2-40B4-BE49-F238E27FC236}">
+                <a16:creationId xmlns:a16="http://schemas.microsoft.com/office/drawing/2014/main" id="{3E24E723-4870-E117-27C7-697BABA376DA}"/>
+              </a:ext>
+            </a:extLst>
+          </p:cNvPr>
+          <p:cNvSpPr>
+            <a:spLocks noGrp="1"/>
+          </p:cNvSpPr>
+          <p:nvPr>
+            <p:ph type="title"/>
+          </p:nvPr>
+        </p:nvSpPr>
+        <p:spPr/>
+        <p:txBody>
+          <a:bodyPr/>
+          <a:lstStyle/>
+          <a:p>
+            <a:r>
+              <a:rPr lang="en-US" dirty="0"/>
+              <a:t>Pipeline</a:t>
+            </a:r>
+          </a:p>
+        </p:txBody>
+      </p:sp>
+      <p:sp>
+        <p:nvSpPr>
+          <p:cNvPr id="3" name="Content Placeholder 2">
+            <a:extLst>
+              <a:ext uri="{FF2B5EF4-FFF2-40B4-BE49-F238E27FC236}">
+                <a16:creationId xmlns:a16="http://schemas.microsoft.com/office/drawing/2014/main" id="{0F7687AF-C9D2-EA72-0D99-C78A39FC7F55}"/>
+              </a:ext>
+            </a:extLst>
+          </p:cNvPr>
+          <p:cNvSpPr>
+            <a:spLocks noGrp="1"/>
+          </p:cNvSpPr>
+          <p:nvPr>
+            <p:ph idx="1"/>
+          </p:nvPr>
+        </p:nvSpPr>
+        <p:spPr/>
+        <p:txBody>
+          <a:bodyPr/>
+          <a:lstStyle/>
+          <a:p>
+            <a:r>
+              <a:rPr lang="en-US" dirty="0"/>
+              <a:t>The pipeline is a set of instructions for continuous delivery that are provided as code and contains all the instructions required for the complete construction procedure. </a:t>
+            </a:r>
+          </a:p>
+          <a:p>
+            <a:r>
+              <a:rPr lang="en-US" dirty="0"/>
+              <a:t>The application may be built, tested, and delivered using </a:t>
+            </a:r>
+            <a:br>
+              <a:rPr lang="en-US" dirty="0"/>
+            </a:br>
+            <a:r>
+              <a:rPr lang="en-US" dirty="0"/>
+              <a:t>the pipeline. </a:t>
+            </a:r>
+          </a:p>
+        </p:txBody>
+      </p:sp>
+      <p:pic>
+        <p:nvPicPr>
+          <p:cNvPr id="5" name="Picture 4">
+            <a:extLst>
+              <a:ext uri="{FF2B5EF4-FFF2-40B4-BE49-F238E27FC236}">
+                <a16:creationId xmlns:a16="http://schemas.microsoft.com/office/drawing/2014/main" id="{2A00A0C7-C95E-4164-E24D-4FA0187F8785}"/>
+              </a:ext>
+            </a:extLst>
+          </p:cNvPr>
+          <p:cNvPicPr>
+            <a:picLocks noChangeAspect="1"/>
+          </p:cNvPicPr>
+          <p:nvPr/>
+        </p:nvPicPr>
+        <p:blipFill>
+          <a:blip r:embed="rId2"/>
+          <a:stretch>
+            <a:fillRect/>
+          </a:stretch>
+        </p:blipFill>
+        <p:spPr>
+          <a:xfrm>
+            <a:off x="3454852" y="4380138"/>
+            <a:ext cx="1988257" cy="1030061"/>
+          </a:xfrm>
+          <a:prstGeom prst="rect">
+            <a:avLst/>
+          </a:prstGeom>
+        </p:spPr>
+      </p:pic>
+    </p:spTree>
+    <p:extLst>
+      <p:ext uri="{BB962C8B-B14F-4D97-AF65-F5344CB8AC3E}">
+        <p14:creationId xmlns:p14="http://schemas.microsoft.com/office/powerpoint/2010/main" val="678090988"/>
+      </p:ext>
+    </p:extLst>
+  </p:cSld>
+  <p:clrMapOvr>
+    <a:masterClrMapping/>
+  </p:clrMapOvr>
+</p:sld>
+</file>
+
+<file path=ppt/slides/slide18.xml><?xml version="1.0" encoding="utf-8"?>
+<p:sld xmlns:a="http://schemas.openxmlformats.org/drawingml/2006/main" xmlns:r="http://schemas.openxmlformats.org/officeDocument/2006/relationships" xmlns:p="http://schemas.openxmlformats.org/presentationml/2006/main">
+  <p:cSld>
+    <p:spTree>
+      <p:nvGrpSpPr>
+        <p:cNvPr id="1" name=""/>
+        <p:cNvGrpSpPr/>
+        <p:nvPr/>
+      </p:nvGrpSpPr>
+      <p:grpSpPr>
+        <a:xfrm>
+          <a:off x="0" y="0"/>
+          <a:ext cx="0" cy="0"/>
+          <a:chOff x="0" y="0"/>
+          <a:chExt cx="0" cy="0"/>
+        </a:xfrm>
+      </p:grpSpPr>
+      <p:sp>
+        <p:nvSpPr>
+          <p:cNvPr id="2" name="Title 1">
+            <a:extLst>
+              <a:ext uri="{FF2B5EF4-FFF2-40B4-BE49-F238E27FC236}">
+                <a16:creationId xmlns:a16="http://schemas.microsoft.com/office/drawing/2014/main" id="{6FC6CE6F-BC76-E760-719C-A519E5946181}"/>
+              </a:ext>
+            </a:extLst>
+          </p:cNvPr>
+          <p:cNvSpPr>
+            <a:spLocks noGrp="1"/>
+          </p:cNvSpPr>
+          <p:nvPr>
+            <p:ph type="title"/>
+          </p:nvPr>
+        </p:nvSpPr>
+        <p:spPr/>
+        <p:txBody>
+          <a:bodyPr/>
+          <a:lstStyle/>
+          <a:p>
+            <a:r>
+              <a:rPr lang="en-US" dirty="0"/>
+              <a:t>Node</a:t>
+            </a:r>
+          </a:p>
+        </p:txBody>
+      </p:sp>
+      <p:sp>
+        <p:nvSpPr>
+          <p:cNvPr id="3" name="Content Placeholder 2">
+            <a:extLst>
+              <a:ext uri="{FF2B5EF4-FFF2-40B4-BE49-F238E27FC236}">
+                <a16:creationId xmlns:a16="http://schemas.microsoft.com/office/drawing/2014/main" id="{26B4698C-0A51-DBF4-B4E1-13AF64816454}"/>
+              </a:ext>
+            </a:extLst>
+          </p:cNvPr>
+          <p:cNvSpPr>
+            <a:spLocks noGrp="1"/>
+          </p:cNvSpPr>
+          <p:nvPr>
+            <p:ph idx="1"/>
+          </p:nvPr>
+        </p:nvSpPr>
+        <p:spPr/>
+        <p:txBody>
+          <a:bodyPr/>
+          <a:lstStyle/>
+          <a:p>
+            <a:r>
+              <a:rPr lang="en-US" dirty="0"/>
+              <a:t>Jenkins runs on a machine known as a node. </a:t>
+            </a:r>
+          </a:p>
+          <a:p>
+            <a:r>
+              <a:rPr lang="en-US" dirty="0"/>
+              <a:t>The programmed pipeline syntax makes extensive use of node blocks. </a:t>
+            </a:r>
+          </a:p>
+        </p:txBody>
+      </p:sp>
+      <p:pic>
+        <p:nvPicPr>
+          <p:cNvPr id="5" name="Picture 4">
+            <a:extLst>
+              <a:ext uri="{FF2B5EF4-FFF2-40B4-BE49-F238E27FC236}">
+                <a16:creationId xmlns:a16="http://schemas.microsoft.com/office/drawing/2014/main" id="{E4B035F6-2B6E-1258-6DE3-52D088069D48}"/>
+              </a:ext>
+            </a:extLst>
+          </p:cNvPr>
+          <p:cNvPicPr>
+            <a:picLocks noChangeAspect="1"/>
+          </p:cNvPicPr>
+          <p:nvPr/>
+        </p:nvPicPr>
+        <p:blipFill>
+          <a:blip r:embed="rId2"/>
+          <a:stretch>
+            <a:fillRect/>
+          </a:stretch>
+        </p:blipFill>
+        <p:spPr>
+          <a:xfrm>
+            <a:off x="3377292" y="3429000"/>
+            <a:ext cx="1575708" cy="1127446"/>
+          </a:xfrm>
+          <a:prstGeom prst="rect">
+            <a:avLst/>
+          </a:prstGeom>
+        </p:spPr>
+      </p:pic>
+    </p:spTree>
+    <p:extLst>
+      <p:ext uri="{BB962C8B-B14F-4D97-AF65-F5344CB8AC3E}">
+        <p14:creationId xmlns:p14="http://schemas.microsoft.com/office/powerpoint/2010/main" val="96596819"/>
+      </p:ext>
+    </p:extLst>
+  </p:cSld>
+  <p:clrMapOvr>
+    <a:masterClrMapping/>
+  </p:clrMapOvr>
+</p:sld>
+</file>
+
+<file path=ppt/slides/slide19.xml><?xml version="1.0" encoding="utf-8"?>
+<p:sld xmlns:a="http://schemas.openxmlformats.org/drawingml/2006/main" xmlns:r="http://schemas.openxmlformats.org/officeDocument/2006/relationships" xmlns:p="http://schemas.openxmlformats.org/presentationml/2006/main">
+  <p:cSld>
+    <p:spTree>
+      <p:nvGrpSpPr>
+        <p:cNvPr id="1" name=""/>
+        <p:cNvGrpSpPr/>
+        <p:nvPr/>
+      </p:nvGrpSpPr>
+      <p:grpSpPr>
+        <a:xfrm>
+          <a:off x="0" y="0"/>
+          <a:ext cx="0" cy="0"/>
+          <a:chOff x="0" y="0"/>
+          <a:chExt cx="0" cy="0"/>
+        </a:xfrm>
+      </p:grpSpPr>
+      <p:sp>
+        <p:nvSpPr>
+          <p:cNvPr id="2" name="Title 1">
+            <a:extLst>
+              <a:ext uri="{FF2B5EF4-FFF2-40B4-BE49-F238E27FC236}">
+                <a16:creationId xmlns:a16="http://schemas.microsoft.com/office/drawing/2014/main" id="{512677D3-4E10-D95B-7DF7-1BE96862A9D6}"/>
+              </a:ext>
+            </a:extLst>
+          </p:cNvPr>
+          <p:cNvSpPr>
+            <a:spLocks noGrp="1"/>
+          </p:cNvSpPr>
+          <p:nvPr>
+            <p:ph type="title"/>
+          </p:nvPr>
+        </p:nvSpPr>
+        <p:spPr/>
+        <p:txBody>
+          <a:bodyPr/>
+          <a:lstStyle/>
+          <a:p>
+            <a:r>
+              <a:rPr lang="en-US" dirty="0"/>
+              <a:t>Stage</a:t>
+            </a:r>
+          </a:p>
+        </p:txBody>
+      </p:sp>
+      <p:sp>
+        <p:nvSpPr>
+          <p:cNvPr id="3" name="Content Placeholder 2">
+            <a:extLst>
+              <a:ext uri="{FF2B5EF4-FFF2-40B4-BE49-F238E27FC236}">
+                <a16:creationId xmlns:a16="http://schemas.microsoft.com/office/drawing/2014/main" id="{CC7B919D-E9BF-88D6-AFC8-EDF30418BADF}"/>
+              </a:ext>
+            </a:extLst>
+          </p:cNvPr>
+          <p:cNvSpPr>
+            <a:spLocks noGrp="1"/>
+          </p:cNvSpPr>
+          <p:nvPr>
+            <p:ph idx="1"/>
+          </p:nvPr>
+        </p:nvSpPr>
+        <p:spPr>
+          <a:xfrm>
+            <a:off x="609600" y="1719263"/>
+            <a:ext cx="5486400" cy="4411662"/>
+          </a:xfrm>
+        </p:spPr>
+        <p:txBody>
+          <a:bodyPr/>
+          <a:lstStyle/>
+          <a:p>
+            <a:r>
+              <a:rPr lang="en-US" dirty="0"/>
+              <a:t>An assembly of pipeline steps is called a stage block. </a:t>
+            </a:r>
+          </a:p>
+          <a:p>
+            <a:r>
+              <a:rPr lang="en-US" dirty="0"/>
+              <a:t>In other words, a stage is where the procedures for build, test, and deployment are all together. </a:t>
+            </a:r>
+          </a:p>
+          <a:p>
+            <a:r>
+              <a:rPr lang="en-US" dirty="0"/>
+              <a:t>In most cases, the Jenkins pipeline process is represented by a stage block. </a:t>
+            </a:r>
+          </a:p>
+        </p:txBody>
+      </p:sp>
+      <p:pic>
+        <p:nvPicPr>
+          <p:cNvPr id="5" name="Picture 4">
+            <a:extLst>
+              <a:ext uri="{FF2B5EF4-FFF2-40B4-BE49-F238E27FC236}">
+                <a16:creationId xmlns:a16="http://schemas.microsoft.com/office/drawing/2014/main" id="{D1A99CEC-0D39-D65D-43D2-8EF827900C33}"/>
+              </a:ext>
+            </a:extLst>
+          </p:cNvPr>
+          <p:cNvPicPr>
+            <a:picLocks noChangeAspect="1"/>
+          </p:cNvPicPr>
+          <p:nvPr/>
+        </p:nvPicPr>
+        <p:blipFill>
+          <a:blip r:embed="rId2"/>
+          <a:stretch>
+            <a:fillRect/>
+          </a:stretch>
+        </p:blipFill>
+        <p:spPr>
+          <a:xfrm>
+            <a:off x="6277655" y="238125"/>
+            <a:ext cx="4096431" cy="6381750"/>
+          </a:xfrm>
+          <a:prstGeom prst="rect">
+            <a:avLst/>
+          </a:prstGeom>
+        </p:spPr>
+      </p:pic>
+    </p:spTree>
+    <p:extLst>
+      <p:ext uri="{BB962C8B-B14F-4D97-AF65-F5344CB8AC3E}">
+        <p14:creationId xmlns:p14="http://schemas.microsoft.com/office/powerpoint/2010/main" val="2545503561"/>
       </p:ext>
     </p:extLst>
   </p:cSld>
@@ -10267,7 +10805,13 @@
       </p:grpSpPr>
       <p:sp>
         <p:nvSpPr>
-          <p:cNvPr id="2" name="Title 1"/>
+          <p:cNvPr id="2" name="Title 1">
+            <a:extLst>
+              <a:ext uri="{FF2B5EF4-FFF2-40B4-BE49-F238E27FC236}">
+                <a16:creationId xmlns:a16="http://schemas.microsoft.com/office/drawing/2014/main" id="{66A78029-8FC9-1471-83D5-EAD4E62B0B8E}"/>
+              </a:ext>
+            </a:extLst>
+          </p:cNvPr>
           <p:cNvSpPr>
             <a:spLocks noGrp="1"/>
           </p:cNvSpPr>
@@ -10281,16 +10825,21 @@
           <a:lstStyle/>
           <a:p>
             <a:r>
-              <a:rPr lang="en-US" i="1" dirty="0"/>
-              <a:t>Continuous integration</a:t>
-            </a:r>
-            <a:endParaRPr lang="en-US" dirty="0"/>
+              <a:rPr lang="en-US" dirty="0"/>
+              <a:t>What is Jenkins?</a:t>
+            </a:r>
           </a:p>
         </p:txBody>
       </p:sp>
       <p:sp>
         <p:nvSpPr>
-          <p:cNvPr id="3" name="Content Placeholder 2"/>
+          <p:cNvPr id="3" name="Content Placeholder 2">
+            <a:extLst>
+              <a:ext uri="{FF2B5EF4-FFF2-40B4-BE49-F238E27FC236}">
+                <a16:creationId xmlns:a16="http://schemas.microsoft.com/office/drawing/2014/main" id="{768580D1-65E5-2E88-FB60-447EA2839BF4}"/>
+              </a:ext>
+            </a:extLst>
+          </p:cNvPr>
           <p:cNvSpPr>
             <a:spLocks noGrp="1"/>
           </p:cNvSpPr>
@@ -10300,64 +10849,78 @@
         </p:nvSpPr>
         <p:spPr/>
         <p:txBody>
-          <a:bodyPr>
-            <a:normAutofit fontScale="85000" lnSpcReduction="10000"/>
-          </a:bodyPr>
+          <a:bodyPr/>
           <a:lstStyle/>
           <a:p>
-            <a:pPr>
-              <a:lnSpc>
-                <a:spcPct val="110000"/>
-              </a:lnSpc>
-            </a:pPr>
-            <a:r>
-              <a:rPr lang="en-US" dirty="0"/>
-              <a:t>Continuous Integration is a development practice that requires developers to integrate code into a shared repository at regular intervals. </a:t>
-            </a:r>
-          </a:p>
-          <a:p>
-            <a:pPr>
-              <a:lnSpc>
-                <a:spcPct val="110000"/>
-              </a:lnSpc>
-            </a:pPr>
-            <a:r>
-              <a:rPr lang="en-US" dirty="0"/>
-              <a:t>This concept was meant to remove the problem of finding later occurrence of issues in the build lifecycle. </a:t>
-            </a:r>
-          </a:p>
-          <a:p>
-            <a:pPr>
-              <a:lnSpc>
-                <a:spcPct val="110000"/>
-              </a:lnSpc>
-            </a:pPr>
-            <a:r>
-              <a:rPr lang="en-US" dirty="0"/>
-              <a:t>Continuous integration requires the developers to have frequent builds. </a:t>
-            </a:r>
-          </a:p>
-          <a:p>
-            <a:pPr>
-              <a:lnSpc>
-                <a:spcPct val="110000"/>
-              </a:lnSpc>
-            </a:pPr>
-            <a:r>
-              <a:rPr lang="en-US" dirty="0"/>
-              <a:t>The common practice is that whenever a code commit occurs, a build should be triggered.</a:t>
+            <a:r>
+              <a:rPr lang="en-US" sz="2800" dirty="0"/>
+              <a:t>Jenkins is an open-source automation server that facilitates software projects’ continuous integration and delivery (CI/CD). </a:t>
+            </a:r>
+          </a:p>
+          <a:p>
+            <a:r>
+              <a:rPr lang="en-US" sz="2800" dirty="0"/>
+              <a:t>It provides a framework for automating applications’ building, testing, and deployment, enabling teams to streamline their software development processes.</a:t>
+            </a:r>
+          </a:p>
+          <a:p>
+            <a:r>
+              <a:rPr lang="en-US" sz="2800" dirty="0"/>
+              <a:t>With Jenkins, developers can set up a pipeline defining the steps required to build, test, and deploy their applications. </a:t>
+            </a:r>
+          </a:p>
+          <a:p>
+            <a:r>
+              <a:rPr lang="en-US" sz="2800" dirty="0"/>
+              <a:t>These steps can include tasks like compiling source code, running unit tests, packaging the application, deploying it to a staging environment for further testing, and finally deploying it to production.</a:t>
             </a:r>
           </a:p>
         </p:txBody>
       </p:sp>
+    </p:spTree>
+    <p:extLst>
+      <p:ext uri="{BB962C8B-B14F-4D97-AF65-F5344CB8AC3E}">
+        <p14:creationId xmlns:p14="http://schemas.microsoft.com/office/powerpoint/2010/main" val="1123546216"/>
+      </p:ext>
+    </p:extLst>
+  </p:cSld>
+  <p:clrMapOvr>
+    <a:masterClrMapping/>
+  </p:clrMapOvr>
+</p:sld>
+</file>
+
+<file path=ppt/slides/slide20.xml><?xml version="1.0" encoding="utf-8"?>
+<p:sld xmlns:a="http://schemas.openxmlformats.org/drawingml/2006/main" xmlns:r="http://schemas.openxmlformats.org/officeDocument/2006/relationships" xmlns:p="http://schemas.openxmlformats.org/presentationml/2006/main">
+  <p:cSld>
+    <p:spTree>
+      <p:nvGrpSpPr>
+        <p:cNvPr id="1" name=""/>
+        <p:cNvGrpSpPr/>
+        <p:nvPr/>
+      </p:nvGrpSpPr>
+      <p:grpSpPr>
+        <a:xfrm>
+          <a:off x="0" y="0"/>
+          <a:ext cx="0" cy="0"/>
+          <a:chOff x="0" y="0"/>
+          <a:chExt cx="0" cy="0"/>
+        </a:xfrm>
+      </p:grpSpPr>
       <p:sp>
         <p:nvSpPr>
-          <p:cNvPr id="4" name="Slide Number Placeholder 3"/>
+          <p:cNvPr id="2" name="Title 1">
+            <a:extLst>
+              <a:ext uri="{FF2B5EF4-FFF2-40B4-BE49-F238E27FC236}">
+                <a16:creationId xmlns:a16="http://schemas.microsoft.com/office/drawing/2014/main" id="{9CCDEFD3-C9CF-4957-24C2-470EA5213405}"/>
+              </a:ext>
+            </a:extLst>
+          </p:cNvPr>
           <p:cNvSpPr>
             <a:spLocks noGrp="1"/>
           </p:cNvSpPr>
           <p:nvPr>
-            <p:ph type="sldNum" sz="quarter" idx="12"/>
+            <p:ph type="title"/>
           </p:nvPr>
         </p:nvSpPr>
         <p:spPr/>
@@ -10365,18 +10928,797 @@
           <a:bodyPr/>
           <a:lstStyle/>
           <a:p>
-            <a:fld id="{6E53B7C2-38DE-462B-83A6-6DD189424A6E}" type="slidenum">
-              <a:rPr lang="en-US" smtClean="0"/>
-              <a:t>2</a:t>
-            </a:fld>
-            <a:endParaRPr lang="en-US"/>
+            <a:r>
+              <a:rPr lang="en-US" dirty="0"/>
+              <a:t>Step</a:t>
+            </a:r>
+          </a:p>
+        </p:txBody>
+      </p:sp>
+      <p:sp>
+        <p:nvSpPr>
+          <p:cNvPr id="3" name="Content Placeholder 2">
+            <a:extLst>
+              <a:ext uri="{FF2B5EF4-FFF2-40B4-BE49-F238E27FC236}">
+                <a16:creationId xmlns:a16="http://schemas.microsoft.com/office/drawing/2014/main" id="{8955A8E2-7762-F414-9C47-4F62E73F121F}"/>
+              </a:ext>
+            </a:extLst>
+          </p:cNvPr>
+          <p:cNvSpPr>
+            <a:spLocks noGrp="1"/>
+          </p:cNvSpPr>
+          <p:nvPr>
+            <p:ph idx="1"/>
+          </p:nvPr>
+        </p:nvSpPr>
+        <p:spPr>
+          <a:xfrm>
+            <a:off x="609600" y="1719263"/>
+            <a:ext cx="5159829" cy="4411662"/>
+          </a:xfrm>
+        </p:spPr>
+        <p:txBody>
+          <a:bodyPr/>
+          <a:lstStyle/>
+          <a:p>
+            <a:r>
+              <a:rPr lang="en-US" dirty="0"/>
+              <a:t>Simply put, a step is a single job that completes a particular procedure at a specific time. </a:t>
+            </a:r>
+          </a:p>
+          <a:p>
+            <a:r>
+              <a:rPr lang="en-US" dirty="0"/>
+              <a:t>There are several steps in a pipeline. </a:t>
+            </a:r>
+          </a:p>
+        </p:txBody>
+      </p:sp>
+      <p:pic>
+        <p:nvPicPr>
+          <p:cNvPr id="7" name="Picture 6">
+            <a:extLst>
+              <a:ext uri="{FF2B5EF4-FFF2-40B4-BE49-F238E27FC236}">
+                <a16:creationId xmlns:a16="http://schemas.microsoft.com/office/drawing/2014/main" id="{8B76A622-9BC2-8E1D-7C3B-FCC052EDBC82}"/>
+              </a:ext>
+            </a:extLst>
+          </p:cNvPr>
+          <p:cNvPicPr>
+            <a:picLocks noChangeAspect="1"/>
+          </p:cNvPicPr>
+          <p:nvPr/>
+        </p:nvPicPr>
+        <p:blipFill>
+          <a:blip r:embed="rId2"/>
+          <a:stretch>
+            <a:fillRect/>
+          </a:stretch>
+        </p:blipFill>
+        <p:spPr>
+          <a:xfrm>
+            <a:off x="6096000" y="1933575"/>
+            <a:ext cx="5715000" cy="3143250"/>
+          </a:xfrm>
+          <a:prstGeom prst="rect">
+            <a:avLst/>
+          </a:prstGeom>
+        </p:spPr>
+      </p:pic>
+    </p:spTree>
+    <p:extLst>
+      <p:ext uri="{BB962C8B-B14F-4D97-AF65-F5344CB8AC3E}">
+        <p14:creationId xmlns:p14="http://schemas.microsoft.com/office/powerpoint/2010/main" val="3149244563"/>
+      </p:ext>
+    </p:extLst>
+  </p:cSld>
+  <p:clrMapOvr>
+    <a:masterClrMapping/>
+  </p:clrMapOvr>
+</p:sld>
+</file>
+
+<file path=ppt/slides/slide21.xml><?xml version="1.0" encoding="utf-8"?>
+<p:sld xmlns:a="http://schemas.openxmlformats.org/drawingml/2006/main" xmlns:r="http://schemas.openxmlformats.org/officeDocument/2006/relationships" xmlns:p="http://schemas.openxmlformats.org/presentationml/2006/main">
+  <p:cSld>
+    <p:spTree>
+      <p:nvGrpSpPr>
+        <p:cNvPr id="1" name=""/>
+        <p:cNvGrpSpPr/>
+        <p:nvPr/>
+      </p:nvGrpSpPr>
+      <p:grpSpPr>
+        <a:xfrm>
+          <a:off x="0" y="0"/>
+          <a:ext cx="0" cy="0"/>
+          <a:chOff x="0" y="0"/>
+          <a:chExt cx="0" cy="0"/>
+        </a:xfrm>
+      </p:grpSpPr>
+      <p:sp>
+        <p:nvSpPr>
+          <p:cNvPr id="2" name="Title 1">
+            <a:extLst>
+              <a:ext uri="{FF2B5EF4-FFF2-40B4-BE49-F238E27FC236}">
+                <a16:creationId xmlns:a16="http://schemas.microsoft.com/office/drawing/2014/main" id="{76FD059D-53FA-ECC4-0973-457EB2B4FA25}"/>
+              </a:ext>
+            </a:extLst>
+          </p:cNvPr>
+          <p:cNvSpPr>
+            <a:spLocks noGrp="1"/>
+          </p:cNvSpPr>
+          <p:nvPr>
+            <p:ph type="title"/>
+          </p:nvPr>
+        </p:nvSpPr>
+        <p:spPr/>
+        <p:txBody>
+          <a:bodyPr/>
+          <a:lstStyle/>
+          <a:p>
+            <a:r>
+              <a:rPr lang="en-US" dirty="0"/>
+              <a:t>Pipeline Syntax</a:t>
+            </a:r>
+          </a:p>
+        </p:txBody>
+      </p:sp>
+      <p:sp>
+        <p:nvSpPr>
+          <p:cNvPr id="3" name="Content Placeholder 2">
+            <a:extLst>
+              <a:ext uri="{FF2B5EF4-FFF2-40B4-BE49-F238E27FC236}">
+                <a16:creationId xmlns:a16="http://schemas.microsoft.com/office/drawing/2014/main" id="{245E0E5A-B475-5FB7-E8F6-E9551C88D53F}"/>
+              </a:ext>
+            </a:extLst>
+          </p:cNvPr>
+          <p:cNvSpPr>
+            <a:spLocks noGrp="1"/>
+          </p:cNvSpPr>
+          <p:nvPr>
+            <p:ph idx="1"/>
+          </p:nvPr>
+        </p:nvSpPr>
+        <p:spPr/>
+        <p:txBody>
+          <a:bodyPr/>
+          <a:lstStyle/>
+          <a:p>
+            <a:r>
+              <a:rPr lang="en-US" sz="2800" dirty="0"/>
+              <a:t>Your </a:t>
+            </a:r>
+            <a:r>
+              <a:rPr lang="en-US" sz="2800" dirty="0" err="1"/>
+              <a:t>JenkinsFile</a:t>
+            </a:r>
+            <a:r>
+              <a:rPr lang="en-US" sz="2800" dirty="0"/>
+              <a:t> can be defined using one of two styles of syntax. </a:t>
+            </a:r>
+          </a:p>
+          <a:p>
+            <a:r>
+              <a:rPr lang="en-US" sz="2800" b="1" dirty="0">
+                <a:solidFill>
+                  <a:srgbClr val="FF0000"/>
+                </a:solidFill>
+                <a:highlight>
+                  <a:srgbClr val="FFFF00"/>
+                </a:highlight>
+              </a:rPr>
+              <a:t>Declarative</a:t>
+            </a:r>
+            <a:r>
+              <a:rPr lang="en-US" sz="2800" dirty="0"/>
+              <a:t>: A straightforward method for building pipelines is the declarative pipeline syntax. It has a preconfigured hierarchy that is used to build Jenkins pipelines. It gives you the capacity to easily and plainly handle every facet of a pipeline action. </a:t>
+            </a:r>
+          </a:p>
+          <a:p>
+            <a:r>
+              <a:rPr lang="en-US" sz="2800" b="1" dirty="0">
+                <a:solidFill>
+                  <a:srgbClr val="FF0000"/>
+                </a:solidFill>
+                <a:highlight>
+                  <a:srgbClr val="FFFF00"/>
+                </a:highlight>
+              </a:rPr>
+              <a:t>Scripted</a:t>
+            </a:r>
+            <a:r>
+              <a:rPr lang="en-US" sz="2800" dirty="0"/>
+              <a:t>: A lightweight executor helps the Jenkins master run scripted Jenkins pipeline syntax. The pipeline is transformed into atomic commands with a minimal number of resources. </a:t>
+            </a:r>
+          </a:p>
+          <a:p>
+            <a:r>
+              <a:rPr lang="en-US" sz="2800" b="1" dirty="0"/>
+              <a:t>Declarative and Scripted syntax are completely distinct from one another and are defined differently. </a:t>
+            </a:r>
           </a:p>
         </p:txBody>
       </p:sp>
     </p:spTree>
     <p:extLst>
       <p:ext uri="{BB962C8B-B14F-4D97-AF65-F5344CB8AC3E}">
-        <p14:creationId xmlns:p14="http://schemas.microsoft.com/office/powerpoint/2010/main" val="1539111798"/>
+        <p14:creationId xmlns:p14="http://schemas.microsoft.com/office/powerpoint/2010/main" val="2713850388"/>
+      </p:ext>
+    </p:extLst>
+  </p:cSld>
+  <p:clrMapOvr>
+    <a:masterClrMapping/>
+  </p:clrMapOvr>
+</p:sld>
+</file>
+
+<file path=ppt/slides/slide22.xml><?xml version="1.0" encoding="utf-8"?>
+<p:sld xmlns:a="http://schemas.openxmlformats.org/drawingml/2006/main" xmlns:r="http://schemas.openxmlformats.org/officeDocument/2006/relationships" xmlns:p="http://schemas.openxmlformats.org/presentationml/2006/main">
+  <p:cSld>
+    <p:spTree>
+      <p:nvGrpSpPr>
+        <p:cNvPr id="1" name=""/>
+        <p:cNvGrpSpPr/>
+        <p:nvPr/>
+      </p:nvGrpSpPr>
+      <p:grpSpPr>
+        <a:xfrm>
+          <a:off x="0" y="0"/>
+          <a:ext cx="0" cy="0"/>
+          <a:chOff x="0" y="0"/>
+          <a:chExt cx="0" cy="0"/>
+        </a:xfrm>
+      </p:grpSpPr>
+      <p:sp>
+        <p:nvSpPr>
+          <p:cNvPr id="2" name="Title 1">
+            <a:extLst>
+              <a:ext uri="{FF2B5EF4-FFF2-40B4-BE49-F238E27FC236}">
+                <a16:creationId xmlns:a16="http://schemas.microsoft.com/office/drawing/2014/main" id="{A7E7F3BE-616E-472A-35DD-DB6E2FA52878}"/>
+              </a:ext>
+            </a:extLst>
+          </p:cNvPr>
+          <p:cNvSpPr>
+            <a:spLocks noGrp="1"/>
+          </p:cNvSpPr>
+          <p:nvPr>
+            <p:ph type="title"/>
+          </p:nvPr>
+        </p:nvSpPr>
+        <p:spPr/>
+        <p:txBody>
+          <a:bodyPr/>
+          <a:lstStyle/>
+          <a:p>
+            <a:r>
+              <a:rPr lang="en-US" dirty="0"/>
+              <a:t>Pipeline Example</a:t>
+            </a:r>
+          </a:p>
+        </p:txBody>
+      </p:sp>
+      <p:pic>
+        <p:nvPicPr>
+          <p:cNvPr id="4" name="Content Placeholder 3">
+            <a:extLst>
+              <a:ext uri="{FF2B5EF4-FFF2-40B4-BE49-F238E27FC236}">
+                <a16:creationId xmlns:a16="http://schemas.microsoft.com/office/drawing/2014/main" id="{AC88DF27-18A2-A338-A8E8-2BF17FEE4F18}"/>
+              </a:ext>
+            </a:extLst>
+          </p:cNvPr>
+          <p:cNvPicPr>
+            <a:picLocks noGrp="1" noChangeAspect="1"/>
+          </p:cNvPicPr>
+          <p:nvPr>
+            <p:ph idx="1"/>
+          </p:nvPr>
+        </p:nvPicPr>
+        <p:blipFill>
+          <a:blip r:embed="rId2"/>
+          <a:stretch>
+            <a:fillRect/>
+          </a:stretch>
+        </p:blipFill>
+        <p:spPr>
+          <a:xfrm>
+            <a:off x="2264229" y="1697490"/>
+            <a:ext cx="7663542" cy="4946679"/>
+          </a:xfrm>
+          <a:prstGeom prst="rect">
+            <a:avLst/>
+          </a:prstGeom>
+        </p:spPr>
+      </p:pic>
+    </p:spTree>
+    <p:extLst>
+      <p:ext uri="{BB962C8B-B14F-4D97-AF65-F5344CB8AC3E}">
+        <p14:creationId xmlns:p14="http://schemas.microsoft.com/office/powerpoint/2010/main" val="3696156188"/>
+      </p:ext>
+    </p:extLst>
+  </p:cSld>
+  <p:clrMapOvr>
+    <a:masterClrMapping/>
+  </p:clrMapOvr>
+</p:sld>
+</file>
+
+<file path=ppt/slides/slide23.xml><?xml version="1.0" encoding="utf-8"?>
+<p:sld xmlns:a="http://schemas.openxmlformats.org/drawingml/2006/main" xmlns:r="http://schemas.openxmlformats.org/officeDocument/2006/relationships" xmlns:p="http://schemas.openxmlformats.org/presentationml/2006/main">
+  <p:cSld>
+    <p:spTree>
+      <p:nvGrpSpPr>
+        <p:cNvPr id="1" name=""/>
+        <p:cNvGrpSpPr/>
+        <p:nvPr/>
+      </p:nvGrpSpPr>
+      <p:grpSpPr>
+        <a:xfrm>
+          <a:off x="0" y="0"/>
+          <a:ext cx="0" cy="0"/>
+          <a:chOff x="0" y="0"/>
+          <a:chExt cx="0" cy="0"/>
+        </a:xfrm>
+      </p:grpSpPr>
+      <p:sp>
+        <p:nvSpPr>
+          <p:cNvPr id="2" name="Title 1">
+            <a:extLst>
+              <a:ext uri="{FF2B5EF4-FFF2-40B4-BE49-F238E27FC236}">
+                <a16:creationId xmlns:a16="http://schemas.microsoft.com/office/drawing/2014/main" id="{B6E8EBB6-BF84-7D9E-8FBB-D29A474D8C5F}"/>
+              </a:ext>
+            </a:extLst>
+          </p:cNvPr>
+          <p:cNvSpPr>
+            <a:spLocks noGrp="1"/>
+          </p:cNvSpPr>
+          <p:nvPr>
+            <p:ph type="title"/>
+          </p:nvPr>
+        </p:nvSpPr>
+        <p:spPr/>
+        <p:txBody>
+          <a:bodyPr/>
+          <a:lstStyle/>
+          <a:p>
+            <a:r>
+              <a:rPr lang="en-US" dirty="0"/>
+              <a:t>The </a:t>
+            </a:r>
+            <a:r>
+              <a:rPr lang="en-US" dirty="0" err="1"/>
+              <a:t>Jenkinsfile</a:t>
+            </a:r>
+            <a:endParaRPr lang="en-US" dirty="0"/>
+          </a:p>
+        </p:txBody>
+      </p:sp>
+      <p:sp>
+        <p:nvSpPr>
+          <p:cNvPr id="3" name="Content Placeholder 2">
+            <a:extLst>
+              <a:ext uri="{FF2B5EF4-FFF2-40B4-BE49-F238E27FC236}">
+                <a16:creationId xmlns:a16="http://schemas.microsoft.com/office/drawing/2014/main" id="{CF338963-6076-0275-24D2-B9D66BC5EE55}"/>
+              </a:ext>
+            </a:extLst>
+          </p:cNvPr>
+          <p:cNvSpPr>
+            <a:spLocks noGrp="1"/>
+          </p:cNvSpPr>
+          <p:nvPr>
+            <p:ph idx="1"/>
+          </p:nvPr>
+        </p:nvSpPr>
+        <p:spPr/>
+        <p:txBody>
+          <a:bodyPr/>
+          <a:lstStyle/>
+          <a:p>
+            <a:r>
+              <a:rPr lang="en-US" sz="2400" dirty="0"/>
+              <a:t>Pipeline as code is based on the idea of being able to add the pipeline script to a code repository for source control and versioning. </a:t>
+            </a:r>
+          </a:p>
+          <a:p>
+            <a:r>
+              <a:rPr lang="en-US" sz="2400" dirty="0"/>
+              <a:t>The text file containing the code of your pipeline is also known as a </a:t>
+            </a:r>
+            <a:r>
+              <a:rPr lang="en-US" sz="2400" b="1" dirty="0" err="1"/>
+              <a:t>Jenkinsfile</a:t>
+            </a:r>
+            <a:r>
+              <a:rPr lang="en-US" sz="2400" dirty="0"/>
+              <a:t>.</a:t>
+            </a:r>
+          </a:p>
+          <a:p>
+            <a:r>
+              <a:rPr lang="en-US" sz="2400" dirty="0"/>
+              <a:t>Writing your pipeline into a Jenkins file and make it part of your application repository for source control has several advantages: it can be reviewed/edited by other team members and the file can be versioned and included with your application builds.</a:t>
+            </a:r>
+          </a:p>
+          <a:p>
+            <a:r>
+              <a:rPr lang="en-US" sz="2400" dirty="0"/>
+              <a:t>Your </a:t>
+            </a:r>
+            <a:r>
+              <a:rPr lang="en-US" sz="2400" dirty="0" err="1"/>
+              <a:t>Jenkinsfile</a:t>
+            </a:r>
+            <a:r>
+              <a:rPr lang="en-US" sz="2400" dirty="0"/>
+              <a:t> can be edited through the Jenkins web interface or with a text editor, and you can also edit it with your </a:t>
+            </a:r>
+            <a:r>
+              <a:rPr lang="en-US" sz="2400" dirty="0" err="1"/>
+              <a:t>prefered</a:t>
+            </a:r>
+            <a:r>
+              <a:rPr lang="en-US" sz="2400" dirty="0"/>
+              <a:t> IDE, thus making it part of your project. Then, you can configure Jenkins to automatically poll your repo, while triggering new builds when updates to it are detected.</a:t>
+            </a:r>
+          </a:p>
+        </p:txBody>
+      </p:sp>
+    </p:spTree>
+    <p:extLst>
+      <p:ext uri="{BB962C8B-B14F-4D97-AF65-F5344CB8AC3E}">
+        <p14:creationId xmlns:p14="http://schemas.microsoft.com/office/powerpoint/2010/main" val="763609267"/>
+      </p:ext>
+    </p:extLst>
+  </p:cSld>
+  <p:clrMapOvr>
+    <a:masterClrMapping/>
+  </p:clrMapOvr>
+</p:sld>
+</file>
+
+<file path=ppt/slides/slide24.xml><?xml version="1.0" encoding="utf-8"?>
+<p:sld xmlns:a="http://schemas.openxmlformats.org/drawingml/2006/main" xmlns:r="http://schemas.openxmlformats.org/officeDocument/2006/relationships" xmlns:p="http://schemas.openxmlformats.org/presentationml/2006/main">
+  <p:cSld>
+    <p:spTree>
+      <p:nvGrpSpPr>
+        <p:cNvPr id="1" name=""/>
+        <p:cNvGrpSpPr/>
+        <p:nvPr/>
+      </p:nvGrpSpPr>
+      <p:grpSpPr>
+        <a:xfrm>
+          <a:off x="0" y="0"/>
+          <a:ext cx="0" cy="0"/>
+          <a:chOff x="0" y="0"/>
+          <a:chExt cx="0" cy="0"/>
+        </a:xfrm>
+      </p:grpSpPr>
+      <p:sp>
+        <p:nvSpPr>
+          <p:cNvPr id="2" name="Title 1">
+            <a:extLst>
+              <a:ext uri="{FF2B5EF4-FFF2-40B4-BE49-F238E27FC236}">
+                <a16:creationId xmlns:a16="http://schemas.microsoft.com/office/drawing/2014/main" id="{B42B7022-C7C1-A3B0-7953-050F891B3BCF}"/>
+              </a:ext>
+            </a:extLst>
+          </p:cNvPr>
+          <p:cNvSpPr>
+            <a:spLocks noGrp="1"/>
+          </p:cNvSpPr>
+          <p:nvPr>
+            <p:ph type="title"/>
+          </p:nvPr>
+        </p:nvSpPr>
+        <p:spPr/>
+        <p:txBody>
+          <a:bodyPr/>
+          <a:lstStyle/>
+          <a:p>
+            <a:r>
+              <a:rPr lang="en-US" dirty="0"/>
+              <a:t>Scripted Pipeline vs. Declarative Pipeline</a:t>
+            </a:r>
+          </a:p>
+        </p:txBody>
+      </p:sp>
+      <p:sp>
+        <p:nvSpPr>
+          <p:cNvPr id="3" name="Content Placeholder 2">
+            <a:extLst>
+              <a:ext uri="{FF2B5EF4-FFF2-40B4-BE49-F238E27FC236}">
+                <a16:creationId xmlns:a16="http://schemas.microsoft.com/office/drawing/2014/main" id="{FDFE7026-53C1-79BF-0DA5-DC6245A5B675}"/>
+              </a:ext>
+            </a:extLst>
+          </p:cNvPr>
+          <p:cNvSpPr>
+            <a:spLocks noGrp="1"/>
+          </p:cNvSpPr>
+          <p:nvPr>
+            <p:ph idx="1"/>
+          </p:nvPr>
+        </p:nvSpPr>
+        <p:spPr/>
+        <p:txBody>
+          <a:bodyPr/>
+          <a:lstStyle/>
+          <a:p>
+            <a:r>
+              <a:rPr lang="en-US" dirty="0"/>
+              <a:t>One of the latest Pipeline improvements is the Jenkins Declarative Pipeline, which is a bit different than the Scripted Pipeline that we have been discussing. </a:t>
+            </a:r>
+          </a:p>
+          <a:p>
+            <a:r>
+              <a:rPr lang="en-US" dirty="0"/>
+              <a:t>Both are implementations of the pipeline as code, but the Declarative way is designed to make it easier to develop and maintain your code by providing a more meaningful syntax. </a:t>
+            </a:r>
+          </a:p>
+          <a:p>
+            <a:r>
+              <a:rPr lang="en-US" dirty="0"/>
+              <a:t>These two enhancements are achieved by adding syntax elements allowing you to define a different pipeline skeleton</a:t>
+            </a:r>
+          </a:p>
+        </p:txBody>
+      </p:sp>
+    </p:spTree>
+    <p:extLst>
+      <p:ext uri="{BB962C8B-B14F-4D97-AF65-F5344CB8AC3E}">
+        <p14:creationId xmlns:p14="http://schemas.microsoft.com/office/powerpoint/2010/main" val="1444544002"/>
+      </p:ext>
+    </p:extLst>
+  </p:cSld>
+  <p:clrMapOvr>
+    <a:masterClrMapping/>
+  </p:clrMapOvr>
+</p:sld>
+</file>
+
+<file path=ppt/slides/slide25.xml><?xml version="1.0" encoding="utf-8"?>
+<p:sld xmlns:a="http://schemas.openxmlformats.org/drawingml/2006/main" xmlns:r="http://schemas.openxmlformats.org/officeDocument/2006/relationships" xmlns:p="http://schemas.openxmlformats.org/presentationml/2006/main">
+  <p:cSld>
+    <p:spTree>
+      <p:nvGrpSpPr>
+        <p:cNvPr id="1" name=""/>
+        <p:cNvGrpSpPr/>
+        <p:nvPr/>
+      </p:nvGrpSpPr>
+      <p:grpSpPr>
+        <a:xfrm>
+          <a:off x="0" y="0"/>
+          <a:ext cx="0" cy="0"/>
+          <a:chOff x="0" y="0"/>
+          <a:chExt cx="0" cy="0"/>
+        </a:xfrm>
+      </p:grpSpPr>
+      <p:sp>
+        <p:nvSpPr>
+          <p:cNvPr id="2" name="Title 1">
+            <a:extLst>
+              <a:ext uri="{FF2B5EF4-FFF2-40B4-BE49-F238E27FC236}">
+                <a16:creationId xmlns:a16="http://schemas.microsoft.com/office/drawing/2014/main" id="{8C8E15CB-02AA-ADC6-1663-516ABF1BFD2B}"/>
+              </a:ext>
+            </a:extLst>
+          </p:cNvPr>
+          <p:cNvSpPr>
+            <a:spLocks noGrp="1"/>
+          </p:cNvSpPr>
+          <p:nvPr>
+            <p:ph type="title"/>
+          </p:nvPr>
+        </p:nvSpPr>
+        <p:spPr/>
+        <p:txBody>
+          <a:bodyPr/>
+          <a:lstStyle/>
+          <a:p>
+            <a:r>
+              <a:rPr lang="en-US" dirty="0"/>
+              <a:t>Scripted Pipeline vs. Declarative Pipeline</a:t>
+            </a:r>
+          </a:p>
+        </p:txBody>
+      </p:sp>
+      <p:pic>
+        <p:nvPicPr>
+          <p:cNvPr id="5" name="Content Placeholder 4">
+            <a:extLst>
+              <a:ext uri="{FF2B5EF4-FFF2-40B4-BE49-F238E27FC236}">
+                <a16:creationId xmlns:a16="http://schemas.microsoft.com/office/drawing/2014/main" id="{09861F47-4C07-2316-ED60-7BB34FBB05AD}"/>
+              </a:ext>
+            </a:extLst>
+          </p:cNvPr>
+          <p:cNvPicPr>
+            <a:picLocks noGrp="1" noChangeAspect="1"/>
+          </p:cNvPicPr>
+          <p:nvPr>
+            <p:ph idx="1"/>
+          </p:nvPr>
+        </p:nvPicPr>
+        <p:blipFill>
+          <a:blip r:embed="rId2"/>
+          <a:stretch>
+            <a:fillRect/>
+          </a:stretch>
+        </p:blipFill>
+        <p:spPr>
+          <a:xfrm>
+            <a:off x="304119" y="1721416"/>
+            <a:ext cx="5508852" cy="5126841"/>
+          </a:xfrm>
+        </p:spPr>
+      </p:pic>
+      <p:pic>
+        <p:nvPicPr>
+          <p:cNvPr id="7" name="Picture 6">
+            <a:extLst>
+              <a:ext uri="{FF2B5EF4-FFF2-40B4-BE49-F238E27FC236}">
+                <a16:creationId xmlns:a16="http://schemas.microsoft.com/office/drawing/2014/main" id="{9DC119BE-3DB0-5568-9E1D-C06007B1CCBA}"/>
+              </a:ext>
+            </a:extLst>
+          </p:cNvPr>
+          <p:cNvPicPr>
+            <a:picLocks noChangeAspect="1"/>
+          </p:cNvPicPr>
+          <p:nvPr/>
+        </p:nvPicPr>
+        <p:blipFill>
+          <a:blip r:embed="rId3"/>
+          <a:stretch>
+            <a:fillRect/>
+          </a:stretch>
+        </p:blipFill>
+        <p:spPr>
+          <a:xfrm>
+            <a:off x="6962775" y="2096376"/>
+            <a:ext cx="3378654" cy="4376919"/>
+          </a:xfrm>
+          <a:prstGeom prst="rect">
+            <a:avLst/>
+          </a:prstGeom>
+        </p:spPr>
+      </p:pic>
+      <p:sp>
+        <p:nvSpPr>
+          <p:cNvPr id="9" name="TextBox 8">
+            <a:extLst>
+              <a:ext uri="{FF2B5EF4-FFF2-40B4-BE49-F238E27FC236}">
+                <a16:creationId xmlns:a16="http://schemas.microsoft.com/office/drawing/2014/main" id="{D42B6CFE-92F5-D871-69DE-2C432FC69700}"/>
+              </a:ext>
+            </a:extLst>
+          </p:cNvPr>
+          <p:cNvSpPr txBox="1"/>
+          <p:nvPr/>
+        </p:nvSpPr>
+        <p:spPr>
+          <a:xfrm>
+            <a:off x="6868885" y="1721416"/>
+            <a:ext cx="3679372" cy="461665"/>
+          </a:xfrm>
+          <a:prstGeom prst="rect">
+            <a:avLst/>
+          </a:prstGeom>
+          <a:noFill/>
+        </p:spPr>
+        <p:txBody>
+          <a:bodyPr wrap="square">
+            <a:spAutoFit/>
+          </a:bodyPr>
+          <a:lstStyle/>
+          <a:p>
+            <a:r>
+              <a:rPr lang="en-US" sz="2400" b="1" dirty="0"/>
+              <a:t>Declarative Pipeline</a:t>
+            </a:r>
+          </a:p>
+        </p:txBody>
+      </p:sp>
+    </p:spTree>
+    <p:extLst>
+      <p:ext uri="{BB962C8B-B14F-4D97-AF65-F5344CB8AC3E}">
+        <p14:creationId xmlns:p14="http://schemas.microsoft.com/office/powerpoint/2010/main" val="2179101011"/>
+      </p:ext>
+    </p:extLst>
+  </p:cSld>
+  <p:clrMapOvr>
+    <a:masterClrMapping/>
+  </p:clrMapOvr>
+</p:sld>
+</file>
+
+<file path=ppt/slides/slide26.xml><?xml version="1.0" encoding="utf-8"?>
+<p:sld xmlns:a="http://schemas.openxmlformats.org/drawingml/2006/main" xmlns:r="http://schemas.openxmlformats.org/officeDocument/2006/relationships" xmlns:p="http://schemas.openxmlformats.org/presentationml/2006/main">
+  <p:cSld>
+    <p:spTree>
+      <p:nvGrpSpPr>
+        <p:cNvPr id="1" name=""/>
+        <p:cNvGrpSpPr/>
+        <p:nvPr/>
+      </p:nvGrpSpPr>
+      <p:grpSpPr>
+        <a:xfrm>
+          <a:off x="0" y="0"/>
+          <a:ext cx="0" cy="0"/>
+          <a:chOff x="0" y="0"/>
+          <a:chExt cx="0" cy="0"/>
+        </a:xfrm>
+      </p:grpSpPr>
+      <p:sp>
+        <p:nvSpPr>
+          <p:cNvPr id="2" name="Title 1">
+            <a:extLst>
+              <a:ext uri="{FF2B5EF4-FFF2-40B4-BE49-F238E27FC236}">
+                <a16:creationId xmlns:a16="http://schemas.microsoft.com/office/drawing/2014/main" id="{CC43B199-FBD2-E0D5-EE69-497C23224F21}"/>
+              </a:ext>
+            </a:extLst>
+          </p:cNvPr>
+          <p:cNvSpPr>
+            <a:spLocks noGrp="1"/>
+          </p:cNvSpPr>
+          <p:nvPr>
+            <p:ph type="title"/>
+          </p:nvPr>
+        </p:nvSpPr>
+        <p:spPr/>
+        <p:txBody>
+          <a:bodyPr/>
+          <a:lstStyle/>
+          <a:p>
+            <a:r>
+              <a:rPr lang="en-US" dirty="0"/>
+              <a:t>Scripted Pipeline vs. Declarative Pipeline</a:t>
+            </a:r>
+          </a:p>
+        </p:txBody>
+      </p:sp>
+      <p:sp>
+        <p:nvSpPr>
+          <p:cNvPr id="3" name="Content Placeholder 2">
+            <a:extLst>
+              <a:ext uri="{FF2B5EF4-FFF2-40B4-BE49-F238E27FC236}">
+                <a16:creationId xmlns:a16="http://schemas.microsoft.com/office/drawing/2014/main" id="{BC3448C8-CA48-7CF8-B017-8979F9FB8651}"/>
+              </a:ext>
+            </a:extLst>
+          </p:cNvPr>
+          <p:cNvSpPr>
+            <a:spLocks noGrp="1"/>
+          </p:cNvSpPr>
+          <p:nvPr>
+            <p:ph idx="1"/>
+          </p:nvPr>
+        </p:nvSpPr>
+        <p:spPr/>
+        <p:txBody>
+          <a:bodyPr/>
+          <a:lstStyle/>
+          <a:p>
+            <a:r>
+              <a:rPr lang="en-US" dirty="0"/>
+              <a:t>The script has the elements “pipeline”, “agent” and “steps” which are specific to Declarative Pipeline syntax; “stage” is common to both Declarative and Scripted; and finally, node” is specific for the Scripted one.</a:t>
+            </a:r>
+          </a:p>
+          <a:p>
+            <a:r>
+              <a:rPr lang="en-US" dirty="0"/>
+              <a:t>“Pipeline” defines the block that will contain all the script content.</a:t>
+            </a:r>
+          </a:p>
+          <a:p>
+            <a:r>
+              <a:rPr lang="en-US" dirty="0"/>
+              <a:t>“Agent” defines where the pipeline will be run, similar to the “node” for the scripted one.</a:t>
+            </a:r>
+          </a:p>
+          <a:p>
+            <a:r>
+              <a:rPr lang="en-US" dirty="0"/>
+              <a:t>“Stages” contains all of the stages</a:t>
+            </a:r>
+          </a:p>
+        </p:txBody>
+      </p:sp>
+    </p:spTree>
+    <p:extLst>
+      <p:ext uri="{BB962C8B-B14F-4D97-AF65-F5344CB8AC3E}">
+        <p14:creationId xmlns:p14="http://schemas.microsoft.com/office/powerpoint/2010/main" val="204312369"/>
       </p:ext>
     </p:extLst>
   </p:cSld>
@@ -10405,7 +11747,13 @@
       </p:grpSpPr>
       <p:sp>
         <p:nvSpPr>
-          <p:cNvPr id="2" name="Title 1"/>
+          <p:cNvPr id="2" name="Title 1">
+            <a:extLst>
+              <a:ext uri="{FF2B5EF4-FFF2-40B4-BE49-F238E27FC236}">
+                <a16:creationId xmlns:a16="http://schemas.microsoft.com/office/drawing/2014/main" id="{876B11A9-55B8-E596-8E38-99A0F83F8B15}"/>
+              </a:ext>
+            </a:extLst>
+          </p:cNvPr>
           <p:cNvSpPr>
             <a:spLocks noGrp="1"/>
           </p:cNvSpPr>
@@ -10415,21 +11763,25 @@
         </p:nvSpPr>
         <p:spPr/>
         <p:txBody>
-          <a:bodyPr>
-            <a:normAutofit/>
-          </a:bodyPr>
+          <a:bodyPr/>
           <a:lstStyle/>
           <a:p>
             <a:r>
               <a:rPr lang="en-US" dirty="0"/>
-              <a:t>Jenkins</a:t>
+              <a:t>What is Jenkins?</a:t>
             </a:r>
           </a:p>
         </p:txBody>
       </p:sp>
       <p:sp>
         <p:nvSpPr>
-          <p:cNvPr id="3" name="Content Placeholder 2"/>
+          <p:cNvPr id="3" name="Content Placeholder 2">
+            <a:extLst>
+              <a:ext uri="{FF2B5EF4-FFF2-40B4-BE49-F238E27FC236}">
+                <a16:creationId xmlns:a16="http://schemas.microsoft.com/office/drawing/2014/main" id="{A721C26E-6767-899A-0B90-128F01CF5EB6}"/>
+              </a:ext>
+            </a:extLst>
+          </p:cNvPr>
           <p:cNvSpPr>
             <a:spLocks noGrp="1"/>
           </p:cNvSpPr>
@@ -10439,78 +11791,52 @@
         </p:nvSpPr>
         <p:spPr/>
         <p:txBody>
-          <a:bodyPr>
-            <a:normAutofit fontScale="77500" lnSpcReduction="20000"/>
-          </a:bodyPr>
-          <a:lstStyle/>
-          <a:p>
-            <a:r>
-              <a:rPr lang="en-US" dirty="0"/>
-              <a:t>Jenkins is a self-contained, open source automation server, which can be used to automate the building, testing and deployment of software. </a:t>
-            </a:r>
-          </a:p>
-          <a:p>
-            <a:r>
-              <a:rPr lang="en-US" dirty="0"/>
-              <a:t>Jenkins can be installed standalone, through native system packages, or using Docker.</a:t>
-            </a:r>
-          </a:p>
-          <a:p>
-            <a:r>
-              <a:rPr lang="en-US" dirty="0"/>
-              <a:t>The basic functionality of Jenkins is to execute a predefined list of steps, e.g. to compile Java source code and build a JAR from the resulting classes.</a:t>
-            </a:r>
-          </a:p>
-          <a:p>
-            <a:r>
-              <a:rPr lang="en-US" dirty="0"/>
-              <a:t>Jenkins monitors the execution of the steps and allows to stop the process, if one of the steps fails. </a:t>
-            </a:r>
-          </a:p>
-          <a:p>
-            <a:r>
-              <a:rPr lang="en-US" dirty="0"/>
-              <a:t>Jenkins can also send out notifications in case of a build success or failure.</a:t>
-            </a:r>
-          </a:p>
-          <a:p>
-            <a:r>
-              <a:rPr lang="en-US" dirty="0"/>
-              <a:t>Jenkins can be extended by additional plug-ins. </a:t>
-            </a:r>
-          </a:p>
-          <a:p>
-            <a:endParaRPr lang="en-US" dirty="0"/>
-          </a:p>
-        </p:txBody>
-      </p:sp>
-      <p:sp>
-        <p:nvSpPr>
-          <p:cNvPr id="4" name="Slide Number Placeholder 3"/>
-          <p:cNvSpPr>
-            <a:spLocks noGrp="1"/>
-          </p:cNvSpPr>
-          <p:nvPr>
-            <p:ph type="sldNum" sz="quarter" idx="12"/>
-          </p:nvPr>
-        </p:nvSpPr>
-        <p:spPr/>
-        <p:txBody>
           <a:bodyPr/>
           <a:lstStyle/>
           <a:p>
-            <a:fld id="{6E53B7C2-38DE-462B-83A6-6DD189424A6E}" type="slidenum">
-              <a:rPr lang="en-US" smtClean="0"/>
-              <a:t>3</a:t>
-            </a:fld>
-            <a:endParaRPr lang="en-US"/>
+            <a:r>
+              <a:rPr lang="en-US" sz="2700" dirty="0"/>
+              <a:t>Jenkins supports integration with various version control systems, such as Git, Subversion, and Mercurial, allowing it to automatically trigger builds and tests whenever changes are pushed </a:t>
+            </a:r>
+            <a:br>
+              <a:rPr lang="en-US" sz="2700" dirty="0"/>
+            </a:br>
+            <a:r>
+              <a:rPr lang="en-US" sz="2700" dirty="0"/>
+              <a:t>to the repository. </a:t>
+            </a:r>
+          </a:p>
+          <a:p>
+            <a:r>
+              <a:rPr lang="en-US" sz="2700" dirty="0"/>
+              <a:t>It also integrates with a wide range of tools and technologies, including build tools, testing frameworks, and deployment platforms.</a:t>
+            </a:r>
+          </a:p>
+          <a:p>
+            <a:r>
+              <a:rPr lang="en-US" sz="2700" dirty="0"/>
+              <a:t>Jenkins provides a web-based interface that allows users to configure and manage their build pipelines and monitor the </a:t>
+            </a:r>
+            <a:br>
+              <a:rPr lang="en-US" sz="2700" dirty="0"/>
+            </a:br>
+            <a:r>
+              <a:rPr lang="en-US" sz="2700" dirty="0"/>
+              <a:t>status of builds. </a:t>
+            </a:r>
+          </a:p>
+          <a:p>
+            <a:r>
+              <a:rPr lang="en-US" sz="2700" dirty="0"/>
+              <a:t>It offers a vast ecosystem of plugins, which extend its functionality and allow integration with additional tools and services.</a:t>
+            </a:r>
           </a:p>
         </p:txBody>
       </p:sp>
     </p:spTree>
     <p:extLst>
       <p:ext uri="{BB962C8B-B14F-4D97-AF65-F5344CB8AC3E}">
-        <p14:creationId xmlns:p14="http://schemas.microsoft.com/office/powerpoint/2010/main" val="3909047647"/>
+        <p14:creationId xmlns:p14="http://schemas.microsoft.com/office/powerpoint/2010/main" val="756907267"/>
       </p:ext>
     </p:extLst>
   </p:cSld>
@@ -10539,7 +11865,13 @@
       </p:grpSpPr>
       <p:sp>
         <p:nvSpPr>
-          <p:cNvPr id="2" name="Title 1"/>
+          <p:cNvPr id="2" name="Title 1">
+            <a:extLst>
+              <a:ext uri="{FF2B5EF4-FFF2-40B4-BE49-F238E27FC236}">
+                <a16:creationId xmlns:a16="http://schemas.microsoft.com/office/drawing/2014/main" id="{73581D98-A74E-9637-5C3B-E203D3CBD40D}"/>
+              </a:ext>
+            </a:extLst>
+          </p:cNvPr>
           <p:cNvSpPr>
             <a:spLocks noGrp="1"/>
           </p:cNvSpPr>
@@ -10552,47 +11884,27 @@
           <a:bodyPr/>
           <a:lstStyle/>
           <a:p>
-            <a:endParaRPr lang="en-US"/>
+            <a:r>
+              <a:rPr lang="en-US" dirty="0"/>
+              <a:t>Why we used Jenkins?</a:t>
+            </a:r>
           </a:p>
         </p:txBody>
       </p:sp>
-      <p:pic>
-        <p:nvPicPr>
-          <p:cNvPr id="4" name="Content Placeholder 3"/>
-          <p:cNvPicPr>
-            <a:picLocks noGrp="1" noChangeAspect="1"/>
-          </p:cNvPicPr>
-          <p:nvPr>
-            <p:ph idx="1"/>
-          </p:nvPr>
-        </p:nvPicPr>
-        <p:blipFill>
-          <a:blip r:embed="rId2">
-            <a:extLst>
-              <a:ext uri="{28A0092B-C50C-407E-A947-70E740481C1C}">
-                <a14:useLocalDpi xmlns:a14="http://schemas.microsoft.com/office/drawing/2010/main" val="0"/>
-              </a:ext>
-            </a:extLst>
-          </a:blip>
-          <a:stretch>
-            <a:fillRect/>
-          </a:stretch>
-        </p:blipFill>
-        <p:spPr>
-          <a:xfrm>
-            <a:off x="3214631" y="1143000"/>
-            <a:ext cx="2714738" cy="5365600"/>
-          </a:xfrm>
-        </p:spPr>
-      </p:pic>
       <p:sp>
         <p:nvSpPr>
-          <p:cNvPr id="3" name="Slide Number Placeholder 2"/>
+          <p:cNvPr id="3" name="Content Placeholder 2">
+            <a:extLst>
+              <a:ext uri="{FF2B5EF4-FFF2-40B4-BE49-F238E27FC236}">
+                <a16:creationId xmlns:a16="http://schemas.microsoft.com/office/drawing/2014/main" id="{E8E61FC6-1974-FD14-244F-C119871CE1BD}"/>
+              </a:ext>
+            </a:extLst>
+          </p:cNvPr>
           <p:cNvSpPr>
             <a:spLocks noGrp="1"/>
           </p:cNvSpPr>
           <p:nvPr>
-            <p:ph type="sldNum" sz="quarter" idx="12"/>
+            <p:ph idx="1"/>
           </p:nvPr>
         </p:nvSpPr>
         <p:spPr/>
@@ -10600,18 +11912,56 @@
           <a:bodyPr/>
           <a:lstStyle/>
           <a:p>
-            <a:fld id="{6E53B7C2-38DE-462B-83A6-6DD189424A6E}" type="slidenum">
-              <a:rPr lang="en-US" smtClean="0"/>
-              <a:t>4</a:t>
-            </a:fld>
-            <a:endParaRPr lang="en-US"/>
+            <a:r>
+              <a:rPr lang="en-US" sz="2800" b="1" dirty="0">
+                <a:solidFill>
+                  <a:srgbClr val="FF0000"/>
+                </a:solidFill>
+                <a:highlight>
+                  <a:srgbClr val="FFFF00"/>
+                </a:highlight>
+              </a:rPr>
+              <a:t>Continuous Integration (CI)</a:t>
+            </a:r>
+            <a:r>
+              <a:rPr lang="en-US" sz="2800" b="1" dirty="0"/>
+              <a:t>: </a:t>
+            </a:r>
+            <a:r>
+              <a:rPr lang="en-US" sz="2800" dirty="0"/>
+              <a:t>Jenkins facilitates continuous integration by automatically building and testing software whenever changes are made to the codebase. It helps identify issues and conflicts early in the development process, leading to faster feedback and easier bug resolution.</a:t>
+            </a:r>
+          </a:p>
+          <a:p>
+            <a:r>
+              <a:rPr lang="en-US" sz="2800" b="1" dirty="0">
+                <a:solidFill>
+                  <a:srgbClr val="FF0000"/>
+                </a:solidFill>
+                <a:highlight>
+                  <a:srgbClr val="FFFF00"/>
+                </a:highlight>
+              </a:rPr>
+              <a:t>Automated Testing</a:t>
+            </a:r>
+            <a:r>
+              <a:rPr lang="en-US" sz="2800" dirty="0"/>
+              <a:t>: Jenkins allows the integration of automated testing frameworks into the build process. It can execute unit tests, integration tests, and other types of tests to ensure that the software functions as expected and meets the defined </a:t>
+            </a:r>
+            <a:br>
+              <a:rPr lang="en-US" sz="2800" dirty="0"/>
+            </a:br>
+            <a:r>
+              <a:rPr lang="en-US" sz="2800" dirty="0"/>
+              <a:t>quality criteria.</a:t>
+            </a:r>
           </a:p>
         </p:txBody>
       </p:sp>
     </p:spTree>
     <p:extLst>
       <p:ext uri="{BB962C8B-B14F-4D97-AF65-F5344CB8AC3E}">
-        <p14:creationId xmlns:p14="http://schemas.microsoft.com/office/powerpoint/2010/main" val="2994441179"/>
+        <p14:creationId xmlns:p14="http://schemas.microsoft.com/office/powerpoint/2010/main" val="1747127370"/>
       </p:ext>
     </p:extLst>
   </p:cSld>
@@ -10640,7 +11990,13 @@
       </p:grpSpPr>
       <p:sp>
         <p:nvSpPr>
-          <p:cNvPr id="2" name="Title 1"/>
+          <p:cNvPr id="2" name="Title 1">
+            <a:extLst>
+              <a:ext uri="{FF2B5EF4-FFF2-40B4-BE49-F238E27FC236}">
+                <a16:creationId xmlns:a16="http://schemas.microsoft.com/office/drawing/2014/main" id="{73581D98-A74E-9637-5C3B-E203D3CBD40D}"/>
+              </a:ext>
+            </a:extLst>
+          </p:cNvPr>
           <p:cNvSpPr>
             <a:spLocks noGrp="1"/>
           </p:cNvSpPr>
@@ -10655,14 +12011,20 @@
           <a:p>
             <a:r>
               <a:rPr lang="en-US" dirty="0"/>
-              <a:t>Jenkins Job</a:t>
+              <a:t>Why we used Jenkins?</a:t>
             </a:r>
           </a:p>
         </p:txBody>
       </p:sp>
       <p:sp>
         <p:nvSpPr>
-          <p:cNvPr id="3" name="Content Placeholder 2"/>
+          <p:cNvPr id="3" name="Content Placeholder 2">
+            <a:extLst>
+              <a:ext uri="{FF2B5EF4-FFF2-40B4-BE49-F238E27FC236}">
+                <a16:creationId xmlns:a16="http://schemas.microsoft.com/office/drawing/2014/main" id="{E8E61FC6-1974-FD14-244F-C119871CE1BD}"/>
+              </a:ext>
+            </a:extLst>
+          </p:cNvPr>
           <p:cNvSpPr>
             <a:spLocks noGrp="1"/>
           </p:cNvSpPr>
@@ -10670,116 +12032,50 @@
             <p:ph idx="1"/>
           </p:nvPr>
         </p:nvSpPr>
-        <p:spPr>
-          <a:xfrm>
-            <a:off x="457200" y="1722437"/>
-            <a:ext cx="8229600" cy="4754563"/>
-          </a:xfrm>
-        </p:spPr>
-        <p:txBody>
-          <a:bodyPr>
-            <a:normAutofit fontScale="62500" lnSpcReduction="20000"/>
-          </a:bodyPr>
-          <a:lstStyle/>
-          <a:p>
-            <a:r>
-              <a:rPr lang="en-US" dirty="0"/>
-              <a:t>In Jenkins, you work with projects or jobs. </a:t>
-            </a:r>
-          </a:p>
-          <a:p>
-            <a:r>
-              <a:rPr lang="en-US" dirty="0"/>
-              <a:t>Each job is a repeatable set of steps that automate a task, such as building, testing, and deploying your software. </a:t>
-            </a:r>
-          </a:p>
-          <a:p>
-            <a:r>
-              <a:rPr lang="en-US" dirty="0"/>
-              <a:t>In Jenkins, it is possible for a job to be triggered manually, externally (via a REST endpoint or a push to a repository), or even by another job. </a:t>
-            </a:r>
-          </a:p>
-          <a:p>
-            <a:r>
-              <a:rPr lang="en-US" dirty="0"/>
-              <a:t>When a job is triggered, Jenkins creates a build of the project.</a:t>
-            </a:r>
-          </a:p>
-          <a:p>
-            <a:r>
-              <a:rPr lang="en-US" dirty="0"/>
-              <a:t>Jobs have a status called Health, represented by a weather condition, and builds have a more traditional status. </a:t>
-            </a:r>
-          </a:p>
-          <a:p>
-            <a:r>
-              <a:rPr lang="en-US" dirty="0"/>
-              <a:t>Each build has a colored circle that represents the success or failure of a build. The health of a job is a status that is dependent on the status of the most recent builds.</a:t>
-            </a:r>
-          </a:p>
-          <a:p>
-            <a:r>
-              <a:rPr lang="en-US" b="1" dirty="0"/>
-              <a:t>Build Statuses</a:t>
-            </a:r>
-          </a:p>
-          <a:p>
-            <a:pPr lvl="1"/>
-            <a:r>
-              <a:rPr lang="en-US" sz="3200" dirty="0"/>
-              <a:t>Blue - Success </a:t>
-            </a:r>
-          </a:p>
-          <a:p>
-            <a:pPr lvl="1"/>
-            <a:r>
-              <a:rPr lang="en-US" sz="3200" dirty="0"/>
-              <a:t>Yellow - Unstable (usually indicates failed tests) </a:t>
-            </a:r>
-          </a:p>
-          <a:p>
-            <a:pPr lvl="1"/>
-            <a:r>
-              <a:rPr lang="en-US" sz="3200" dirty="0"/>
-              <a:t>Red - Failure </a:t>
-            </a:r>
-          </a:p>
-          <a:p>
-            <a:pPr lvl="1"/>
-            <a:r>
-              <a:rPr lang="en-US" sz="3200" dirty="0"/>
-              <a:t>Grey - No builds or aborted build</a:t>
-            </a:r>
-          </a:p>
-        </p:txBody>
-      </p:sp>
-      <p:sp>
-        <p:nvSpPr>
-          <p:cNvPr id="4" name="Slide Number Placeholder 3"/>
-          <p:cNvSpPr>
-            <a:spLocks noGrp="1"/>
-          </p:cNvSpPr>
-          <p:nvPr>
-            <p:ph type="sldNum" sz="quarter" idx="12"/>
-          </p:nvPr>
-        </p:nvSpPr>
         <p:spPr/>
         <p:txBody>
           <a:bodyPr/>
           <a:lstStyle/>
           <a:p>
-            <a:fld id="{6E53B7C2-38DE-462B-83A6-6DD189424A6E}" type="slidenum">
-              <a:rPr lang="en-US" smtClean="0"/>
-              <a:t>5</a:t>
-            </a:fld>
-            <a:endParaRPr lang="en-US"/>
+            <a:r>
+              <a:rPr lang="en-US" sz="2800" b="1" dirty="0">
+                <a:solidFill>
+                  <a:srgbClr val="FF0000"/>
+                </a:solidFill>
+                <a:highlight>
+                  <a:srgbClr val="FFFF00"/>
+                </a:highlight>
+              </a:rPr>
+              <a:t>Continuous Delivery and Deployment (CD): </a:t>
+            </a:r>
+            <a:r>
+              <a:rPr lang="en-US" dirty="0"/>
+              <a:t>Jenkins enables continuous delivery and deployment by automating the steps involved in packaging, deploying, and releasing software. It streamlines the release process, reduces human error, and allows for frequent and reliable software deployments.</a:t>
+            </a:r>
+          </a:p>
+          <a:p>
+            <a:r>
+              <a:rPr lang="en-US" sz="2800" b="1" dirty="0">
+                <a:solidFill>
+                  <a:srgbClr val="FF0000"/>
+                </a:solidFill>
+                <a:highlight>
+                  <a:srgbClr val="FFFF00"/>
+                </a:highlight>
+              </a:rPr>
+              <a:t>Build and Release Management</a:t>
+            </a:r>
+            <a:r>
+              <a:rPr lang="en-US" dirty="0"/>
+              <a:t>: Jenkins provides a centralized platform for managing build configurations, artifacts, and release versions. It tracks changes, manages dependencies, and ensures consistency across different builds and environments.</a:t>
+            </a:r>
           </a:p>
         </p:txBody>
       </p:sp>
     </p:spTree>
     <p:extLst>
       <p:ext uri="{BB962C8B-B14F-4D97-AF65-F5344CB8AC3E}">
-        <p14:creationId xmlns:p14="http://schemas.microsoft.com/office/powerpoint/2010/main" val="2216487008"/>
+        <p14:creationId xmlns:p14="http://schemas.microsoft.com/office/powerpoint/2010/main" val="1426144767"/>
       </p:ext>
     </p:extLst>
   </p:cSld>
@@ -10808,7 +12104,13 @@
       </p:grpSpPr>
       <p:sp>
         <p:nvSpPr>
-          <p:cNvPr id="2" name="Title 1"/>
+          <p:cNvPr id="2" name="Title 1">
+            <a:extLst>
+              <a:ext uri="{FF2B5EF4-FFF2-40B4-BE49-F238E27FC236}">
+                <a16:creationId xmlns:a16="http://schemas.microsoft.com/office/drawing/2014/main" id="{73581D98-A74E-9637-5C3B-E203D3CBD40D}"/>
+              </a:ext>
+            </a:extLst>
+          </p:cNvPr>
           <p:cNvSpPr>
             <a:spLocks noGrp="1"/>
           </p:cNvSpPr>
@@ -10818,21 +12120,25 @@
         </p:nvSpPr>
         <p:spPr/>
         <p:txBody>
-          <a:bodyPr>
-            <a:normAutofit/>
-          </a:bodyPr>
+          <a:bodyPr/>
           <a:lstStyle/>
           <a:p>
             <a:r>
               <a:rPr lang="en-US" dirty="0"/>
-              <a:t>Pipeline </a:t>
+              <a:t>Why we used Jenkins?</a:t>
             </a:r>
           </a:p>
         </p:txBody>
       </p:sp>
       <p:sp>
         <p:nvSpPr>
-          <p:cNvPr id="3" name="Content Placeholder 2"/>
+          <p:cNvPr id="3" name="Content Placeholder 2">
+            <a:extLst>
+              <a:ext uri="{FF2B5EF4-FFF2-40B4-BE49-F238E27FC236}">
+                <a16:creationId xmlns:a16="http://schemas.microsoft.com/office/drawing/2014/main" id="{E8E61FC6-1974-FD14-244F-C119871CE1BD}"/>
+              </a:ext>
+            </a:extLst>
+          </p:cNvPr>
           <p:cNvSpPr>
             <a:spLocks noGrp="1"/>
           </p:cNvSpPr>
@@ -10842,56 +12148,48 @@
         </p:nvSpPr>
         <p:spPr/>
         <p:txBody>
-          <a:bodyPr>
-            <a:normAutofit/>
-          </a:bodyPr>
-          <a:lstStyle/>
-          <a:p>
-            <a:r>
-              <a:rPr lang="en-US" dirty="0"/>
-              <a:t>Jenkins Pipeline (or simply "Pipeline" with a capital "P") is a suite of plugins which supports implementing and integrating </a:t>
-            </a:r>
-            <a:r>
-              <a:rPr lang="en-US" i="1" dirty="0"/>
-              <a:t>continuous delivery pipelines</a:t>
-            </a:r>
-            <a:r>
-              <a:rPr lang="en-US" dirty="0"/>
-              <a:t> into Jenkins.</a:t>
-            </a:r>
-          </a:p>
-          <a:p>
-            <a:endParaRPr lang="en-US" dirty="0"/>
-          </a:p>
-        </p:txBody>
-      </p:sp>
-      <p:sp>
-        <p:nvSpPr>
-          <p:cNvPr id="4" name="Slide Number Placeholder 3"/>
-          <p:cNvSpPr>
-            <a:spLocks noGrp="1"/>
-          </p:cNvSpPr>
-          <p:nvPr>
-            <p:ph type="sldNum" sz="quarter" idx="12"/>
-          </p:nvPr>
-        </p:nvSpPr>
-        <p:spPr/>
-        <p:txBody>
           <a:bodyPr/>
           <a:lstStyle/>
           <a:p>
-            <a:fld id="{6E53B7C2-38DE-462B-83A6-6DD189424A6E}" type="slidenum">
-              <a:rPr lang="en-US" smtClean="0"/>
-              <a:t>6</a:t>
-            </a:fld>
-            <a:endParaRPr lang="en-US"/>
+            <a:r>
+              <a:rPr lang="en-US" sz="2800" b="1" dirty="0">
+                <a:solidFill>
+                  <a:srgbClr val="FF0000"/>
+                </a:solidFill>
+                <a:highlight>
+                  <a:srgbClr val="FFFF00"/>
+                </a:highlight>
+              </a:rPr>
+              <a:t>Scalability and Flexibility</a:t>
+            </a:r>
+            <a:r>
+              <a:rPr lang="en-US" sz="2800" dirty="0"/>
+              <a:t>: Jenkins is highly scalable and can support projects of various sizes and complexities. It can handle multiple builds concurrently and distribute work across multiple nodes for faster execution. Jenkins also offers extensive plugin support, allowing integration with a wide range of tools and technologies.</a:t>
+            </a:r>
+          </a:p>
+          <a:p>
+            <a:r>
+              <a:rPr lang="en-US" sz="2800" b="1" dirty="0">
+                <a:solidFill>
+                  <a:srgbClr val="FF0000"/>
+                </a:solidFill>
+                <a:highlight>
+                  <a:srgbClr val="FFFF00"/>
+                </a:highlight>
+              </a:rPr>
+              <a:t>Community and Ecosystem</a:t>
+            </a:r>
+            <a:r>
+              <a:rPr lang="en-US" sz="2800" dirty="0"/>
+              <a:t>: Jenkins has a large and active community of users and contributors. This vibrant ecosystem offers a vast array of plugins, documentation, and community support, making it easier to extend Jenkins’ functionality and find solutions to common challenges.</a:t>
+            </a:r>
           </a:p>
         </p:txBody>
       </p:sp>
     </p:spTree>
     <p:extLst>
       <p:ext uri="{BB962C8B-B14F-4D97-AF65-F5344CB8AC3E}">
-        <p14:creationId xmlns:p14="http://schemas.microsoft.com/office/powerpoint/2010/main" val="2241917021"/>
+        <p14:creationId xmlns:p14="http://schemas.microsoft.com/office/powerpoint/2010/main" val="249476973"/>
       </p:ext>
     </p:extLst>
   </p:cSld>
@@ -10920,7 +12218,13 @@
       </p:grpSpPr>
       <p:sp>
         <p:nvSpPr>
-          <p:cNvPr id="2" name="Title 1"/>
+          <p:cNvPr id="2" name="Title 1">
+            <a:extLst>
+              <a:ext uri="{FF2B5EF4-FFF2-40B4-BE49-F238E27FC236}">
+                <a16:creationId xmlns:a16="http://schemas.microsoft.com/office/drawing/2014/main" id="{73581D98-A74E-9637-5C3B-E203D3CBD40D}"/>
+              </a:ext>
+            </a:extLst>
+          </p:cNvPr>
           <p:cNvSpPr>
             <a:spLocks noGrp="1"/>
           </p:cNvSpPr>
@@ -10935,14 +12239,20 @@
           <a:p>
             <a:r>
               <a:rPr lang="en-US" dirty="0"/>
-              <a:t>Pipeline</a:t>
+              <a:t>Why we used Jenkins?</a:t>
             </a:r>
           </a:p>
         </p:txBody>
       </p:sp>
       <p:sp>
         <p:nvSpPr>
-          <p:cNvPr id="3" name="Content Placeholder 2"/>
+          <p:cNvPr id="3" name="Content Placeholder 2">
+            <a:extLst>
+              <a:ext uri="{FF2B5EF4-FFF2-40B4-BE49-F238E27FC236}">
+                <a16:creationId xmlns:a16="http://schemas.microsoft.com/office/drawing/2014/main" id="{E8E61FC6-1974-FD14-244F-C119871CE1BD}"/>
+              </a:ext>
+            </a:extLst>
+          </p:cNvPr>
           <p:cNvSpPr>
             <a:spLocks noGrp="1"/>
           </p:cNvSpPr>
@@ -10952,68 +12262,40 @@
         </p:nvSpPr>
         <p:spPr/>
         <p:txBody>
-          <a:bodyPr>
-            <a:normAutofit fontScale="92500" lnSpcReduction="20000"/>
-          </a:bodyPr>
-          <a:lstStyle/>
-          <a:p>
-            <a:r>
-              <a:rPr lang="en-US" dirty="0"/>
-              <a:t>A </a:t>
-            </a:r>
-            <a:r>
-              <a:rPr lang="en-US" i="1" dirty="0"/>
-              <a:t>continuous delivery (CD) pipeline</a:t>
-            </a:r>
-            <a:r>
-              <a:rPr lang="en-US" dirty="0"/>
-              <a:t> is an automated expression of your process for getting software from version control right through to your users and customers. </a:t>
-            </a:r>
-          </a:p>
-          <a:p>
-            <a:r>
-              <a:rPr lang="en-US" dirty="0"/>
-              <a:t>Every change to your software (committed in source control) goes through a complex process on its way to being released. </a:t>
-            </a:r>
-          </a:p>
-          <a:p>
-            <a:r>
-              <a:rPr lang="en-US" dirty="0"/>
-              <a:t>This process involves building the software in a reliable and repeatable manner, as well as progressing the built software (called a "build") through multiple stages of testing and deployment.</a:t>
-            </a:r>
-          </a:p>
-          <a:p>
-            <a:endParaRPr lang="en-US" dirty="0"/>
-          </a:p>
-        </p:txBody>
-      </p:sp>
-      <p:sp>
-        <p:nvSpPr>
-          <p:cNvPr id="4" name="Slide Number Placeholder 3"/>
-          <p:cNvSpPr>
-            <a:spLocks noGrp="1"/>
-          </p:cNvSpPr>
-          <p:nvPr>
-            <p:ph type="sldNum" sz="quarter" idx="12"/>
-          </p:nvPr>
-        </p:nvSpPr>
-        <p:spPr/>
-        <p:txBody>
           <a:bodyPr/>
           <a:lstStyle/>
           <a:p>
-            <a:fld id="{6E53B7C2-38DE-462B-83A6-6DD189424A6E}" type="slidenum">
-              <a:rPr lang="en-US" smtClean="0"/>
-              <a:t>7</a:t>
-            </a:fld>
-            <a:endParaRPr lang="en-US"/>
+            <a:r>
+              <a:rPr lang="en-US" sz="2800" b="1" dirty="0">
+                <a:solidFill>
+                  <a:srgbClr val="FF0000"/>
+                </a:solidFill>
+                <a:highlight>
+                  <a:srgbClr val="FFFF00"/>
+                </a:highlight>
+              </a:rPr>
+              <a:t>Open Source and Cost-Effective</a:t>
+            </a:r>
+            <a:r>
+              <a:rPr lang="en-US" dirty="0"/>
+              <a:t>: Jenkins is an open-source tool, which means it is freely available for use and can be customized as per project requirements. This makes it a cost-effective choice compared to commercial alternatives.</a:t>
+            </a:r>
+          </a:p>
+          <a:p>
+            <a:pPr marL="0" indent="0">
+              <a:buNone/>
+            </a:pPr>
+            <a:r>
+              <a:rPr lang="en-US" b="1" dirty="0"/>
+              <a:t>Jenkins is used to automate build, test, and deployment processes, improve software quality, enable continuous integration and delivery, and provide a flexible and scalable platform for managing software development projects.</a:t>
+            </a:r>
           </a:p>
         </p:txBody>
       </p:sp>
     </p:spTree>
     <p:extLst>
       <p:ext uri="{BB962C8B-B14F-4D97-AF65-F5344CB8AC3E}">
-        <p14:creationId xmlns:p14="http://schemas.microsoft.com/office/powerpoint/2010/main" val="2711321927"/>
+        <p14:creationId xmlns:p14="http://schemas.microsoft.com/office/powerpoint/2010/main" val="4034972572"/>
       </p:ext>
     </p:extLst>
   </p:cSld>
@@ -11042,7 +12324,13 @@
       </p:grpSpPr>
       <p:sp>
         <p:nvSpPr>
-          <p:cNvPr id="2" name="Title 1"/>
+          <p:cNvPr id="2" name="Title 1">
+            <a:extLst>
+              <a:ext uri="{FF2B5EF4-FFF2-40B4-BE49-F238E27FC236}">
+                <a16:creationId xmlns:a16="http://schemas.microsoft.com/office/drawing/2014/main" id="{7693C47D-6772-7B60-8FD5-A802BFA61621}"/>
+              </a:ext>
+            </a:extLst>
+          </p:cNvPr>
           <p:cNvSpPr>
             <a:spLocks noGrp="1"/>
           </p:cNvSpPr>
@@ -11057,14 +12345,20 @@
           <a:p>
             <a:r>
               <a:rPr lang="en-US" dirty="0"/>
-              <a:t>Pipeline</a:t>
+              <a:t>Jenkins Workflow</a:t>
             </a:r>
           </a:p>
         </p:txBody>
       </p:sp>
       <p:sp>
         <p:nvSpPr>
-          <p:cNvPr id="3" name="Content Placeholder 2"/>
+          <p:cNvPr id="3" name="Content Placeholder 2">
+            <a:extLst>
+              <a:ext uri="{FF2B5EF4-FFF2-40B4-BE49-F238E27FC236}">
+                <a16:creationId xmlns:a16="http://schemas.microsoft.com/office/drawing/2014/main" id="{EA01A873-B17E-675D-5572-098D6B391D2D}"/>
+              </a:ext>
+            </a:extLst>
+          </p:cNvPr>
           <p:cNvSpPr>
             <a:spLocks noGrp="1"/>
           </p:cNvSpPr>
@@ -11074,99 +12368,44 @@
         </p:nvSpPr>
         <p:spPr/>
         <p:txBody>
-          <a:bodyPr>
-            <a:normAutofit fontScale="85000" lnSpcReduction="10000"/>
-          </a:bodyPr>
-          <a:lstStyle/>
-          <a:p>
-            <a:pPr>
-              <a:lnSpc>
-                <a:spcPct val="120000"/>
-              </a:lnSpc>
-            </a:pPr>
-            <a:r>
-              <a:rPr lang="en-US" dirty="0"/>
-              <a:t>Pipeline provides an extensible set of tools for modeling simple-to-complex delivery pipelines </a:t>
-            </a:r>
-            <a:br>
-              <a:rPr lang="en-US" dirty="0"/>
-            </a:br>
-            <a:r>
-              <a:rPr lang="en-US" dirty="0"/>
-              <a:t>"as code". </a:t>
-            </a:r>
-          </a:p>
-          <a:p>
-            <a:pPr>
-              <a:lnSpc>
-                <a:spcPct val="120000"/>
-              </a:lnSpc>
-            </a:pPr>
-            <a:r>
-              <a:rPr lang="en-US" dirty="0"/>
-              <a:t>The definition of a Jenkins Pipeline is written into a text file (called a </a:t>
-            </a:r>
-            <a:r>
-              <a:rPr lang="en-US" b="1" dirty="0">
-                <a:solidFill>
-                  <a:srgbClr val="0070C0"/>
-                </a:solidFill>
-              </a:rPr>
-              <a:t>Jenkinsfile</a:t>
-            </a:r>
-            <a:r>
-              <a:rPr lang="en-US" dirty="0"/>
-              <a:t>) which in turn can be committed to a project’s source control repository.  </a:t>
-            </a:r>
-          </a:p>
-          <a:p>
-            <a:pPr>
-              <a:lnSpc>
-                <a:spcPct val="120000"/>
-              </a:lnSpc>
-            </a:pPr>
-            <a:r>
-              <a:rPr lang="en-US" dirty="0"/>
-              <a:t>This is the foundation of "Pipeline-as-code"; treating the CD pipeline a part of the application to be versioned and reviewed like any other code.</a:t>
-            </a:r>
-          </a:p>
-          <a:p>
-            <a:pPr>
-              <a:lnSpc>
-                <a:spcPct val="120000"/>
-              </a:lnSpc>
-            </a:pPr>
-            <a:endParaRPr lang="en-US" dirty="0"/>
-          </a:p>
-        </p:txBody>
-      </p:sp>
-      <p:sp>
-        <p:nvSpPr>
-          <p:cNvPr id="4" name="Slide Number Placeholder 3"/>
-          <p:cNvSpPr>
-            <a:spLocks noGrp="1"/>
-          </p:cNvSpPr>
-          <p:nvPr>
-            <p:ph type="sldNum" sz="quarter" idx="12"/>
-          </p:nvPr>
-        </p:nvSpPr>
-        <p:spPr/>
-        <p:txBody>
           <a:bodyPr/>
           <a:lstStyle/>
           <a:p>
-            <a:fld id="{6E53B7C2-38DE-462B-83A6-6DD189424A6E}" type="slidenum">
-              <a:rPr lang="en-US" smtClean="0"/>
-              <a:t>8</a:t>
-            </a:fld>
-            <a:endParaRPr lang="en-US"/>
+            <a:r>
+              <a:rPr lang="en-US" sz="2500" dirty="0"/>
+              <a:t>Developers modify the source code, committing changes to the repository, and Jenkins creates a new build in order to handle the new Git commit.</a:t>
+            </a:r>
+          </a:p>
+          <a:p>
+            <a:r>
+              <a:rPr lang="en-US" sz="2500" dirty="0"/>
+              <a:t>Jenkins can work in “push” or “pull” mode. The Jenkins CI server is either triggered by an event such as a code commit, or it can regularly check the repository for changes.</a:t>
+            </a:r>
+          </a:p>
+          <a:p>
+            <a:r>
+              <a:rPr lang="en-US" sz="2500" dirty="0"/>
+              <a:t>The build server builds the code and generates an artifact. If the build fails, the developer receives an alert.</a:t>
+            </a:r>
+          </a:p>
+          <a:p>
+            <a:r>
+              <a:rPr lang="en-US" sz="2500" dirty="0"/>
+              <a:t>Jenkins deploys the built application/executable to the test server, which can execute continuous, automated tests. Developers receive alerts if their changes impact functionality.</a:t>
+            </a:r>
+          </a:p>
+          <a:p>
+            <a:r>
+              <a:rPr lang="en-US" sz="2500" dirty="0"/>
+              <a:t>Jenkins optionally deploys the changes to the production server if the code has no issues.</a:t>
+            </a:r>
           </a:p>
         </p:txBody>
       </p:sp>
     </p:spTree>
     <p:extLst>
       <p:ext uri="{BB962C8B-B14F-4D97-AF65-F5344CB8AC3E}">
-        <p14:creationId xmlns:p14="http://schemas.microsoft.com/office/powerpoint/2010/main" val="1469013715"/>
+        <p14:creationId xmlns:p14="http://schemas.microsoft.com/office/powerpoint/2010/main" val="1590898756"/>
       </p:ext>
     </p:extLst>
   </p:cSld>
@@ -11195,7 +12434,13 @@
       </p:grpSpPr>
       <p:sp>
         <p:nvSpPr>
-          <p:cNvPr id="2" name="Title 1"/>
+          <p:cNvPr id="2" name="Title 1">
+            <a:extLst>
+              <a:ext uri="{FF2B5EF4-FFF2-40B4-BE49-F238E27FC236}">
+                <a16:creationId xmlns:a16="http://schemas.microsoft.com/office/drawing/2014/main" id="{9A468964-2777-A606-0521-E677BE69DF9E}"/>
+              </a:ext>
+            </a:extLst>
+          </p:cNvPr>
           <p:cNvSpPr>
             <a:spLocks noGrp="1"/>
           </p:cNvSpPr>
@@ -11205,21 +12450,25 @@
         </p:nvSpPr>
         <p:spPr/>
         <p:txBody>
-          <a:bodyPr>
-            <a:normAutofit/>
-          </a:bodyPr>
+          <a:bodyPr/>
           <a:lstStyle/>
           <a:p>
             <a:r>
               <a:rPr lang="en-US" dirty="0"/>
-              <a:t>Why Pipeline</a:t>
+              <a:t>Jenkins Jobs</a:t>
             </a:r>
           </a:p>
         </p:txBody>
       </p:sp>
       <p:sp>
         <p:nvSpPr>
-          <p:cNvPr id="3" name="Content Placeholder 2"/>
+          <p:cNvPr id="3" name="Content Placeholder 2">
+            <a:extLst>
+              <a:ext uri="{FF2B5EF4-FFF2-40B4-BE49-F238E27FC236}">
+                <a16:creationId xmlns:a16="http://schemas.microsoft.com/office/drawing/2014/main" id="{3D4E2A83-F9AA-3192-A388-2BAD69FDF9A6}"/>
+              </a:ext>
+            </a:extLst>
+          </p:cNvPr>
           <p:cNvSpPr>
             <a:spLocks noGrp="1"/>
           </p:cNvSpPr>
@@ -11234,44 +12483,39 @@
           <a:p>
             <a:r>
               <a:rPr lang="en-US" dirty="0"/>
-              <a:t>Jenkins is, fundamentally, an automation engine which supports a number of automation patterns. </a:t>
+              <a:t>Jenkins Jobs are a given set of tasks that runs sequentially as defined by the user. </a:t>
             </a:r>
           </a:p>
           <a:p>
             <a:r>
               <a:rPr lang="en-US" dirty="0"/>
-              <a:t>Pipeline adds a powerful set of automation tools onto Jenkins, supporting use cases that span from simple continuous integration to comprehensive CD pipelines</a:t>
-            </a:r>
-          </a:p>
-        </p:txBody>
-      </p:sp>
-      <p:sp>
-        <p:nvSpPr>
-          <p:cNvPr id="4" name="Slide Number Placeholder 3"/>
-          <p:cNvSpPr>
-            <a:spLocks noGrp="1"/>
-          </p:cNvSpPr>
-          <p:nvPr>
-            <p:ph type="sldNum" sz="quarter" idx="12"/>
-          </p:nvPr>
-        </p:nvSpPr>
-        <p:spPr/>
-        <p:txBody>
-          <a:bodyPr/>
-          <a:lstStyle/>
-          <a:p>
-            <a:fld id="{6E53B7C2-38DE-462B-83A6-6DD189424A6E}" type="slidenum">
-              <a:rPr lang="en-US" smtClean="0"/>
-              <a:t>9</a:t>
-            </a:fld>
-            <a:endParaRPr lang="en-US"/>
+              <a:t>Any automation implemented in Jenkins is a Jenkins Job. </a:t>
+            </a:r>
+          </a:p>
+          <a:p>
+            <a:r>
+              <a:rPr lang="en-US" dirty="0"/>
+              <a:t>These jobs are a significant part of Jenkins's build process. </a:t>
+            </a:r>
+          </a:p>
+          <a:p>
+            <a:r>
+              <a:rPr lang="en-US" dirty="0"/>
+              <a:t>We can create and build Jenkins jobs to test our application or project. </a:t>
+            </a:r>
+          </a:p>
+          <a:p>
+            <a:r>
+              <a:rPr lang="en-US" dirty="0"/>
+              <a:t>With a Jenkins Job, you can clone source code from version control like Git, compile the code, and run unit tests based on your requirements.</a:t>
+            </a:r>
           </a:p>
         </p:txBody>
       </p:sp>
     </p:spTree>
     <p:extLst>
       <p:ext uri="{BB962C8B-B14F-4D97-AF65-F5344CB8AC3E}">
-        <p14:creationId xmlns:p14="http://schemas.microsoft.com/office/powerpoint/2010/main" val="304851210"/>
+        <p14:creationId xmlns:p14="http://schemas.microsoft.com/office/powerpoint/2010/main" val="3378463711"/>
       </p:ext>
     </p:extLst>
   </p:cSld>
@@ -12038,289 +13282,4 @@
     </a:ext>
   </a:extLst>
 </a:theme>
-</file>
-
-<file path=ppt/theme/theme2.xml><?xml version="1.0" encoding="utf-8"?>
-<a:theme xmlns:a="http://schemas.openxmlformats.org/drawingml/2006/main" name="Office Theme">
-  <a:themeElements>
-    <a:clrScheme name="Office">
-      <a:dk1>
-        <a:sysClr val="windowText" lastClr="000000"/>
-      </a:dk1>
-      <a:lt1>
-        <a:sysClr val="window" lastClr="FFFFFF"/>
-      </a:lt1>
-      <a:dk2>
-        <a:srgbClr val="1F497D"/>
-      </a:dk2>
-      <a:lt2>
-        <a:srgbClr val="EEECE1"/>
-      </a:lt2>
-      <a:accent1>
-        <a:srgbClr val="4F81BD"/>
-      </a:accent1>
-      <a:accent2>
-        <a:srgbClr val="C0504D"/>
-      </a:accent2>
-      <a:accent3>
-        <a:srgbClr val="9BBB59"/>
-      </a:accent3>
-      <a:accent4>
-        <a:srgbClr val="8064A2"/>
-      </a:accent4>
-      <a:accent5>
-        <a:srgbClr val="4BACC6"/>
-      </a:accent5>
-      <a:accent6>
-        <a:srgbClr val="F79646"/>
-      </a:accent6>
-      <a:hlink>
-        <a:srgbClr val="0000FF"/>
-      </a:hlink>
-      <a:folHlink>
-        <a:srgbClr val="800080"/>
-      </a:folHlink>
-    </a:clrScheme>
-    <a:fontScheme name="Office">
-      <a:majorFont>
-        <a:latin typeface="Calibri"/>
-        <a:ea typeface=""/>
-        <a:cs typeface=""/>
-        <a:font script="Jpan" typeface="ＭＳ Ｐゴシック"/>
-        <a:font script="Hang" typeface="맑은 고딕"/>
-        <a:font script="Hans" typeface="宋体"/>
-        <a:font script="Hant" typeface="新細明體"/>
-        <a:font script="Arab" typeface="Times New Roman"/>
-        <a:font script="Hebr" typeface="Times New Roman"/>
-        <a:font script="Thai" typeface="Angsana New"/>
-        <a:font script="Ethi" typeface="Nyala"/>
-        <a:font script="Beng" typeface="Vrinda"/>
-        <a:font script="Gujr" typeface="Shruti"/>
-        <a:font script="Khmr" typeface="MoolBoran"/>
-        <a:font script="Knda" typeface="Tunga"/>
-        <a:font script="Guru" typeface="Raavi"/>
-        <a:font script="Cans" typeface="Euphemia"/>
-        <a:font script="Cher" typeface="Plantagenet Cherokee"/>
-        <a:font script="Yiii" typeface="Microsoft Yi Baiti"/>
-        <a:font script="Tibt" typeface="Microsoft Himalaya"/>
-        <a:font script="Thaa" typeface="MV Boli"/>
-        <a:font script="Deva" typeface="Mangal"/>
-        <a:font script="Telu" typeface="Gautami"/>
-        <a:font script="Taml" typeface="Latha"/>
-        <a:font script="Syrc" typeface="Estrangelo Edessa"/>
-        <a:font script="Orya" typeface="Kalinga"/>
-        <a:font script="Mlym" typeface="Kartika"/>
-        <a:font script="Laoo" typeface="DokChampa"/>
-        <a:font script="Sinh" typeface="Iskoola Pota"/>
-        <a:font script="Mong" typeface="Mongolian Baiti"/>
-        <a:font script="Viet" typeface="Times New Roman"/>
-        <a:font script="Uigh" typeface="Microsoft Uighur"/>
-        <a:font script="Geor" typeface="Sylfaen"/>
-      </a:majorFont>
-      <a:minorFont>
-        <a:latin typeface="Calibri"/>
-        <a:ea typeface=""/>
-        <a:cs typeface=""/>
-        <a:font script="Jpan" typeface="ＭＳ Ｐゴシック"/>
-        <a:font script="Hang" typeface="맑은 고딕"/>
-        <a:font script="Hans" typeface="宋体"/>
-        <a:font script="Hant" typeface="新細明體"/>
-        <a:font script="Arab" typeface="Arial"/>
-        <a:font script="Hebr" typeface="Arial"/>
-        <a:font script="Thai" typeface="Cordia New"/>
-        <a:font script="Ethi" typeface="Nyala"/>
-        <a:font script="Beng" typeface="Vrinda"/>
-        <a:font script="Gujr" typeface="Shruti"/>
-        <a:font script="Khmr" typeface="DaunPenh"/>
-        <a:font script="Knda" typeface="Tunga"/>
-        <a:font script="Guru" typeface="Raavi"/>
-        <a:font script="Cans" typeface="Euphemia"/>
-        <a:font script="Cher" typeface="Plantagenet Cherokee"/>
-        <a:font script="Yiii" typeface="Microsoft Yi Baiti"/>
-        <a:font script="Tibt" typeface="Microsoft Himalaya"/>
-        <a:font script="Thaa" typeface="MV Boli"/>
-        <a:font script="Deva" typeface="Mangal"/>
-        <a:font script="Telu" typeface="Gautami"/>
-        <a:font script="Taml" typeface="Latha"/>
-        <a:font script="Syrc" typeface="Estrangelo Edessa"/>
-        <a:font script="Orya" typeface="Kalinga"/>
-        <a:font script="Mlym" typeface="Kartika"/>
-        <a:font script="Laoo" typeface="DokChampa"/>
-        <a:font script="Sinh" typeface="Iskoola Pota"/>
-        <a:font script="Mong" typeface="Mongolian Baiti"/>
-        <a:font script="Viet" typeface="Arial"/>
-        <a:font script="Uigh" typeface="Microsoft Uighur"/>
-        <a:font script="Geor" typeface="Sylfaen"/>
-      </a:minorFont>
-    </a:fontScheme>
-    <a:fmtScheme name="Office">
-      <a:fillStyleLst>
-        <a:solidFill>
-          <a:schemeClr val="phClr"/>
-        </a:solidFill>
-        <a:gradFill rotWithShape="1">
-          <a:gsLst>
-            <a:gs pos="0">
-              <a:schemeClr val="phClr">
-                <a:tint val="50000"/>
-                <a:satMod val="300000"/>
-              </a:schemeClr>
-            </a:gs>
-            <a:gs pos="35000">
-              <a:schemeClr val="phClr">
-                <a:tint val="37000"/>
-                <a:satMod val="300000"/>
-              </a:schemeClr>
-            </a:gs>
-            <a:gs pos="100000">
-              <a:schemeClr val="phClr">
-                <a:tint val="15000"/>
-                <a:satMod val="350000"/>
-              </a:schemeClr>
-            </a:gs>
-          </a:gsLst>
-          <a:lin ang="16200000" scaled="1"/>
-        </a:gradFill>
-        <a:gradFill rotWithShape="1">
-          <a:gsLst>
-            <a:gs pos="0">
-              <a:schemeClr val="phClr">
-                <a:shade val="51000"/>
-                <a:satMod val="130000"/>
-              </a:schemeClr>
-            </a:gs>
-            <a:gs pos="80000">
-              <a:schemeClr val="phClr">
-                <a:shade val="93000"/>
-                <a:satMod val="130000"/>
-              </a:schemeClr>
-            </a:gs>
-            <a:gs pos="100000">
-              <a:schemeClr val="phClr">
-                <a:shade val="94000"/>
-                <a:satMod val="135000"/>
-              </a:schemeClr>
-            </a:gs>
-          </a:gsLst>
-          <a:lin ang="16200000" scaled="0"/>
-        </a:gradFill>
-      </a:fillStyleLst>
-      <a:lnStyleLst>
-        <a:ln w="9525" cap="flat" cmpd="sng" algn="ctr">
-          <a:solidFill>
-            <a:schemeClr val="phClr">
-              <a:shade val="95000"/>
-              <a:satMod val="105000"/>
-            </a:schemeClr>
-          </a:solidFill>
-          <a:prstDash val="solid"/>
-        </a:ln>
-        <a:ln w="25400" cap="flat" cmpd="sng" algn="ctr">
-          <a:solidFill>
-            <a:schemeClr val="phClr"/>
-          </a:solidFill>
-          <a:prstDash val="solid"/>
-        </a:ln>
-        <a:ln w="38100" cap="flat" cmpd="sng" algn="ctr">
-          <a:solidFill>
-            <a:schemeClr val="phClr"/>
-          </a:solidFill>
-          <a:prstDash val="solid"/>
-        </a:ln>
-      </a:lnStyleLst>
-      <a:effectStyleLst>
-        <a:effectStyle>
-          <a:effectLst>
-            <a:outerShdw blurRad="40000" dist="20000" dir="5400000" rotWithShape="0">
-              <a:srgbClr val="000000">
-                <a:alpha val="38000"/>
-              </a:srgbClr>
-            </a:outerShdw>
-          </a:effectLst>
-        </a:effectStyle>
-        <a:effectStyle>
-          <a:effectLst>
-            <a:outerShdw blurRad="40000" dist="23000" dir="5400000" rotWithShape="0">
-              <a:srgbClr val="000000">
-                <a:alpha val="35000"/>
-              </a:srgbClr>
-            </a:outerShdw>
-          </a:effectLst>
-        </a:effectStyle>
-        <a:effectStyle>
-          <a:effectLst>
-            <a:outerShdw blurRad="40000" dist="23000" dir="5400000" rotWithShape="0">
-              <a:srgbClr val="000000">
-                <a:alpha val="35000"/>
-              </a:srgbClr>
-            </a:outerShdw>
-          </a:effectLst>
-          <a:scene3d>
-            <a:camera prst="orthographicFront">
-              <a:rot lat="0" lon="0" rev="0"/>
-            </a:camera>
-            <a:lightRig rig="threePt" dir="t">
-              <a:rot lat="0" lon="0" rev="1200000"/>
-            </a:lightRig>
-          </a:scene3d>
-          <a:sp3d>
-            <a:bevelT w="63500" h="25400"/>
-          </a:sp3d>
-        </a:effectStyle>
-      </a:effectStyleLst>
-      <a:bgFillStyleLst>
-        <a:solidFill>
-          <a:schemeClr val="phClr"/>
-        </a:solidFill>
-        <a:gradFill rotWithShape="1">
-          <a:gsLst>
-            <a:gs pos="0">
-              <a:schemeClr val="phClr">
-                <a:tint val="40000"/>
-                <a:satMod val="350000"/>
-              </a:schemeClr>
-            </a:gs>
-            <a:gs pos="40000">
-              <a:schemeClr val="phClr">
-                <a:tint val="45000"/>
-                <a:shade val="99000"/>
-                <a:satMod val="350000"/>
-              </a:schemeClr>
-            </a:gs>
-            <a:gs pos="100000">
-              <a:schemeClr val="phClr">
-                <a:shade val="20000"/>
-                <a:satMod val="255000"/>
-              </a:schemeClr>
-            </a:gs>
-          </a:gsLst>
-          <a:path path="circle">
-            <a:fillToRect l="50000" t="-80000" r="50000" b="180000"/>
-          </a:path>
-        </a:gradFill>
-        <a:gradFill rotWithShape="1">
-          <a:gsLst>
-            <a:gs pos="0">
-              <a:schemeClr val="phClr">
-                <a:tint val="80000"/>
-                <a:satMod val="300000"/>
-              </a:schemeClr>
-            </a:gs>
-            <a:gs pos="100000">
-              <a:schemeClr val="phClr">
-                <a:shade val="30000"/>
-                <a:satMod val="200000"/>
-              </a:schemeClr>
-            </a:gs>
-          </a:gsLst>
-          <a:path path="circle">
-            <a:fillToRect l="50000" t="50000" r="50000" b="50000"/>
-          </a:path>
-        </a:gradFill>
-      </a:bgFillStyleLst>
-    </a:fmtScheme>
-  </a:themeElements>
-  <a:objectDefaults/>
-  <a:extraClrSchemeLst/>
-</a:theme>
 </file>